--- a/doc/Apresentação Aperture.pptx
+++ b/doc/Apresentação Aperture.pptx
@@ -6,10 +6,11 @@
   </p:sldMasterIdLst>
   <p:sldIdLst>
     <p:sldId id="256" r:id="rId2"/>
-    <p:sldId id="257" r:id="rId3"/>
-    <p:sldId id="259" r:id="rId4"/>
-    <p:sldId id="260" r:id="rId5"/>
-    <p:sldId id="261" r:id="rId6"/>
+    <p:sldId id="262" r:id="rId3"/>
+    <p:sldId id="257" r:id="rId4"/>
+    <p:sldId id="259" r:id="rId5"/>
+    <p:sldId id="260" r:id="rId6"/>
+    <p:sldId id="261" r:id="rId7"/>
   </p:sldIdLst>
   <p:sldSz cx="12192000" cy="6858000"/>
   <p:notesSz cx="6858000" cy="9144000"/>
@@ -108,6 +109,11 @@
       </a:defRPr>
     </a:lvl9pPr>
   </p:defaultTextStyle>
+  <p:extLst>
+    <p:ext uri="{EFAFB233-063F-42B5-8137-9DF3F51BA10A}">
+      <p15:sldGuideLst xmlns:p15="http://schemas.microsoft.com/office/powerpoint/2012/main"/>
+    </p:ext>
+  </p:extLst>
 </p:presentation>
 </file>
 
@@ -117,6 +123,43 @@
     <p1510:client id="{FDCA73B9-671F-7046-8C83-4E008DD2AC85}" v="28" dt="2022-06-06T18:22:48.696"/>
   </p1510:revLst>
 </p1510:revInfo>
+</file>
+
+<file path=ppt/changesInfos/changesInfo1.xml><?xml version="1.0" encoding="utf-8"?>
+<pc:chgInfo xmlns:a="http://schemas.openxmlformats.org/drawingml/2006/main" xmlns:r="http://schemas.openxmlformats.org/officeDocument/2006/relationships" xmlns:ac="http://schemas.microsoft.com/office/drawing/2013/main/command" xmlns:pc="http://schemas.microsoft.com/office/powerpoint/2013/main/command">
+  <pc:docChgLst>
+    <pc:chgData name="João Vitor Sales" userId="9065ab77ae48b363" providerId="LiveId" clId="{FDCA73B9-671F-7046-8C83-4E008DD2AC85}"/>
+    <pc:docChg chg="custSel addSld modSld">
+      <pc:chgData name="João Vitor Sales" userId="9065ab77ae48b363" providerId="LiveId" clId="{FDCA73B9-671F-7046-8C83-4E008DD2AC85}" dt="2022-06-07T14:31:24.843" v="130" actId="20577"/>
+      <pc:docMkLst>
+        <pc:docMk/>
+      </pc:docMkLst>
+      <pc:sldChg chg="modSp new mod">
+        <pc:chgData name="João Vitor Sales" userId="9065ab77ae48b363" providerId="LiveId" clId="{FDCA73B9-671F-7046-8C83-4E008DD2AC85}" dt="2022-06-07T14:31:24.843" v="130" actId="20577"/>
+        <pc:sldMkLst>
+          <pc:docMk/>
+          <pc:sldMk cId="2467341481" sldId="262"/>
+        </pc:sldMkLst>
+        <pc:spChg chg="mod">
+          <ac:chgData name="João Vitor Sales" userId="9065ab77ae48b363" providerId="LiveId" clId="{FDCA73B9-671F-7046-8C83-4E008DD2AC85}" dt="2022-06-07T14:30:31.786" v="23" actId="20577"/>
+          <ac:spMkLst>
+            <pc:docMk/>
+            <pc:sldMk cId="2467341481" sldId="262"/>
+            <ac:spMk id="2" creationId="{372E1C91-2B59-6696-20A8-86C815F9ABAC}"/>
+          </ac:spMkLst>
+        </pc:spChg>
+        <pc:spChg chg="mod">
+          <ac:chgData name="João Vitor Sales" userId="9065ab77ae48b363" providerId="LiveId" clId="{FDCA73B9-671F-7046-8C83-4E008DD2AC85}" dt="2022-06-07T14:31:24.843" v="130" actId="20577"/>
+          <ac:spMkLst>
+            <pc:docMk/>
+            <pc:sldMk cId="2467341481" sldId="262"/>
+            <ac:spMk id="3" creationId="{BD695B90-7CF1-7F62-4048-1509AA4FB24E}"/>
+          </ac:spMkLst>
+        </pc:spChg>
+      </pc:sldChg>
+    </pc:docChg>
+  </pc:docChgLst>
+</pc:chgInfo>
 </file>
 
 <file path=ppt/diagrams/colors1.xml><?xml version="1.0" encoding="utf-8"?>
@@ -2997,7 +3040,7 @@
           <a:p>
             <a:fld id="{B1440F56-6110-1348-9637-B433DD6BC123}" type="datetimeFigureOut">
               <a:rPr lang="pt-BR" smtClean="0"/>
-              <a:t>06/06/2022</a:t>
+              <a:t>07/06/2022</a:t>
             </a:fld>
             <a:endParaRPr lang="pt-BR"/>
           </a:p>
@@ -3195,7 +3238,7 @@
           <a:p>
             <a:fld id="{B1440F56-6110-1348-9637-B433DD6BC123}" type="datetimeFigureOut">
               <a:rPr lang="pt-BR" smtClean="0"/>
-              <a:t>06/06/2022</a:t>
+              <a:t>07/06/2022</a:t>
             </a:fld>
             <a:endParaRPr lang="pt-BR"/>
           </a:p>
@@ -3403,7 +3446,7 @@
           <a:p>
             <a:fld id="{B1440F56-6110-1348-9637-B433DD6BC123}" type="datetimeFigureOut">
               <a:rPr lang="pt-BR" smtClean="0"/>
-              <a:t>06/06/2022</a:t>
+              <a:t>07/06/2022</a:t>
             </a:fld>
             <a:endParaRPr lang="pt-BR"/>
           </a:p>
@@ -3601,7 +3644,7 @@
           <a:p>
             <a:fld id="{B1440F56-6110-1348-9637-B433DD6BC123}" type="datetimeFigureOut">
               <a:rPr lang="pt-BR" smtClean="0"/>
-              <a:t>06/06/2022</a:t>
+              <a:t>07/06/2022</a:t>
             </a:fld>
             <a:endParaRPr lang="pt-BR"/>
           </a:p>
@@ -3876,7 +3919,7 @@
           <a:p>
             <a:fld id="{B1440F56-6110-1348-9637-B433DD6BC123}" type="datetimeFigureOut">
               <a:rPr lang="pt-BR" smtClean="0"/>
-              <a:t>06/06/2022</a:t>
+              <a:t>07/06/2022</a:t>
             </a:fld>
             <a:endParaRPr lang="pt-BR"/>
           </a:p>
@@ -4141,7 +4184,7 @@
           <a:p>
             <a:fld id="{B1440F56-6110-1348-9637-B433DD6BC123}" type="datetimeFigureOut">
               <a:rPr lang="pt-BR" smtClean="0"/>
-              <a:t>06/06/2022</a:t>
+              <a:t>07/06/2022</a:t>
             </a:fld>
             <a:endParaRPr lang="pt-BR"/>
           </a:p>
@@ -4553,7 +4596,7 @@
           <a:p>
             <a:fld id="{B1440F56-6110-1348-9637-B433DD6BC123}" type="datetimeFigureOut">
               <a:rPr lang="pt-BR" smtClean="0"/>
-              <a:t>06/06/2022</a:t>
+              <a:t>07/06/2022</a:t>
             </a:fld>
             <a:endParaRPr lang="pt-BR"/>
           </a:p>
@@ -4694,7 +4737,7 @@
           <a:p>
             <a:fld id="{B1440F56-6110-1348-9637-B433DD6BC123}" type="datetimeFigureOut">
               <a:rPr lang="pt-BR" smtClean="0"/>
-              <a:t>06/06/2022</a:t>
+              <a:t>07/06/2022</a:t>
             </a:fld>
             <a:endParaRPr lang="pt-BR"/>
           </a:p>
@@ -4807,7 +4850,7 @@
           <a:p>
             <a:fld id="{B1440F56-6110-1348-9637-B433DD6BC123}" type="datetimeFigureOut">
               <a:rPr lang="pt-BR" smtClean="0"/>
-              <a:t>06/06/2022</a:t>
+              <a:t>07/06/2022</a:t>
             </a:fld>
             <a:endParaRPr lang="pt-BR"/>
           </a:p>
@@ -5118,7 +5161,7 @@
           <a:p>
             <a:fld id="{B1440F56-6110-1348-9637-B433DD6BC123}" type="datetimeFigureOut">
               <a:rPr lang="pt-BR" smtClean="0"/>
-              <a:t>06/06/2022</a:t>
+              <a:t>07/06/2022</a:t>
             </a:fld>
             <a:endParaRPr lang="pt-BR"/>
           </a:p>
@@ -5406,7 +5449,7 @@
           <a:p>
             <a:fld id="{B1440F56-6110-1348-9637-B433DD6BC123}" type="datetimeFigureOut">
               <a:rPr lang="pt-BR" smtClean="0"/>
-              <a:t>06/06/2022</a:t>
+              <a:t>07/06/2022</a:t>
             </a:fld>
             <a:endParaRPr lang="pt-BR"/>
           </a:p>
@@ -5647,7 +5690,7 @@
           <a:p>
             <a:fld id="{B1440F56-6110-1348-9637-B433DD6BC123}" type="datetimeFigureOut">
               <a:rPr lang="pt-BR" smtClean="0"/>
-              <a:t>06/06/2022</a:t>
+              <a:t>07/06/2022</a:t>
             </a:fld>
             <a:endParaRPr lang="pt-BR"/>
           </a:p>
@@ -6331,6 +6374,108 @@
 <file path=ppt/slides/slide2.xml><?xml version="1.0" encoding="utf-8"?>
 <p:sld xmlns:a="http://schemas.openxmlformats.org/drawingml/2006/main" xmlns:r="http://schemas.openxmlformats.org/officeDocument/2006/relationships" xmlns:p="http://schemas.openxmlformats.org/presentationml/2006/main">
   <p:cSld>
+    <p:spTree>
+      <p:nvGrpSpPr>
+        <p:cNvPr id="1" name=""/>
+        <p:cNvGrpSpPr/>
+        <p:nvPr/>
+      </p:nvGrpSpPr>
+      <p:grpSpPr>
+        <a:xfrm>
+          <a:off x="0" y="0"/>
+          <a:ext cx="0" cy="0"/>
+          <a:chOff x="0" y="0"/>
+          <a:chExt cx="0" cy="0"/>
+        </a:xfrm>
+      </p:grpSpPr>
+      <p:sp>
+        <p:nvSpPr>
+          <p:cNvPr id="2" name="Título 1">
+            <a:extLst>
+              <a:ext uri="{FF2B5EF4-FFF2-40B4-BE49-F238E27FC236}">
+                <a16:creationId xmlns:a16="http://schemas.microsoft.com/office/drawing/2014/main" id="{372E1C91-2B59-6696-20A8-86C815F9ABAC}"/>
+              </a:ext>
+            </a:extLst>
+          </p:cNvPr>
+          <p:cNvSpPr>
+            <a:spLocks noGrp="1"/>
+          </p:cNvSpPr>
+          <p:nvPr>
+            <p:ph type="title"/>
+          </p:nvPr>
+        </p:nvSpPr>
+        <p:spPr/>
+        <p:txBody>
+          <a:bodyPr/>
+          <a:lstStyle/>
+          <a:p>
+            <a:r>
+              <a:rPr lang="pt-BR" dirty="0"/>
+              <a:t>Introdução ao tema</a:t>
+            </a:r>
+          </a:p>
+        </p:txBody>
+      </p:sp>
+      <p:sp>
+        <p:nvSpPr>
+          <p:cNvPr id="3" name="Espaço Reservado para Conteúdo 2">
+            <a:extLst>
+              <a:ext uri="{FF2B5EF4-FFF2-40B4-BE49-F238E27FC236}">
+                <a16:creationId xmlns:a16="http://schemas.microsoft.com/office/drawing/2014/main" id="{BD695B90-7CF1-7F62-4048-1509AA4FB24E}"/>
+              </a:ext>
+            </a:extLst>
+          </p:cNvPr>
+          <p:cNvSpPr>
+            <a:spLocks noGrp="1"/>
+          </p:cNvSpPr>
+          <p:nvPr>
+            <p:ph idx="1"/>
+          </p:nvPr>
+        </p:nvSpPr>
+        <p:spPr/>
+        <p:txBody>
+          <a:bodyPr/>
+          <a:lstStyle/>
+          <a:p>
+            <a:r>
+              <a:rPr lang="pt-BR" dirty="0" err="1"/>
+              <a:t>Aperture</a:t>
+            </a:r>
+            <a:r>
+              <a:rPr lang="pt-BR"/>
+              <a:t> Science – </a:t>
+            </a:r>
+            <a:r>
+              <a:rPr lang="pt-BR" dirty="0"/>
+              <a:t>O </a:t>
+            </a:r>
+            <a:r>
+              <a:rPr lang="pt-BR"/>
+              <a:t>que é / </a:t>
+            </a:r>
+            <a:r>
+              <a:rPr lang="pt-BR" dirty="0"/>
+              <a:t>O que faz</a:t>
+            </a:r>
+          </a:p>
+        </p:txBody>
+      </p:sp>
+    </p:spTree>
+    <p:extLst>
+      <p:ext uri="{BB962C8B-B14F-4D97-AF65-F5344CB8AC3E}">
+        <p14:creationId xmlns:p14="http://schemas.microsoft.com/office/powerpoint/2010/main" val="2467341481"/>
+      </p:ext>
+    </p:extLst>
+  </p:cSld>
+  <p:clrMapOvr>
+    <a:masterClrMapping/>
+  </p:clrMapOvr>
+</p:sld>
+</file>
+
+<file path=ppt/slides/slide3.xml><?xml version="1.0" encoding="utf-8"?>
+<p:sld xmlns:a="http://schemas.openxmlformats.org/drawingml/2006/main" xmlns:r="http://schemas.openxmlformats.org/officeDocument/2006/relationships" xmlns:p="http://schemas.openxmlformats.org/presentationml/2006/main">
+  <p:cSld>
     <p:bg>
       <p:bgPr>
         <a:solidFill>
@@ -6977,7 +7122,7 @@
 </p:sld>
 </file>
 
-<file path=ppt/slides/slide3.xml><?xml version="1.0" encoding="utf-8"?>
+<file path=ppt/slides/slide4.xml><?xml version="1.0" encoding="utf-8"?>
 <p:sld xmlns:a="http://schemas.openxmlformats.org/drawingml/2006/main" xmlns:r="http://schemas.openxmlformats.org/officeDocument/2006/relationships" xmlns:p="http://schemas.openxmlformats.org/presentationml/2006/main">
   <p:cSld>
     <p:spTree>
@@ -7067,7 +7212,7 @@
 </p:sld>
 </file>
 
-<file path=ppt/slides/slide4.xml><?xml version="1.0" encoding="utf-8"?>
+<file path=ppt/slides/slide5.xml><?xml version="1.0" encoding="utf-8"?>
 <p:sld xmlns:a="http://schemas.openxmlformats.org/drawingml/2006/main" xmlns:r="http://schemas.openxmlformats.org/officeDocument/2006/relationships" xmlns:p="http://schemas.openxmlformats.org/presentationml/2006/main">
   <p:cSld>
     <p:spTree>
@@ -7165,7 +7310,7 @@
 </p:sld>
 </file>
 
-<file path=ppt/slides/slide5.xml><?xml version="1.0" encoding="utf-8"?>
+<file path=ppt/slides/slide6.xml><?xml version="1.0" encoding="utf-8"?>
 <p:sld xmlns:a="http://schemas.openxmlformats.org/drawingml/2006/main" xmlns:r="http://schemas.openxmlformats.org/officeDocument/2006/relationships" xmlns:p="http://schemas.openxmlformats.org/presentationml/2006/main">
   <p:cSld>
     <p:spTree>

--- a/doc/Apresentação Aperture.pptx
+++ b/doc/Apresentação Aperture.pptx
@@ -9,8 +9,10 @@
     <p:sldId id="262" r:id="rId3"/>
     <p:sldId id="257" r:id="rId4"/>
     <p:sldId id="259" r:id="rId5"/>
-    <p:sldId id="260" r:id="rId6"/>
-    <p:sldId id="261" r:id="rId7"/>
+    <p:sldId id="264" r:id="rId6"/>
+    <p:sldId id="260" r:id="rId7"/>
+    <p:sldId id="261" r:id="rId8"/>
+    <p:sldId id="263" r:id="rId9"/>
   </p:sldIdLst>
   <p:sldSz cx="12192000" cy="6858000"/>
   <p:notesSz cx="6858000" cy="9144000"/>
@@ -909,6 +911,927 @@
 </dgm:colorsDef>
 </file>
 
+<file path=ppt/diagrams/colors2.xml><?xml version="1.0" encoding="utf-8"?>
+<dgm:colorsDef xmlns:dgm="http://schemas.openxmlformats.org/drawingml/2006/diagram" xmlns:a="http://schemas.openxmlformats.org/drawingml/2006/main" uniqueId="urn:microsoft.com/office/officeart/2018/5/colors/Iconchunking_neutralbg_colorful1">
+  <dgm:title val=""/>
+  <dgm:desc val=""/>
+  <dgm:catLst>
+    <dgm:cat type="colorful" pri="10100"/>
+  </dgm:catLst>
+  <dgm:styleLbl name="node0">
+    <dgm:fillClrLst meth="repeat">
+      <a:schemeClr val="accent1"/>
+    </dgm:fillClrLst>
+    <dgm:linClrLst meth="repeat">
+      <a:schemeClr val="lt1"/>
+    </dgm:linClrLst>
+    <dgm:effectClrLst/>
+    <dgm:txLinClrLst/>
+    <dgm:txFillClrLst/>
+    <dgm:txEffectClrLst/>
+  </dgm:styleLbl>
+  <dgm:styleLbl name="node1">
+    <dgm:fillClrLst meth="repeat">
+      <a:schemeClr val="accent2"/>
+      <a:schemeClr val="accent3"/>
+      <a:schemeClr val="accent4"/>
+      <a:schemeClr val="accent5"/>
+      <a:schemeClr val="accent6"/>
+    </dgm:fillClrLst>
+    <dgm:linClrLst meth="repeat">
+      <a:schemeClr val="lt1">
+        <a:alpha val="0"/>
+      </a:schemeClr>
+    </dgm:linClrLst>
+    <dgm:effectClrLst/>
+    <dgm:txLinClrLst/>
+    <dgm:txFillClrLst/>
+    <dgm:txEffectClrLst/>
+  </dgm:styleLbl>
+  <dgm:styleLbl name="alignNode1">
+    <dgm:fillClrLst meth="repeat">
+      <a:schemeClr val="accent2"/>
+      <a:schemeClr val="accent3"/>
+      <a:schemeClr val="accent4"/>
+      <a:schemeClr val="accent5"/>
+      <a:schemeClr val="accent6"/>
+    </dgm:fillClrLst>
+    <dgm:linClrLst meth="repeat">
+      <a:schemeClr val="accent2"/>
+      <a:schemeClr val="accent3"/>
+      <a:schemeClr val="accent4"/>
+      <a:schemeClr val="accent5"/>
+      <a:schemeClr val="accent6"/>
+    </dgm:linClrLst>
+    <dgm:effectClrLst/>
+    <dgm:txLinClrLst/>
+    <dgm:txFillClrLst/>
+    <dgm:txEffectClrLst/>
+  </dgm:styleLbl>
+  <dgm:styleLbl name="lnNode1">
+    <dgm:fillClrLst meth="repeat">
+      <a:schemeClr val="accent2"/>
+      <a:schemeClr val="accent3"/>
+      <a:schemeClr val="accent4"/>
+      <a:schemeClr val="accent5"/>
+      <a:schemeClr val="accent6"/>
+    </dgm:fillClrLst>
+    <dgm:linClrLst meth="repeat">
+      <a:schemeClr val="lt1"/>
+    </dgm:linClrLst>
+    <dgm:effectClrLst/>
+    <dgm:txLinClrLst/>
+    <dgm:txFillClrLst/>
+    <dgm:txEffectClrLst/>
+  </dgm:styleLbl>
+  <dgm:styleLbl name="vennNode1">
+    <dgm:fillClrLst meth="repeat">
+      <a:schemeClr val="accent2">
+        <a:alpha val="50000"/>
+      </a:schemeClr>
+      <a:schemeClr val="accent3">
+        <a:alpha val="50000"/>
+      </a:schemeClr>
+      <a:schemeClr val="accent4">
+        <a:alpha val="50000"/>
+      </a:schemeClr>
+      <a:schemeClr val="accent5">
+        <a:alpha val="50000"/>
+      </a:schemeClr>
+      <a:schemeClr val="accent6">
+        <a:alpha val="50000"/>
+      </a:schemeClr>
+    </dgm:fillClrLst>
+    <dgm:linClrLst meth="repeat">
+      <a:schemeClr val="lt1"/>
+    </dgm:linClrLst>
+    <dgm:effectClrLst/>
+    <dgm:txLinClrLst/>
+    <dgm:txFillClrLst/>
+    <dgm:txEffectClrLst/>
+  </dgm:styleLbl>
+  <dgm:styleLbl name="node2">
+    <dgm:fillClrLst>
+      <a:schemeClr val="accent2"/>
+    </dgm:fillClrLst>
+    <dgm:linClrLst meth="repeat">
+      <a:schemeClr val="lt1"/>
+    </dgm:linClrLst>
+    <dgm:effectClrLst/>
+    <dgm:txLinClrLst/>
+    <dgm:txFillClrLst/>
+    <dgm:txEffectClrLst/>
+  </dgm:styleLbl>
+  <dgm:styleLbl name="node3">
+    <dgm:fillClrLst>
+      <a:schemeClr val="accent3"/>
+    </dgm:fillClrLst>
+    <dgm:linClrLst meth="repeat">
+      <a:schemeClr val="lt1"/>
+    </dgm:linClrLst>
+    <dgm:effectClrLst/>
+    <dgm:txLinClrLst/>
+    <dgm:txFillClrLst/>
+    <dgm:txEffectClrLst/>
+  </dgm:styleLbl>
+  <dgm:styleLbl name="node4">
+    <dgm:fillClrLst>
+      <a:schemeClr val="accent4"/>
+    </dgm:fillClrLst>
+    <dgm:linClrLst meth="repeat">
+      <a:schemeClr val="lt1"/>
+    </dgm:linClrLst>
+    <dgm:effectClrLst/>
+    <dgm:txLinClrLst/>
+    <dgm:txFillClrLst/>
+    <dgm:txEffectClrLst/>
+  </dgm:styleLbl>
+  <dgm:styleLbl name="fgImgPlace1">
+    <dgm:fillClrLst meth="repeat">
+      <a:schemeClr val="accent2">
+        <a:tint val="50000"/>
+      </a:schemeClr>
+      <a:schemeClr val="accent3">
+        <a:tint val="50000"/>
+      </a:schemeClr>
+      <a:schemeClr val="accent4">
+        <a:tint val="50000"/>
+      </a:schemeClr>
+      <a:schemeClr val="accent5">
+        <a:tint val="50000"/>
+      </a:schemeClr>
+      <a:schemeClr val="accent6">
+        <a:tint val="50000"/>
+      </a:schemeClr>
+    </dgm:fillClrLst>
+    <dgm:linClrLst meth="repeat">
+      <a:schemeClr val="lt1"/>
+    </dgm:linClrLst>
+    <dgm:effectClrLst/>
+    <dgm:txLinClrLst/>
+    <dgm:txFillClrLst meth="repeat">
+      <a:schemeClr val="lt1"/>
+    </dgm:txFillClrLst>
+    <dgm:txEffectClrLst/>
+  </dgm:styleLbl>
+  <dgm:styleLbl name="alignImgPlace1">
+    <dgm:fillClrLst>
+      <a:schemeClr val="accent1">
+        <a:tint val="50000"/>
+      </a:schemeClr>
+      <a:schemeClr val="accent2">
+        <a:tint val="20000"/>
+      </a:schemeClr>
+    </dgm:fillClrLst>
+    <dgm:linClrLst meth="repeat">
+      <a:schemeClr val="lt1"/>
+    </dgm:linClrLst>
+    <dgm:effectClrLst/>
+    <dgm:txLinClrLst/>
+    <dgm:txFillClrLst meth="repeat">
+      <a:schemeClr val="lt1"/>
+    </dgm:txFillClrLst>
+    <dgm:txEffectClrLst/>
+  </dgm:styleLbl>
+  <dgm:styleLbl name="bgImgPlace1">
+    <dgm:fillClrLst>
+      <a:schemeClr val="accent1">
+        <a:tint val="50000"/>
+      </a:schemeClr>
+      <a:schemeClr val="accent2">
+        <a:tint val="20000"/>
+      </a:schemeClr>
+    </dgm:fillClrLst>
+    <dgm:linClrLst meth="repeat">
+      <a:schemeClr val="lt1"/>
+    </dgm:linClrLst>
+    <dgm:effectClrLst/>
+    <dgm:txLinClrLst/>
+    <dgm:txFillClrLst meth="repeat">
+      <a:schemeClr val="lt1"/>
+    </dgm:txFillClrLst>
+    <dgm:txEffectClrLst/>
+  </dgm:styleLbl>
+  <dgm:styleLbl name="sibTrans2D1">
+    <dgm:fillClrLst meth="repeat">
+      <a:schemeClr val="accent2"/>
+      <a:schemeClr val="accent3"/>
+      <a:schemeClr val="accent4"/>
+      <a:schemeClr val="accent5"/>
+      <a:schemeClr val="accent6"/>
+    </dgm:fillClrLst>
+    <dgm:linClrLst meth="cycle">
+      <a:schemeClr val="lt1"/>
+    </dgm:linClrLst>
+    <dgm:effectClrLst/>
+    <dgm:txLinClrLst/>
+    <dgm:txFillClrLst/>
+    <dgm:txEffectClrLst/>
+  </dgm:styleLbl>
+  <dgm:styleLbl name="fgSibTrans2D1">
+    <dgm:fillClrLst meth="repeat">
+      <a:schemeClr val="accent2"/>
+      <a:schemeClr val="accent3"/>
+      <a:schemeClr val="accent4"/>
+      <a:schemeClr val="accent5"/>
+      <a:schemeClr val="accent6"/>
+    </dgm:fillClrLst>
+    <dgm:linClrLst meth="cycle">
+      <a:schemeClr val="lt1"/>
+    </dgm:linClrLst>
+    <dgm:effectClrLst/>
+    <dgm:txLinClrLst/>
+    <dgm:txFillClrLst meth="repeat">
+      <a:schemeClr val="lt1"/>
+    </dgm:txFillClrLst>
+    <dgm:txEffectClrLst/>
+  </dgm:styleLbl>
+  <dgm:styleLbl name="bgSibTrans2D1">
+    <dgm:fillClrLst meth="repeat">
+      <a:schemeClr val="accent2"/>
+      <a:schemeClr val="accent3"/>
+      <a:schemeClr val="accent4"/>
+      <a:schemeClr val="accent5"/>
+      <a:schemeClr val="accent6"/>
+    </dgm:fillClrLst>
+    <dgm:linClrLst meth="cycle">
+      <a:schemeClr val="lt1"/>
+    </dgm:linClrLst>
+    <dgm:effectClrLst/>
+    <dgm:txLinClrLst/>
+    <dgm:txFillClrLst meth="repeat">
+      <a:schemeClr val="lt1"/>
+    </dgm:txFillClrLst>
+    <dgm:txEffectClrLst/>
+  </dgm:styleLbl>
+  <dgm:styleLbl name="sibTrans1D1">
+    <dgm:fillClrLst meth="repeat">
+      <a:schemeClr val="accent2"/>
+      <a:schemeClr val="accent3"/>
+      <a:schemeClr val="accent4"/>
+      <a:schemeClr val="accent5"/>
+      <a:schemeClr val="accent6"/>
+    </dgm:fillClrLst>
+    <dgm:linClrLst meth="repeat">
+      <a:schemeClr val="accent2"/>
+      <a:schemeClr val="accent3"/>
+      <a:schemeClr val="accent4"/>
+      <a:schemeClr val="accent5"/>
+      <a:schemeClr val="accent6"/>
+    </dgm:linClrLst>
+    <dgm:effectClrLst/>
+    <dgm:txLinClrLst/>
+    <dgm:txFillClrLst meth="repeat">
+      <a:schemeClr val="tx1"/>
+    </dgm:txFillClrLst>
+    <dgm:txEffectClrLst/>
+  </dgm:styleLbl>
+  <dgm:styleLbl name="callout">
+    <dgm:fillClrLst meth="repeat">
+      <a:schemeClr val="accent2"/>
+    </dgm:fillClrLst>
+    <dgm:linClrLst meth="repeat">
+      <a:schemeClr val="accent2">
+        <a:tint val="50000"/>
+      </a:schemeClr>
+    </dgm:linClrLst>
+    <dgm:effectClrLst/>
+    <dgm:txLinClrLst/>
+    <dgm:txFillClrLst meth="repeat">
+      <a:schemeClr val="tx1"/>
+    </dgm:txFillClrLst>
+    <dgm:txEffectClrLst/>
+  </dgm:styleLbl>
+  <dgm:styleLbl name="asst0">
+    <dgm:fillClrLst meth="repeat">
+      <a:schemeClr val="accent1"/>
+    </dgm:fillClrLst>
+    <dgm:linClrLst meth="repeat">
+      <a:schemeClr val="lt1"/>
+    </dgm:linClrLst>
+    <dgm:effectClrLst/>
+    <dgm:txLinClrLst/>
+    <dgm:txFillClrLst/>
+    <dgm:txEffectClrLst/>
+  </dgm:styleLbl>
+  <dgm:styleLbl name="asst1">
+    <dgm:fillClrLst meth="repeat">
+      <a:schemeClr val="accent2"/>
+    </dgm:fillClrLst>
+    <dgm:linClrLst meth="repeat">
+      <a:schemeClr val="lt1"/>
+    </dgm:linClrLst>
+    <dgm:effectClrLst/>
+    <dgm:txLinClrLst/>
+    <dgm:txFillClrLst/>
+    <dgm:txEffectClrLst/>
+  </dgm:styleLbl>
+  <dgm:styleLbl name="asst2">
+    <dgm:fillClrLst>
+      <a:schemeClr val="accent3"/>
+    </dgm:fillClrLst>
+    <dgm:linClrLst meth="repeat">
+      <a:schemeClr val="lt1"/>
+    </dgm:linClrLst>
+    <dgm:effectClrLst/>
+    <dgm:txLinClrLst/>
+    <dgm:txFillClrLst/>
+    <dgm:txEffectClrLst/>
+  </dgm:styleLbl>
+  <dgm:styleLbl name="asst3">
+    <dgm:fillClrLst>
+      <a:schemeClr val="accent4"/>
+    </dgm:fillClrLst>
+    <dgm:linClrLst meth="repeat">
+      <a:schemeClr val="lt1"/>
+    </dgm:linClrLst>
+    <dgm:effectClrLst/>
+    <dgm:txLinClrLst/>
+    <dgm:txFillClrLst/>
+    <dgm:txEffectClrLst/>
+  </dgm:styleLbl>
+  <dgm:styleLbl name="asst4">
+    <dgm:fillClrLst>
+      <a:schemeClr val="accent5"/>
+    </dgm:fillClrLst>
+    <dgm:linClrLst meth="repeat">
+      <a:schemeClr val="lt1"/>
+    </dgm:linClrLst>
+    <dgm:effectClrLst/>
+    <dgm:txLinClrLst/>
+    <dgm:txFillClrLst/>
+    <dgm:txEffectClrLst/>
+  </dgm:styleLbl>
+  <dgm:styleLbl name="parChTrans2D1">
+    <dgm:fillClrLst meth="repeat">
+      <a:schemeClr val="accent2"/>
+    </dgm:fillClrLst>
+    <dgm:linClrLst meth="repeat">
+      <a:schemeClr val="lt1"/>
+    </dgm:linClrLst>
+    <dgm:effectClrLst/>
+    <dgm:txLinClrLst/>
+    <dgm:txFillClrLst meth="repeat">
+      <a:schemeClr val="lt1"/>
+    </dgm:txFillClrLst>
+    <dgm:txEffectClrLst/>
+  </dgm:styleLbl>
+  <dgm:styleLbl name="parChTrans2D2">
+    <dgm:fillClrLst meth="repeat">
+      <a:schemeClr val="accent3"/>
+    </dgm:fillClrLst>
+    <dgm:linClrLst meth="repeat">
+      <a:schemeClr val="lt1"/>
+    </dgm:linClrLst>
+    <dgm:effectClrLst/>
+    <dgm:txLinClrLst/>
+    <dgm:txFillClrLst/>
+    <dgm:txEffectClrLst/>
+  </dgm:styleLbl>
+  <dgm:styleLbl name="parChTrans2D3">
+    <dgm:fillClrLst meth="repeat">
+      <a:schemeClr val="accent4"/>
+    </dgm:fillClrLst>
+    <dgm:linClrLst meth="repeat">
+      <a:schemeClr val="lt1"/>
+    </dgm:linClrLst>
+    <dgm:effectClrLst/>
+    <dgm:txLinClrLst/>
+    <dgm:txFillClrLst/>
+    <dgm:txEffectClrLst/>
+  </dgm:styleLbl>
+  <dgm:styleLbl name="parChTrans2D4">
+    <dgm:fillClrLst meth="repeat">
+      <a:schemeClr val="accent5"/>
+    </dgm:fillClrLst>
+    <dgm:linClrLst meth="repeat">
+      <a:schemeClr val="lt1"/>
+    </dgm:linClrLst>
+    <dgm:effectClrLst/>
+    <dgm:txLinClrLst/>
+    <dgm:txFillClrLst meth="repeat">
+      <a:schemeClr val="lt1"/>
+    </dgm:txFillClrLst>
+    <dgm:txEffectClrLst/>
+  </dgm:styleLbl>
+  <dgm:styleLbl name="parChTrans1D1">
+    <dgm:fillClrLst meth="repeat">
+      <a:schemeClr val="accent2"/>
+    </dgm:fillClrLst>
+    <dgm:linClrLst meth="repeat">
+      <a:schemeClr val="accent1"/>
+    </dgm:linClrLst>
+    <dgm:effectClrLst/>
+    <dgm:txLinClrLst/>
+    <dgm:txFillClrLst meth="repeat">
+      <a:schemeClr val="tx1"/>
+    </dgm:txFillClrLst>
+    <dgm:txEffectClrLst/>
+  </dgm:styleLbl>
+  <dgm:styleLbl name="parChTrans1D2">
+    <dgm:fillClrLst meth="repeat">
+      <a:schemeClr val="accent3">
+        <a:tint val="90000"/>
+      </a:schemeClr>
+    </dgm:fillClrLst>
+    <dgm:linClrLst meth="repeat">
+      <a:schemeClr val="accent2"/>
+    </dgm:linClrLst>
+    <dgm:effectClrLst/>
+    <dgm:txLinClrLst/>
+    <dgm:txFillClrLst meth="repeat">
+      <a:schemeClr val="tx1"/>
+    </dgm:txFillClrLst>
+    <dgm:txEffectClrLst/>
+  </dgm:styleLbl>
+  <dgm:styleLbl name="parChTrans1D3">
+    <dgm:fillClrLst meth="repeat">
+      <a:schemeClr val="accent4">
+        <a:tint val="70000"/>
+      </a:schemeClr>
+    </dgm:fillClrLst>
+    <dgm:linClrLst meth="repeat">
+      <a:schemeClr val="accent3"/>
+    </dgm:linClrLst>
+    <dgm:effectClrLst/>
+    <dgm:txLinClrLst/>
+    <dgm:txFillClrLst meth="repeat">
+      <a:schemeClr val="tx1"/>
+    </dgm:txFillClrLst>
+    <dgm:txEffectClrLst/>
+  </dgm:styleLbl>
+  <dgm:styleLbl name="parChTrans1D4">
+    <dgm:fillClrLst meth="repeat">
+      <a:schemeClr val="accent5">
+        <a:tint val="50000"/>
+      </a:schemeClr>
+    </dgm:fillClrLst>
+    <dgm:linClrLst meth="repeat">
+      <a:schemeClr val="accent4"/>
+    </dgm:linClrLst>
+    <dgm:effectClrLst/>
+    <dgm:txLinClrLst/>
+    <dgm:txFillClrLst meth="repeat">
+      <a:schemeClr val="tx1"/>
+    </dgm:txFillClrLst>
+    <dgm:txEffectClrLst/>
+  </dgm:styleLbl>
+  <dgm:styleLbl name="fgAcc1">
+    <dgm:fillClrLst meth="repeat">
+      <a:schemeClr val="lt1">
+        <a:alpha val="90000"/>
+      </a:schemeClr>
+    </dgm:fillClrLst>
+    <dgm:linClrLst meth="repeat">
+      <a:schemeClr val="accent2"/>
+      <a:schemeClr val="accent3"/>
+      <a:schemeClr val="accent4"/>
+      <a:schemeClr val="accent5"/>
+      <a:schemeClr val="accent6"/>
+    </dgm:linClrLst>
+    <dgm:effectClrLst/>
+    <dgm:txLinClrLst/>
+    <dgm:txFillClrLst meth="repeat">
+      <a:schemeClr val="dk1"/>
+    </dgm:txFillClrLst>
+    <dgm:txEffectClrLst/>
+  </dgm:styleLbl>
+  <dgm:styleLbl name="conFgAcc1">
+    <dgm:fillClrLst meth="repeat">
+      <a:schemeClr val="lt1">
+        <a:alpha val="90000"/>
+      </a:schemeClr>
+    </dgm:fillClrLst>
+    <dgm:linClrLst meth="repeat">
+      <a:schemeClr val="accent2"/>
+      <a:schemeClr val="accent3"/>
+      <a:schemeClr val="accent4"/>
+      <a:schemeClr val="accent5"/>
+      <a:schemeClr val="accent6"/>
+    </dgm:linClrLst>
+    <dgm:effectClrLst/>
+    <dgm:txLinClrLst/>
+    <dgm:txFillClrLst meth="repeat">
+      <a:schemeClr val="dk1"/>
+    </dgm:txFillClrLst>
+    <dgm:txEffectClrLst/>
+  </dgm:styleLbl>
+  <dgm:styleLbl name="alignAcc1">
+    <dgm:fillClrLst meth="repeat">
+      <a:schemeClr val="lt1">
+        <a:alpha val="90000"/>
+      </a:schemeClr>
+    </dgm:fillClrLst>
+    <dgm:linClrLst meth="repeat">
+      <a:schemeClr val="accent2"/>
+      <a:schemeClr val="accent3"/>
+      <a:schemeClr val="accent4"/>
+      <a:schemeClr val="accent5"/>
+      <a:schemeClr val="accent6"/>
+    </dgm:linClrLst>
+    <dgm:effectClrLst/>
+    <dgm:txLinClrLst/>
+    <dgm:txFillClrLst meth="repeat">
+      <a:schemeClr val="dk1"/>
+    </dgm:txFillClrLst>
+    <dgm:txEffectClrLst/>
+  </dgm:styleLbl>
+  <dgm:styleLbl name="trAlignAcc1">
+    <dgm:fillClrLst meth="repeat">
+      <a:schemeClr val="lt1">
+        <a:alpha val="40000"/>
+      </a:schemeClr>
+    </dgm:fillClrLst>
+    <dgm:linClrLst meth="repeat">
+      <a:schemeClr val="accent1"/>
+    </dgm:linClrLst>
+    <dgm:effectClrLst/>
+    <dgm:txLinClrLst/>
+    <dgm:txFillClrLst meth="repeat">
+      <a:schemeClr val="dk1"/>
+    </dgm:txFillClrLst>
+    <dgm:txEffectClrLst/>
+  </dgm:styleLbl>
+  <dgm:styleLbl name="bgAcc1">
+    <dgm:fillClrLst meth="repeat">
+      <a:schemeClr val="lt1">
+        <a:alpha val="90000"/>
+      </a:schemeClr>
+    </dgm:fillClrLst>
+    <dgm:linClrLst meth="repeat">
+      <a:schemeClr val="accent2"/>
+      <a:schemeClr val="accent3"/>
+      <a:schemeClr val="accent4"/>
+      <a:schemeClr val="accent5"/>
+      <a:schemeClr val="accent6"/>
+    </dgm:linClrLst>
+    <dgm:effectClrLst/>
+    <dgm:txLinClrLst/>
+    <dgm:txFillClrLst meth="repeat">
+      <a:schemeClr val="dk1"/>
+    </dgm:txFillClrLst>
+    <dgm:txEffectClrLst/>
+  </dgm:styleLbl>
+  <dgm:styleLbl name="solidFgAcc1">
+    <dgm:fillClrLst meth="repeat">
+      <a:schemeClr val="lt1"/>
+    </dgm:fillClrLst>
+    <dgm:linClrLst meth="repeat">
+      <a:schemeClr val="accent2"/>
+      <a:schemeClr val="accent3"/>
+      <a:schemeClr val="accent4"/>
+      <a:schemeClr val="accent5"/>
+      <a:schemeClr val="accent6"/>
+    </dgm:linClrLst>
+    <dgm:effectClrLst/>
+    <dgm:txLinClrLst/>
+    <dgm:txFillClrLst meth="repeat">
+      <a:schemeClr val="dk1"/>
+    </dgm:txFillClrLst>
+    <dgm:txEffectClrLst/>
+  </dgm:styleLbl>
+  <dgm:styleLbl name="solidAlignAcc1">
+    <dgm:fillClrLst meth="repeat">
+      <a:schemeClr val="lt1"/>
+    </dgm:fillClrLst>
+    <dgm:linClrLst meth="repeat">
+      <a:schemeClr val="accent2"/>
+      <a:schemeClr val="accent3"/>
+      <a:schemeClr val="accent4"/>
+      <a:schemeClr val="accent5"/>
+      <a:schemeClr val="accent6"/>
+    </dgm:linClrLst>
+    <dgm:effectClrLst/>
+    <dgm:txLinClrLst/>
+    <dgm:txFillClrLst meth="repeat">
+      <a:schemeClr val="dk1"/>
+    </dgm:txFillClrLst>
+    <dgm:txEffectClrLst/>
+  </dgm:styleLbl>
+  <dgm:styleLbl name="solidBgAcc1">
+    <dgm:fillClrLst meth="repeat">
+      <a:schemeClr val="lt1"/>
+    </dgm:fillClrLst>
+    <dgm:linClrLst meth="repeat">
+      <a:schemeClr val="accent2"/>
+      <a:schemeClr val="accent3"/>
+      <a:schemeClr val="accent4"/>
+      <a:schemeClr val="accent5"/>
+      <a:schemeClr val="accent6"/>
+    </dgm:linClrLst>
+    <dgm:effectClrLst/>
+    <dgm:txLinClrLst/>
+    <dgm:txFillClrLst meth="repeat">
+      <a:schemeClr val="dk1"/>
+    </dgm:txFillClrLst>
+    <dgm:txEffectClrLst/>
+  </dgm:styleLbl>
+  <dgm:styleLbl name="fgAccFollowNode1">
+    <dgm:fillClrLst meth="repeat">
+      <a:schemeClr val="accent2">
+        <a:tint val="40000"/>
+        <a:alpha val="90000"/>
+      </a:schemeClr>
+      <a:schemeClr val="accent3">
+        <a:tint val="40000"/>
+        <a:alpha val="90000"/>
+      </a:schemeClr>
+      <a:schemeClr val="accent4">
+        <a:tint val="40000"/>
+        <a:alpha val="90000"/>
+      </a:schemeClr>
+      <a:schemeClr val="accent5">
+        <a:tint val="40000"/>
+        <a:alpha val="90000"/>
+      </a:schemeClr>
+      <a:schemeClr val="accent6">
+        <a:tint val="40000"/>
+        <a:alpha val="90000"/>
+      </a:schemeClr>
+    </dgm:fillClrLst>
+    <dgm:linClrLst meth="repeat">
+      <a:schemeClr val="accent2">
+        <a:tint val="40000"/>
+        <a:alpha val="90000"/>
+      </a:schemeClr>
+      <a:schemeClr val="accent3">
+        <a:tint val="40000"/>
+        <a:alpha val="90000"/>
+      </a:schemeClr>
+      <a:schemeClr val="accent4">
+        <a:tint val="40000"/>
+        <a:alpha val="90000"/>
+      </a:schemeClr>
+      <a:schemeClr val="accent5">
+        <a:tint val="40000"/>
+        <a:alpha val="90000"/>
+      </a:schemeClr>
+      <a:schemeClr val="accent6">
+        <a:tint val="40000"/>
+        <a:alpha val="90000"/>
+      </a:schemeClr>
+    </dgm:linClrLst>
+    <dgm:effectClrLst/>
+    <dgm:txLinClrLst/>
+    <dgm:txFillClrLst meth="repeat">
+      <a:schemeClr val="dk1"/>
+    </dgm:txFillClrLst>
+    <dgm:txEffectClrLst/>
+  </dgm:styleLbl>
+  <dgm:styleLbl name="alignAccFollowNode1">
+    <dgm:fillClrLst meth="repeat">
+      <a:schemeClr val="accent2">
+        <a:tint val="40000"/>
+        <a:alpha val="90000"/>
+      </a:schemeClr>
+      <a:schemeClr val="accent3">
+        <a:tint val="40000"/>
+        <a:alpha val="90000"/>
+      </a:schemeClr>
+      <a:schemeClr val="accent4">
+        <a:tint val="40000"/>
+        <a:alpha val="90000"/>
+      </a:schemeClr>
+      <a:schemeClr val="accent5">
+        <a:tint val="40000"/>
+        <a:alpha val="90000"/>
+      </a:schemeClr>
+      <a:schemeClr val="accent6">
+        <a:tint val="40000"/>
+        <a:alpha val="90000"/>
+      </a:schemeClr>
+    </dgm:fillClrLst>
+    <dgm:linClrLst meth="repeat">
+      <a:schemeClr val="accent2">
+        <a:tint val="40000"/>
+        <a:alpha val="90000"/>
+      </a:schemeClr>
+      <a:schemeClr val="accent3">
+        <a:tint val="40000"/>
+        <a:alpha val="90000"/>
+      </a:schemeClr>
+      <a:schemeClr val="accent4">
+        <a:tint val="40000"/>
+        <a:alpha val="90000"/>
+      </a:schemeClr>
+      <a:schemeClr val="accent5">
+        <a:tint val="40000"/>
+        <a:alpha val="90000"/>
+      </a:schemeClr>
+      <a:schemeClr val="accent6">
+        <a:tint val="40000"/>
+        <a:alpha val="90000"/>
+      </a:schemeClr>
+    </dgm:linClrLst>
+    <dgm:effectClrLst/>
+    <dgm:txLinClrLst/>
+    <dgm:txFillClrLst meth="repeat">
+      <a:schemeClr val="dk1"/>
+    </dgm:txFillClrLst>
+    <dgm:txEffectClrLst/>
+  </dgm:styleLbl>
+  <dgm:styleLbl name="bgAccFollowNode1">
+    <dgm:fillClrLst meth="repeat">
+      <a:schemeClr val="accent2">
+        <a:tint val="40000"/>
+        <a:alpha val="90000"/>
+      </a:schemeClr>
+      <a:schemeClr val="accent3">
+        <a:tint val="40000"/>
+        <a:alpha val="90000"/>
+      </a:schemeClr>
+      <a:schemeClr val="accent4">
+        <a:tint val="40000"/>
+        <a:alpha val="90000"/>
+      </a:schemeClr>
+      <a:schemeClr val="accent5">
+        <a:tint val="40000"/>
+        <a:alpha val="90000"/>
+      </a:schemeClr>
+      <a:schemeClr val="accent6">
+        <a:tint val="40000"/>
+        <a:alpha val="90000"/>
+      </a:schemeClr>
+    </dgm:fillClrLst>
+    <dgm:linClrLst meth="repeat">
+      <a:schemeClr val="accent2">
+        <a:tint val="40000"/>
+        <a:alpha val="90000"/>
+      </a:schemeClr>
+      <a:schemeClr val="accent3">
+        <a:tint val="40000"/>
+        <a:alpha val="90000"/>
+      </a:schemeClr>
+      <a:schemeClr val="accent4">
+        <a:tint val="40000"/>
+        <a:alpha val="90000"/>
+      </a:schemeClr>
+      <a:schemeClr val="accent5">
+        <a:tint val="40000"/>
+        <a:alpha val="90000"/>
+      </a:schemeClr>
+      <a:schemeClr val="accent6">
+        <a:tint val="40000"/>
+        <a:alpha val="90000"/>
+      </a:schemeClr>
+    </dgm:linClrLst>
+    <dgm:effectClrLst/>
+    <dgm:txLinClrLst/>
+    <dgm:txFillClrLst meth="repeat">
+      <a:schemeClr val="dk1"/>
+    </dgm:txFillClrLst>
+    <dgm:txEffectClrLst/>
+  </dgm:styleLbl>
+  <dgm:styleLbl name="fgAcc0">
+    <dgm:fillClrLst meth="repeat">
+      <a:schemeClr val="lt1">
+        <a:alpha val="90000"/>
+      </a:schemeClr>
+    </dgm:fillClrLst>
+    <dgm:linClrLst>
+      <a:schemeClr val="accent1"/>
+    </dgm:linClrLst>
+    <dgm:effectClrLst/>
+    <dgm:txLinClrLst/>
+    <dgm:txFillClrLst meth="repeat">
+      <a:schemeClr val="dk1"/>
+    </dgm:txFillClrLst>
+    <dgm:txEffectClrLst/>
+  </dgm:styleLbl>
+  <dgm:styleLbl name="fgAcc2">
+    <dgm:fillClrLst meth="repeat">
+      <a:schemeClr val="lt1">
+        <a:alpha val="90000"/>
+      </a:schemeClr>
+    </dgm:fillClrLst>
+    <dgm:linClrLst>
+      <a:schemeClr val="accent2"/>
+    </dgm:linClrLst>
+    <dgm:effectClrLst/>
+    <dgm:txLinClrLst/>
+    <dgm:txFillClrLst meth="repeat">
+      <a:schemeClr val="dk1"/>
+    </dgm:txFillClrLst>
+    <dgm:txEffectClrLst/>
+  </dgm:styleLbl>
+  <dgm:styleLbl name="fgAcc3">
+    <dgm:fillClrLst meth="repeat">
+      <a:schemeClr val="lt1">
+        <a:alpha val="90000"/>
+      </a:schemeClr>
+    </dgm:fillClrLst>
+    <dgm:linClrLst>
+      <a:schemeClr val="accent3"/>
+    </dgm:linClrLst>
+    <dgm:effectClrLst/>
+    <dgm:txLinClrLst/>
+    <dgm:txFillClrLst meth="repeat">
+      <a:schemeClr val="dk1"/>
+    </dgm:txFillClrLst>
+    <dgm:txEffectClrLst/>
+  </dgm:styleLbl>
+  <dgm:styleLbl name="fgAcc4">
+    <dgm:fillClrLst meth="repeat">
+      <a:schemeClr val="lt1">
+        <a:alpha val="90000"/>
+      </a:schemeClr>
+    </dgm:fillClrLst>
+    <dgm:linClrLst>
+      <a:schemeClr val="accent4"/>
+    </dgm:linClrLst>
+    <dgm:effectClrLst/>
+    <dgm:txLinClrLst/>
+    <dgm:txFillClrLst meth="repeat">
+      <a:schemeClr val="dk1"/>
+    </dgm:txFillClrLst>
+    <dgm:txEffectClrLst/>
+  </dgm:styleLbl>
+  <dgm:styleLbl name="bgShp">
+    <dgm:fillClrLst meth="repeat">
+      <a:schemeClr val="bg1">
+        <a:lumMod val="95000"/>
+      </a:schemeClr>
+    </dgm:fillClrLst>
+    <dgm:linClrLst meth="repeat">
+      <a:schemeClr val="dk1"/>
+    </dgm:linClrLst>
+    <dgm:effectClrLst/>
+    <dgm:txLinClrLst/>
+    <dgm:txFillClrLst meth="repeat">
+      <a:schemeClr val="dk1"/>
+    </dgm:txFillClrLst>
+    <dgm:txEffectClrLst/>
+  </dgm:styleLbl>
+  <dgm:styleLbl name="dkBgShp">
+    <dgm:fillClrLst meth="repeat">
+      <a:schemeClr val="accent2">
+        <a:shade val="90000"/>
+      </a:schemeClr>
+    </dgm:fillClrLst>
+    <dgm:linClrLst meth="repeat">
+      <a:schemeClr val="dk1"/>
+    </dgm:linClrLst>
+    <dgm:effectClrLst/>
+    <dgm:txLinClrLst/>
+    <dgm:txFillClrLst meth="repeat">
+      <a:schemeClr val="lt1"/>
+    </dgm:txFillClrLst>
+    <dgm:txEffectClrLst/>
+  </dgm:styleLbl>
+  <dgm:styleLbl name="trBgShp">
+    <dgm:fillClrLst meth="repeat">
+      <a:schemeClr val="accent1">
+        <a:tint val="50000"/>
+        <a:alpha val="40000"/>
+      </a:schemeClr>
+    </dgm:fillClrLst>
+    <dgm:linClrLst meth="repeat">
+      <a:schemeClr val="accent2"/>
+    </dgm:linClrLst>
+    <dgm:effectClrLst/>
+    <dgm:txLinClrLst/>
+    <dgm:txFillClrLst meth="repeat">
+      <a:schemeClr val="lt1"/>
+    </dgm:txFillClrLst>
+    <dgm:txEffectClrLst/>
+  </dgm:styleLbl>
+  <dgm:styleLbl name="fgShp">
+    <dgm:fillClrLst meth="repeat">
+      <a:schemeClr val="accent2">
+        <a:tint val="40000"/>
+      </a:schemeClr>
+    </dgm:fillClrLst>
+    <dgm:linClrLst meth="repeat">
+      <a:schemeClr val="lt1"/>
+    </dgm:linClrLst>
+    <dgm:effectClrLst/>
+    <dgm:txLinClrLst/>
+    <dgm:txFillClrLst meth="repeat">
+      <a:schemeClr val="dk1"/>
+    </dgm:txFillClrLst>
+    <dgm:txEffectClrLst/>
+  </dgm:styleLbl>
+  <dgm:styleLbl name="revTx">
+    <dgm:fillClrLst meth="repeat">
+      <a:schemeClr val="lt1">
+        <a:alpha val="0"/>
+      </a:schemeClr>
+    </dgm:fillClrLst>
+    <dgm:linClrLst meth="repeat">
+      <a:schemeClr val="dk1">
+        <a:alpha val="0"/>
+      </a:schemeClr>
+    </dgm:linClrLst>
+    <dgm:effectClrLst/>
+    <dgm:txLinClrLst/>
+    <dgm:txFillClrLst meth="repeat">
+      <a:schemeClr val="tx1"/>
+    </dgm:txFillClrLst>
+    <dgm:txEffectClrLst/>
+  </dgm:styleLbl>
+</dgm:colorsDef>
+</file>
+
 <file path=ppt/diagrams/data1.xml><?xml version="1.0" encoding="utf-8"?>
 <dgm:dataModel xmlns:dgm="http://schemas.openxmlformats.org/drawingml/2006/diagram" xmlns:a="http://schemas.openxmlformats.org/drawingml/2006/main">
   <dgm:ptLst>
@@ -953,6 +1876,7 @@
                   </a:prstClr>
                 </a:outerShdw>
               </a:effectLst>
+              <a:latin typeface="Abadi" panose="020B0604020104020204" pitchFamily="34" charset="0"/>
             </a:rPr>
             <a:t>Resiliência</a:t>
           </a:r>
@@ -964,6 +1888,7 @@
                 </a:prstClr>
               </a:outerShdw>
             </a:effectLst>
+            <a:latin typeface="Abadi" panose="020B0604020104020204" pitchFamily="34" charset="0"/>
           </a:endParaRPr>
         </a:p>
       </dgm:t>
@@ -1036,6 +1961,7 @@
                   </a:prstClr>
                 </a:outerShdw>
               </a:effectLst>
+              <a:latin typeface="Abadi" panose="020B0604020104020204" pitchFamily="34" charset="0"/>
             </a:rPr>
             <a:t>Determinação</a:t>
           </a:r>
@@ -1047,6 +1973,7 @@
                 </a:prstClr>
               </a:outerShdw>
             </a:effectLst>
+            <a:latin typeface="Abadi" panose="020B0604020104020204" pitchFamily="34" charset="0"/>
           </a:endParaRPr>
         </a:p>
       </dgm:t>
@@ -1093,7 +2020,7 @@
       <dgm:prSet/>
       <dgm:spPr>
         <a:solidFill>
-          <a:schemeClr val="accent6"/>
+          <a:srgbClr val="00B0F0"/>
         </a:solidFill>
         <a:ln>
           <a:noFill/>
@@ -1111,7 +2038,7 @@
         <a:lstStyle/>
         <a:p>
           <a:r>
-            <a:rPr lang="pt-BR">
+            <a:rPr lang="pt-BR" dirty="0">
               <a:effectLst>
                 <a:outerShdw blurRad="50800" dist="38100" dir="2700000" algn="tl" rotWithShape="0">
                   <a:prstClr val="black">
@@ -1119,10 +2046,11 @@
                   </a:prstClr>
                 </a:outerShdw>
               </a:effectLst>
+              <a:latin typeface="Abadi" panose="020B0604020104020204" pitchFamily="34" charset="0"/>
             </a:rPr>
             <a:t>Foco</a:t>
           </a:r>
-          <a:endParaRPr lang="en-US">
+          <a:endParaRPr lang="en-US" dirty="0">
             <a:effectLst>
               <a:outerShdw blurRad="50800" dist="38100" dir="2700000" algn="tl" rotWithShape="0">
                 <a:prstClr val="black">
@@ -1130,6 +2058,7 @@
                 </a:prstClr>
               </a:outerShdw>
             </a:effectLst>
+            <a:latin typeface="Abadi" panose="020B0604020104020204" pitchFamily="34" charset="0"/>
           </a:endParaRPr>
         </a:p>
       </dgm:t>
@@ -1282,6 +2211,404 @@
 </dgm:dataModel>
 </file>
 
+<file path=ppt/diagrams/data2.xml><?xml version="1.0" encoding="utf-8"?>
+<dgm:dataModel xmlns:dgm="http://schemas.openxmlformats.org/drawingml/2006/diagram" xmlns:a="http://schemas.openxmlformats.org/drawingml/2006/main">
+  <dgm:ptLst>
+    <dgm:pt modelId="{C2D9280D-3A01-4423-A9ED-D9672E66F0CF}" type="doc">
+      <dgm:prSet loTypeId="urn:microsoft.com/office/officeart/2018/2/layout/IconVerticalSolidList" loCatId="icon" qsTypeId="urn:microsoft.com/office/officeart/2005/8/quickstyle/simple1" qsCatId="simple" csTypeId="urn:microsoft.com/office/officeart/2018/5/colors/Iconchunking_neutralbg_colorful1" csCatId="colorful" phldr="1"/>
+      <dgm:spPr/>
+      <dgm:t>
+        <a:bodyPr/>
+        <a:lstStyle/>
+        <a:p>
+          <a:endParaRPr lang="en-US"/>
+        </a:p>
+      </dgm:t>
+    </dgm:pt>
+    <dgm:pt modelId="{EC0A8D0F-3102-4F41-8E44-06817E2E75BE}">
+      <dgm:prSet/>
+      <dgm:spPr/>
+      <dgm:t>
+        <a:bodyPr/>
+        <a:lstStyle/>
+        <a:p>
+          <a:pPr>
+            <a:lnSpc>
+              <a:spcPct val="100000"/>
+            </a:lnSpc>
+          </a:pPr>
+          <a:r>
+            <a:rPr lang="pt-BR" dirty="0">
+              <a:latin typeface="Abadi" panose="020B0604020104020204" pitchFamily="34" charset="0"/>
+            </a:rPr>
+            <a:t>Integrar banco de dados</a:t>
+          </a:r>
+          <a:endParaRPr lang="en-US" dirty="0">
+            <a:latin typeface="Abadi" panose="020B0604020104020204" pitchFamily="34" charset="0"/>
+          </a:endParaRPr>
+        </a:p>
+      </dgm:t>
+    </dgm:pt>
+    <dgm:pt modelId="{5B340603-FEB5-44EE-81B2-EBD135D8B75C}" type="parTrans" cxnId="{827ECBA2-7926-4D30-8B03-2D02FB03A68B}">
+      <dgm:prSet/>
+      <dgm:spPr/>
+      <dgm:t>
+        <a:bodyPr/>
+        <a:lstStyle/>
+        <a:p>
+          <a:endParaRPr lang="en-US"/>
+        </a:p>
+      </dgm:t>
+    </dgm:pt>
+    <dgm:pt modelId="{D4081783-C784-4293-A7F2-E9C3863595DC}" type="sibTrans" cxnId="{827ECBA2-7926-4D30-8B03-2D02FB03A68B}">
+      <dgm:prSet/>
+      <dgm:spPr/>
+      <dgm:t>
+        <a:bodyPr/>
+        <a:lstStyle/>
+        <a:p>
+          <a:endParaRPr lang="en-US"/>
+        </a:p>
+      </dgm:t>
+    </dgm:pt>
+    <dgm:pt modelId="{B89E6294-41C5-42C0-98C8-8C7B57BC2559}">
+      <dgm:prSet/>
+      <dgm:spPr/>
+      <dgm:t>
+        <a:bodyPr/>
+        <a:lstStyle/>
+        <a:p>
+          <a:pPr>
+            <a:lnSpc>
+              <a:spcPct val="100000"/>
+            </a:lnSpc>
+          </a:pPr>
+          <a:r>
+            <a:rPr lang="pt-BR" dirty="0">
+              <a:latin typeface="Abadi" panose="020B0604020104020204" pitchFamily="34" charset="0"/>
+            </a:rPr>
+            <a:t>Elaborar estrutura do site</a:t>
+          </a:r>
+          <a:endParaRPr lang="en-US" dirty="0">
+            <a:latin typeface="Abadi" panose="020B0604020104020204" pitchFamily="34" charset="0"/>
+          </a:endParaRPr>
+        </a:p>
+      </dgm:t>
+    </dgm:pt>
+    <dgm:pt modelId="{7482AD15-2A72-45F2-964C-511B7196C184}" type="parTrans" cxnId="{0540392A-981F-4F39-A6D2-31E18D17F6EC}">
+      <dgm:prSet/>
+      <dgm:spPr/>
+      <dgm:t>
+        <a:bodyPr/>
+        <a:lstStyle/>
+        <a:p>
+          <a:endParaRPr lang="en-US"/>
+        </a:p>
+      </dgm:t>
+    </dgm:pt>
+    <dgm:pt modelId="{4804B4CC-9CB2-4BFE-86A6-9A29A3AC2118}" type="sibTrans" cxnId="{0540392A-981F-4F39-A6D2-31E18D17F6EC}">
+      <dgm:prSet/>
+      <dgm:spPr/>
+      <dgm:t>
+        <a:bodyPr/>
+        <a:lstStyle/>
+        <a:p>
+          <a:endParaRPr lang="en-US"/>
+        </a:p>
+      </dgm:t>
+    </dgm:pt>
+    <dgm:pt modelId="{949C96CC-01EA-4C41-9D42-36252B41D17C}">
+      <dgm:prSet/>
+      <dgm:spPr/>
+      <dgm:t>
+        <a:bodyPr/>
+        <a:lstStyle/>
+        <a:p>
+          <a:pPr>
+            <a:lnSpc>
+              <a:spcPct val="100000"/>
+            </a:lnSpc>
+          </a:pPr>
+          <a:r>
+            <a:rPr lang="pt-BR" dirty="0">
+              <a:latin typeface="Abadi" panose="020B0604020104020204" pitchFamily="34" charset="0"/>
+            </a:rPr>
+            <a:t>Abdicar de outras atividades para foco apenas no site</a:t>
+          </a:r>
+          <a:endParaRPr lang="en-US" dirty="0">
+            <a:latin typeface="Abadi" panose="020B0604020104020204" pitchFamily="34" charset="0"/>
+          </a:endParaRPr>
+        </a:p>
+      </dgm:t>
+    </dgm:pt>
+    <dgm:pt modelId="{C577D37A-8029-44BB-8FBD-FC66E93D0CBD}" type="parTrans" cxnId="{C89F16D2-34DF-4856-9601-C2372900918B}">
+      <dgm:prSet/>
+      <dgm:spPr/>
+      <dgm:t>
+        <a:bodyPr/>
+        <a:lstStyle/>
+        <a:p>
+          <a:endParaRPr lang="en-US"/>
+        </a:p>
+      </dgm:t>
+    </dgm:pt>
+    <dgm:pt modelId="{DF800CAB-D3F3-4C0F-946E-546127E328C3}" type="sibTrans" cxnId="{C89F16D2-34DF-4856-9601-C2372900918B}">
+      <dgm:prSet/>
+      <dgm:spPr/>
+      <dgm:t>
+        <a:bodyPr/>
+        <a:lstStyle/>
+        <a:p>
+          <a:endParaRPr lang="en-US"/>
+        </a:p>
+      </dgm:t>
+    </dgm:pt>
+    <dgm:pt modelId="{37F36706-8513-4521-876D-FBF012B0B3C0}" type="pres">
+      <dgm:prSet presAssocID="{C2D9280D-3A01-4423-A9ED-D9672E66F0CF}" presName="root" presStyleCnt="0">
+        <dgm:presLayoutVars>
+          <dgm:dir/>
+          <dgm:resizeHandles val="exact"/>
+        </dgm:presLayoutVars>
+      </dgm:prSet>
+      <dgm:spPr/>
+    </dgm:pt>
+    <dgm:pt modelId="{84586238-51FC-4AFD-9F3F-C58ECB1E635F}" type="pres">
+      <dgm:prSet presAssocID="{EC0A8D0F-3102-4F41-8E44-06817E2E75BE}" presName="compNode" presStyleCnt="0"/>
+      <dgm:spPr/>
+    </dgm:pt>
+    <dgm:pt modelId="{680C9388-DA8E-4047-98A9-4ACF46F2AF44}" type="pres">
+      <dgm:prSet presAssocID="{EC0A8D0F-3102-4F41-8E44-06817E2E75BE}" presName="bgRect" presStyleLbl="bgShp" presStyleIdx="0" presStyleCnt="3"/>
+      <dgm:spPr>
+        <a:effectLst>
+          <a:innerShdw blurRad="63500" dist="50800" dir="16200000">
+            <a:prstClr val="black">
+              <a:alpha val="50000"/>
+            </a:prstClr>
+          </a:innerShdw>
+        </a:effectLst>
+      </dgm:spPr>
+    </dgm:pt>
+    <dgm:pt modelId="{E3E5079E-D96A-4CE7-864C-EB0A8F323A36}" type="pres">
+      <dgm:prSet presAssocID="{EC0A8D0F-3102-4F41-8E44-06817E2E75BE}" presName="iconRect" presStyleLbl="node1" presStyleIdx="0" presStyleCnt="3"/>
+      <dgm:spPr>
+        <a:blipFill>
+          <a:blip xmlns:r="http://schemas.openxmlformats.org/officeDocument/2006/relationships" r:embed="rId1">
+            <a:extLst>
+              <a:ext uri="{28A0092B-C50C-407E-A947-70E740481C1C}">
+                <a14:useLocalDpi xmlns:a14="http://schemas.microsoft.com/office/drawing/2010/main" val="0"/>
+              </a:ext>
+              <a:ext uri="{96DAC541-7B7A-43D3-8B79-37D633B846F1}">
+                <asvg:svgBlip xmlns:asvg="http://schemas.microsoft.com/office/drawing/2016/SVG/main" r:embed="rId2"/>
+              </a:ext>
+            </a:extLst>
+          </a:blip>
+          <a:stretch>
+            <a:fillRect/>
+          </a:stretch>
+        </a:blipFill>
+        <a:ln>
+          <a:noFill/>
+        </a:ln>
+        <a:effectLst>
+          <a:innerShdw blurRad="63500" dist="50800" dir="13500000">
+            <a:prstClr val="black">
+              <a:alpha val="50000"/>
+            </a:prstClr>
+          </a:innerShdw>
+        </a:effectLst>
+      </dgm:spPr>
+      <dgm:extLst>
+        <a:ext uri="{E40237B7-FDA0-4F09-8148-C483321AD2D9}">
+          <dgm14:cNvPr xmlns:dgm14="http://schemas.microsoft.com/office/drawing/2010/diagram" id="0" name="" descr="Banco de dados"/>
+        </a:ext>
+      </dgm:extLst>
+    </dgm:pt>
+    <dgm:pt modelId="{1DE49A54-F674-4114-AE9B-FEE29D1E0D24}" type="pres">
+      <dgm:prSet presAssocID="{EC0A8D0F-3102-4F41-8E44-06817E2E75BE}" presName="spaceRect" presStyleCnt="0"/>
+      <dgm:spPr/>
+    </dgm:pt>
+    <dgm:pt modelId="{B6B7424E-6B59-4520-882F-2DB4908F2E78}" type="pres">
+      <dgm:prSet presAssocID="{EC0A8D0F-3102-4F41-8E44-06817E2E75BE}" presName="parTx" presStyleLbl="revTx" presStyleIdx="0" presStyleCnt="3">
+        <dgm:presLayoutVars>
+          <dgm:chMax val="0"/>
+          <dgm:chPref val="0"/>
+        </dgm:presLayoutVars>
+      </dgm:prSet>
+      <dgm:spPr/>
+    </dgm:pt>
+    <dgm:pt modelId="{0A493CF8-96AD-4060-9ABD-7CF0371A2D67}" type="pres">
+      <dgm:prSet presAssocID="{D4081783-C784-4293-A7F2-E9C3863595DC}" presName="sibTrans" presStyleCnt="0"/>
+      <dgm:spPr/>
+    </dgm:pt>
+    <dgm:pt modelId="{D39ECDF5-8C02-4B58-96E5-EC660EECC3FC}" type="pres">
+      <dgm:prSet presAssocID="{B89E6294-41C5-42C0-98C8-8C7B57BC2559}" presName="compNode" presStyleCnt="0"/>
+      <dgm:spPr/>
+    </dgm:pt>
+    <dgm:pt modelId="{65FDD8BE-50D7-40E7-B8E4-9933C1420802}" type="pres">
+      <dgm:prSet presAssocID="{B89E6294-41C5-42C0-98C8-8C7B57BC2559}" presName="bgRect" presStyleLbl="bgShp" presStyleIdx="1" presStyleCnt="3"/>
+      <dgm:spPr>
+        <a:effectLst>
+          <a:innerShdw blurRad="114300">
+            <a:prstClr val="black"/>
+          </a:innerShdw>
+        </a:effectLst>
+      </dgm:spPr>
+    </dgm:pt>
+    <dgm:pt modelId="{6314E38E-C313-4A26-83E2-56B1021D65D8}" type="pres">
+      <dgm:prSet presAssocID="{B89E6294-41C5-42C0-98C8-8C7B57BC2559}" presName="iconRect" presStyleLbl="node1" presStyleIdx="1" presStyleCnt="3"/>
+      <dgm:spPr>
+        <a:blipFill>
+          <a:blip xmlns:r="http://schemas.openxmlformats.org/officeDocument/2006/relationships" r:embed="rId3">
+            <a:extLst>
+              <a:ext uri="{96DAC541-7B7A-43D3-8B79-37D633B846F1}">
+                <asvg:svgBlip xmlns:asvg="http://schemas.microsoft.com/office/drawing/2016/SVG/main" r:embed="rId4"/>
+              </a:ext>
+            </a:extLst>
+          </a:blip>
+          <a:srcRect/>
+          <a:stretch>
+            <a:fillRect/>
+          </a:stretch>
+        </a:blipFill>
+        <a:ln>
+          <a:noFill/>
+        </a:ln>
+        <a:effectLst>
+          <a:innerShdw blurRad="63500" dist="50800" dir="13500000">
+            <a:prstClr val="black">
+              <a:alpha val="50000"/>
+            </a:prstClr>
+          </a:innerShdw>
+        </a:effectLst>
+      </dgm:spPr>
+      <dgm:extLst>
+        <a:ext uri="{E40237B7-FDA0-4F09-8148-C483321AD2D9}">
+          <dgm14:cNvPr xmlns:dgm14="http://schemas.microsoft.com/office/drawing/2010/diagram" id="0" name="" descr="Internet com preenchimento sólido"/>
+        </a:ext>
+      </dgm:extLst>
+    </dgm:pt>
+    <dgm:pt modelId="{4798F1DB-DF3B-4D7C-A6FF-BD859ADDEC75}" type="pres">
+      <dgm:prSet presAssocID="{B89E6294-41C5-42C0-98C8-8C7B57BC2559}" presName="spaceRect" presStyleCnt="0"/>
+      <dgm:spPr/>
+    </dgm:pt>
+    <dgm:pt modelId="{5CEC48D7-6710-4354-A1A2-4B3DEF65D7D2}" type="pres">
+      <dgm:prSet presAssocID="{B89E6294-41C5-42C0-98C8-8C7B57BC2559}" presName="parTx" presStyleLbl="revTx" presStyleIdx="1" presStyleCnt="3">
+        <dgm:presLayoutVars>
+          <dgm:chMax val="0"/>
+          <dgm:chPref val="0"/>
+        </dgm:presLayoutVars>
+      </dgm:prSet>
+      <dgm:spPr/>
+    </dgm:pt>
+    <dgm:pt modelId="{F4FC3A51-1EDF-44A1-8564-46ED4A8A10CF}" type="pres">
+      <dgm:prSet presAssocID="{4804B4CC-9CB2-4BFE-86A6-9A29A3AC2118}" presName="sibTrans" presStyleCnt="0"/>
+      <dgm:spPr/>
+    </dgm:pt>
+    <dgm:pt modelId="{2198CFFF-89D1-4322-93F0-67C10DDC714A}" type="pres">
+      <dgm:prSet presAssocID="{949C96CC-01EA-4C41-9D42-36252B41D17C}" presName="compNode" presStyleCnt="0"/>
+      <dgm:spPr/>
+    </dgm:pt>
+    <dgm:pt modelId="{EC8BC9E1-40A9-42D7-AF81-4A9318C9A187}" type="pres">
+      <dgm:prSet presAssocID="{949C96CC-01EA-4C41-9D42-36252B41D17C}" presName="bgRect" presStyleLbl="bgShp" presStyleIdx="2" presStyleCnt="3"/>
+      <dgm:spPr>
+        <a:effectLst>
+          <a:innerShdw blurRad="63500" dist="50800" dir="5400000">
+            <a:prstClr val="black">
+              <a:alpha val="50000"/>
+            </a:prstClr>
+          </a:innerShdw>
+        </a:effectLst>
+      </dgm:spPr>
+    </dgm:pt>
+    <dgm:pt modelId="{E3518167-8024-4849-916B-D54F8ACDFC17}" type="pres">
+      <dgm:prSet presAssocID="{949C96CC-01EA-4C41-9D42-36252B41D17C}" presName="iconRect" presStyleLbl="node1" presStyleIdx="2" presStyleCnt="3" custLinFactNeighborY="3080"/>
+      <dgm:spPr>
+        <a:blipFill>
+          <a:blip xmlns:r="http://schemas.openxmlformats.org/officeDocument/2006/relationships" r:embed="rId5">
+            <a:extLst>
+              <a:ext uri="{96DAC541-7B7A-43D3-8B79-37D633B846F1}">
+                <asvg:svgBlip xmlns:asvg="http://schemas.microsoft.com/office/drawing/2016/SVG/main" r:embed="rId6"/>
+              </a:ext>
+            </a:extLst>
+          </a:blip>
+          <a:srcRect/>
+          <a:stretch>
+            <a:fillRect/>
+          </a:stretch>
+        </a:blipFill>
+        <a:ln>
+          <a:noFill/>
+        </a:ln>
+        <a:effectLst>
+          <a:innerShdw blurRad="63500" dist="50800" dir="16200000">
+            <a:prstClr val="black">
+              <a:alpha val="50000"/>
+            </a:prstClr>
+          </a:innerShdw>
+        </a:effectLst>
+      </dgm:spPr>
+      <dgm:extLst>
+        <a:ext uri="{E40237B7-FDA0-4F09-8148-C483321AD2D9}">
+          <dgm14:cNvPr xmlns:dgm14="http://schemas.microsoft.com/office/drawing/2010/diagram" id="0" name="" descr="Controlador de jogo com preenchimento sólido"/>
+        </a:ext>
+      </dgm:extLst>
+    </dgm:pt>
+    <dgm:pt modelId="{3547D222-18EA-43EB-819B-230DFCB2288D}" type="pres">
+      <dgm:prSet presAssocID="{949C96CC-01EA-4C41-9D42-36252B41D17C}" presName="spaceRect" presStyleCnt="0"/>
+      <dgm:spPr/>
+    </dgm:pt>
+    <dgm:pt modelId="{36E70E7E-A0DE-4238-818B-BCFE9EE55D31}" type="pres">
+      <dgm:prSet presAssocID="{949C96CC-01EA-4C41-9D42-36252B41D17C}" presName="parTx" presStyleLbl="revTx" presStyleIdx="2" presStyleCnt="3">
+        <dgm:presLayoutVars>
+          <dgm:chMax val="0"/>
+          <dgm:chPref val="0"/>
+        </dgm:presLayoutVars>
+      </dgm:prSet>
+      <dgm:spPr/>
+    </dgm:pt>
+  </dgm:ptLst>
+  <dgm:cxnLst>
+    <dgm:cxn modelId="{0540392A-981F-4F39-A6D2-31E18D17F6EC}" srcId="{C2D9280D-3A01-4423-A9ED-D9672E66F0CF}" destId="{B89E6294-41C5-42C0-98C8-8C7B57BC2559}" srcOrd="1" destOrd="0" parTransId="{7482AD15-2A72-45F2-964C-511B7196C184}" sibTransId="{4804B4CC-9CB2-4BFE-86A6-9A29A3AC2118}"/>
+    <dgm:cxn modelId="{3811B143-8D33-4A64-AD61-97C529514615}" type="presOf" srcId="{B89E6294-41C5-42C0-98C8-8C7B57BC2559}" destId="{5CEC48D7-6710-4354-A1A2-4B3DEF65D7D2}" srcOrd="0" destOrd="0" presId="urn:microsoft.com/office/officeart/2018/2/layout/IconVerticalSolidList"/>
+    <dgm:cxn modelId="{EA9B0867-361C-4CE4-AE60-C16873FCE941}" type="presOf" srcId="{C2D9280D-3A01-4423-A9ED-D9672E66F0CF}" destId="{37F36706-8513-4521-876D-FBF012B0B3C0}" srcOrd="0" destOrd="0" presId="urn:microsoft.com/office/officeart/2018/2/layout/IconVerticalSolidList"/>
+    <dgm:cxn modelId="{E56346A1-59D4-4B19-A38A-351DE7CA0125}" type="presOf" srcId="{949C96CC-01EA-4C41-9D42-36252B41D17C}" destId="{36E70E7E-A0DE-4238-818B-BCFE9EE55D31}" srcOrd="0" destOrd="0" presId="urn:microsoft.com/office/officeart/2018/2/layout/IconVerticalSolidList"/>
+    <dgm:cxn modelId="{827ECBA2-7926-4D30-8B03-2D02FB03A68B}" srcId="{C2D9280D-3A01-4423-A9ED-D9672E66F0CF}" destId="{EC0A8D0F-3102-4F41-8E44-06817E2E75BE}" srcOrd="0" destOrd="0" parTransId="{5B340603-FEB5-44EE-81B2-EBD135D8B75C}" sibTransId="{D4081783-C784-4293-A7F2-E9C3863595DC}"/>
+    <dgm:cxn modelId="{C89F16D2-34DF-4856-9601-C2372900918B}" srcId="{C2D9280D-3A01-4423-A9ED-D9672E66F0CF}" destId="{949C96CC-01EA-4C41-9D42-36252B41D17C}" srcOrd="2" destOrd="0" parTransId="{C577D37A-8029-44BB-8FBD-FC66E93D0CBD}" sibTransId="{DF800CAB-D3F3-4C0F-946E-546127E328C3}"/>
+    <dgm:cxn modelId="{699E21E0-D5F0-4C9D-BA51-622EA2725653}" type="presOf" srcId="{EC0A8D0F-3102-4F41-8E44-06817E2E75BE}" destId="{B6B7424E-6B59-4520-882F-2DB4908F2E78}" srcOrd="0" destOrd="0" presId="urn:microsoft.com/office/officeart/2018/2/layout/IconVerticalSolidList"/>
+    <dgm:cxn modelId="{356C0624-586E-45B2-982E-DE00137A70CE}" type="presParOf" srcId="{37F36706-8513-4521-876D-FBF012B0B3C0}" destId="{84586238-51FC-4AFD-9F3F-C58ECB1E635F}" srcOrd="0" destOrd="0" presId="urn:microsoft.com/office/officeart/2018/2/layout/IconVerticalSolidList"/>
+    <dgm:cxn modelId="{550B4C85-6D2D-403B-B985-1928AC3D79CF}" type="presParOf" srcId="{84586238-51FC-4AFD-9F3F-C58ECB1E635F}" destId="{680C9388-DA8E-4047-98A9-4ACF46F2AF44}" srcOrd="0" destOrd="0" presId="urn:microsoft.com/office/officeart/2018/2/layout/IconVerticalSolidList"/>
+    <dgm:cxn modelId="{2A8CFEF8-526F-4E8D-9B6C-60BB662C8B79}" type="presParOf" srcId="{84586238-51FC-4AFD-9F3F-C58ECB1E635F}" destId="{E3E5079E-D96A-4CE7-864C-EB0A8F323A36}" srcOrd="1" destOrd="0" presId="urn:microsoft.com/office/officeart/2018/2/layout/IconVerticalSolidList"/>
+    <dgm:cxn modelId="{BC2D00BC-0A2C-4956-B88E-A4C10CF44F02}" type="presParOf" srcId="{84586238-51FC-4AFD-9F3F-C58ECB1E635F}" destId="{1DE49A54-F674-4114-AE9B-FEE29D1E0D24}" srcOrd="2" destOrd="0" presId="urn:microsoft.com/office/officeart/2018/2/layout/IconVerticalSolidList"/>
+    <dgm:cxn modelId="{12BE6E06-54FA-446D-BF49-91BD332E23A8}" type="presParOf" srcId="{84586238-51FC-4AFD-9F3F-C58ECB1E635F}" destId="{B6B7424E-6B59-4520-882F-2DB4908F2E78}" srcOrd="3" destOrd="0" presId="urn:microsoft.com/office/officeart/2018/2/layout/IconVerticalSolidList"/>
+    <dgm:cxn modelId="{489EEC27-6674-41B6-B566-E936784D5681}" type="presParOf" srcId="{37F36706-8513-4521-876D-FBF012B0B3C0}" destId="{0A493CF8-96AD-4060-9ABD-7CF0371A2D67}" srcOrd="1" destOrd="0" presId="urn:microsoft.com/office/officeart/2018/2/layout/IconVerticalSolidList"/>
+    <dgm:cxn modelId="{5826BE4B-763E-405E-83AF-635EC7B86F02}" type="presParOf" srcId="{37F36706-8513-4521-876D-FBF012B0B3C0}" destId="{D39ECDF5-8C02-4B58-96E5-EC660EECC3FC}" srcOrd="2" destOrd="0" presId="urn:microsoft.com/office/officeart/2018/2/layout/IconVerticalSolidList"/>
+    <dgm:cxn modelId="{3686B994-9773-4154-96F8-5362D8F6B19C}" type="presParOf" srcId="{D39ECDF5-8C02-4B58-96E5-EC660EECC3FC}" destId="{65FDD8BE-50D7-40E7-B8E4-9933C1420802}" srcOrd="0" destOrd="0" presId="urn:microsoft.com/office/officeart/2018/2/layout/IconVerticalSolidList"/>
+    <dgm:cxn modelId="{5B898415-836B-4178-B243-B8139921FD59}" type="presParOf" srcId="{D39ECDF5-8C02-4B58-96E5-EC660EECC3FC}" destId="{6314E38E-C313-4A26-83E2-56B1021D65D8}" srcOrd="1" destOrd="0" presId="urn:microsoft.com/office/officeart/2018/2/layout/IconVerticalSolidList"/>
+    <dgm:cxn modelId="{D6378A57-4904-499E-9E21-751F095E4718}" type="presParOf" srcId="{D39ECDF5-8C02-4B58-96E5-EC660EECC3FC}" destId="{4798F1DB-DF3B-4D7C-A6FF-BD859ADDEC75}" srcOrd="2" destOrd="0" presId="urn:microsoft.com/office/officeart/2018/2/layout/IconVerticalSolidList"/>
+    <dgm:cxn modelId="{9F6CEA4F-5EF2-488B-B645-5370B059D2EB}" type="presParOf" srcId="{D39ECDF5-8C02-4B58-96E5-EC660EECC3FC}" destId="{5CEC48D7-6710-4354-A1A2-4B3DEF65D7D2}" srcOrd="3" destOrd="0" presId="urn:microsoft.com/office/officeart/2018/2/layout/IconVerticalSolidList"/>
+    <dgm:cxn modelId="{E270499F-176A-4D5B-ABFC-80941847192D}" type="presParOf" srcId="{37F36706-8513-4521-876D-FBF012B0B3C0}" destId="{F4FC3A51-1EDF-44A1-8564-46ED4A8A10CF}" srcOrd="3" destOrd="0" presId="urn:microsoft.com/office/officeart/2018/2/layout/IconVerticalSolidList"/>
+    <dgm:cxn modelId="{89A4106A-9D6A-4CE6-A2DD-36D1EE5F8EF8}" type="presParOf" srcId="{37F36706-8513-4521-876D-FBF012B0B3C0}" destId="{2198CFFF-89D1-4322-93F0-67C10DDC714A}" srcOrd="4" destOrd="0" presId="urn:microsoft.com/office/officeart/2018/2/layout/IconVerticalSolidList"/>
+    <dgm:cxn modelId="{5D3911E4-018D-4934-9E3E-240E3B71B090}" type="presParOf" srcId="{2198CFFF-89D1-4322-93F0-67C10DDC714A}" destId="{EC8BC9E1-40A9-42D7-AF81-4A9318C9A187}" srcOrd="0" destOrd="0" presId="urn:microsoft.com/office/officeart/2018/2/layout/IconVerticalSolidList"/>
+    <dgm:cxn modelId="{28BD66A4-C4D8-4617-9975-7EC393D510A8}" type="presParOf" srcId="{2198CFFF-89D1-4322-93F0-67C10DDC714A}" destId="{E3518167-8024-4849-916B-D54F8ACDFC17}" srcOrd="1" destOrd="0" presId="urn:microsoft.com/office/officeart/2018/2/layout/IconVerticalSolidList"/>
+    <dgm:cxn modelId="{3493D170-FB5C-480F-B526-10B0505CDF24}" type="presParOf" srcId="{2198CFFF-89D1-4322-93F0-67C10DDC714A}" destId="{3547D222-18EA-43EB-819B-230DFCB2288D}" srcOrd="2" destOrd="0" presId="urn:microsoft.com/office/officeart/2018/2/layout/IconVerticalSolidList"/>
+    <dgm:cxn modelId="{462AFB79-3CE6-491D-9B98-9D0B0692E56F}" type="presParOf" srcId="{2198CFFF-89D1-4322-93F0-67C10DDC714A}" destId="{36E70E7E-A0DE-4238-818B-BCFE9EE55D31}" srcOrd="3" destOrd="0" presId="urn:microsoft.com/office/officeart/2018/2/layout/IconVerticalSolidList"/>
+  </dgm:cxnLst>
+  <dgm:bg>
+    <a:effectLst>
+      <a:innerShdw blurRad="114300">
+        <a:prstClr val="black"/>
+      </a:innerShdw>
+    </a:effectLst>
+  </dgm:bg>
+  <dgm:whole/>
+  <dgm:extLst>
+    <a:ext uri="http://schemas.microsoft.com/office/drawing/2008/diagram">
+      <dsp:dataModelExt xmlns:dsp="http://schemas.microsoft.com/office/drawing/2008/diagram" relId="rId6" minVer="http://schemas.openxmlformats.org/drawingml/2006/diagram"/>
+    </a:ext>
+  </dgm:extLst>
+</dgm:dataModel>
+</file>
+
 <file path=ppt/diagrams/drawing1.xml><?xml version="1.0" encoding="utf-8"?>
 <dsp:drawing xmlns:dgm="http://schemas.openxmlformats.org/drawingml/2006/diagram" xmlns:dsp="http://schemas.microsoft.com/office/drawing/2008/diagram" xmlns:a="http://schemas.openxmlformats.org/drawingml/2006/main">
   <dsp:spTree>
@@ -1297,7 +2624,7 @@
       </dsp:nvSpPr>
       <dsp:spPr>
         <a:xfrm>
-          <a:off x="1283" y="1424738"/>
+          <a:off x="1283" y="222569"/>
           <a:ext cx="3003723" cy="1501861"/>
         </a:xfrm>
         <a:prstGeom prst="roundRect">
@@ -1336,12 +2663,12 @@
         </a:fontRef>
       </dsp:style>
       <dsp:txBody>
-        <a:bodyPr spcFirstLastPara="0" vert="horz" wrap="square" lIns="72390" tIns="48260" rIns="72390" bIns="48260" numCol="1" spcCol="1270" anchor="ctr" anchorCtr="0">
+        <a:bodyPr spcFirstLastPara="0" vert="horz" wrap="square" lIns="70485" tIns="46990" rIns="70485" bIns="46990" numCol="1" spcCol="1270" anchor="ctr" anchorCtr="0">
           <a:noAutofit/>
         </a:bodyPr>
         <a:lstStyle/>
         <a:p>
-          <a:pPr marL="0" lvl="0" indent="0" algn="ctr" defTabSz="1689100">
+          <a:pPr marL="0" lvl="0" indent="0" algn="ctr" defTabSz="1644650">
             <a:lnSpc>
               <a:spcPct val="90000"/>
             </a:lnSpc>
@@ -1354,7 +2681,7 @@
             <a:buNone/>
           </a:pPr>
           <a:r>
-            <a:rPr lang="pt-BR" sz="3800" kern="1200" dirty="0">
+            <a:rPr lang="pt-BR" sz="3700" kern="1200" dirty="0">
               <a:effectLst>
                 <a:outerShdw blurRad="50800" dist="38100" dir="2700000" algn="tl" rotWithShape="0">
                   <a:prstClr val="black">
@@ -1362,10 +2689,11 @@
                   </a:prstClr>
                 </a:outerShdw>
               </a:effectLst>
+              <a:latin typeface="Abadi" panose="020B0604020104020204" pitchFamily="34" charset="0"/>
             </a:rPr>
             <a:t>Resiliência</a:t>
           </a:r>
-          <a:endParaRPr lang="en-US" sz="3800" kern="1200" dirty="0">
+          <a:endParaRPr lang="en-US" sz="3700" kern="1200" dirty="0">
             <a:effectLst>
               <a:outerShdw blurRad="50800" dist="38100" dir="2700000" algn="tl" rotWithShape="0">
                 <a:prstClr val="black">
@@ -1373,11 +2701,12 @@
                 </a:prstClr>
               </a:outerShdw>
             </a:effectLst>
+            <a:latin typeface="Abadi" panose="020B0604020104020204" pitchFamily="34" charset="0"/>
           </a:endParaRPr>
         </a:p>
       </dsp:txBody>
       <dsp:txXfrm>
-        <a:off x="45271" y="1468726"/>
+        <a:off x="45271" y="266557"/>
         <a:ext cx="2915747" cy="1413885"/>
       </dsp:txXfrm>
     </dsp:sp>
@@ -1388,7 +2717,7 @@
       </dsp:nvSpPr>
       <dsp:spPr>
         <a:xfrm>
-          <a:off x="3755938" y="1424738"/>
+          <a:off x="3755938" y="222569"/>
           <a:ext cx="3003723" cy="1501861"/>
         </a:xfrm>
         <a:prstGeom prst="roundRect">
@@ -1427,12 +2756,12 @@
         </a:fontRef>
       </dsp:style>
       <dsp:txBody>
-        <a:bodyPr spcFirstLastPara="0" vert="horz" wrap="square" lIns="72390" tIns="48260" rIns="72390" bIns="48260" numCol="1" spcCol="1270" anchor="ctr" anchorCtr="0">
+        <a:bodyPr spcFirstLastPara="0" vert="horz" wrap="square" lIns="70485" tIns="46990" rIns="70485" bIns="46990" numCol="1" spcCol="1270" anchor="ctr" anchorCtr="0">
           <a:noAutofit/>
         </a:bodyPr>
         <a:lstStyle/>
         <a:p>
-          <a:pPr marL="0" lvl="0" indent="0" algn="ctr" defTabSz="1689100">
+          <a:pPr marL="0" lvl="0" indent="0" algn="ctr" defTabSz="1644650">
             <a:lnSpc>
               <a:spcPct val="90000"/>
             </a:lnSpc>
@@ -1445,7 +2774,7 @@
             <a:buNone/>
           </a:pPr>
           <a:r>
-            <a:rPr lang="pt-BR" sz="3800" kern="1200" dirty="0">
+            <a:rPr lang="pt-BR" sz="3700" kern="1200" dirty="0">
               <a:effectLst>
                 <a:outerShdw blurRad="50800" dist="38100" dir="2700000" algn="tl" rotWithShape="0">
                   <a:prstClr val="black">
@@ -1453,10 +2782,11 @@
                   </a:prstClr>
                 </a:outerShdw>
               </a:effectLst>
+              <a:latin typeface="Abadi" panose="020B0604020104020204" pitchFamily="34" charset="0"/>
             </a:rPr>
             <a:t>Determinação</a:t>
           </a:r>
-          <a:endParaRPr lang="en-US" sz="3800" kern="1200" dirty="0">
+          <a:endParaRPr lang="en-US" sz="3700" kern="1200" dirty="0">
             <a:effectLst>
               <a:outerShdw blurRad="50800" dist="38100" dir="2700000" algn="tl" rotWithShape="0">
                 <a:prstClr val="black">
@@ -1464,11 +2794,12 @@
                 </a:prstClr>
               </a:outerShdw>
             </a:effectLst>
+            <a:latin typeface="Abadi" panose="020B0604020104020204" pitchFamily="34" charset="0"/>
           </a:endParaRPr>
         </a:p>
       </dsp:txBody>
       <dsp:txXfrm>
-        <a:off x="3799926" y="1468726"/>
+        <a:off x="3799926" y="266557"/>
         <a:ext cx="2915747" cy="1413885"/>
       </dsp:txXfrm>
     </dsp:sp>
@@ -1479,7 +2810,7 @@
       </dsp:nvSpPr>
       <dsp:spPr>
         <a:xfrm>
-          <a:off x="7510592" y="1424738"/>
+          <a:off x="7510592" y="222569"/>
           <a:ext cx="3003723" cy="1501861"/>
         </a:xfrm>
         <a:prstGeom prst="roundRect">
@@ -1488,7 +2819,7 @@
           </a:avLst>
         </a:prstGeom>
         <a:solidFill>
-          <a:schemeClr val="accent6"/>
+          <a:srgbClr val="00B0F0"/>
         </a:solidFill>
         <a:ln w="12700" cap="flat" cmpd="sng" algn="ctr">
           <a:noFill/>
@@ -1518,12 +2849,12 @@
         </a:fontRef>
       </dsp:style>
       <dsp:txBody>
-        <a:bodyPr spcFirstLastPara="0" vert="horz" wrap="square" lIns="72390" tIns="48260" rIns="72390" bIns="48260" numCol="1" spcCol="1270" anchor="ctr" anchorCtr="0">
+        <a:bodyPr spcFirstLastPara="0" vert="horz" wrap="square" lIns="70485" tIns="46990" rIns="70485" bIns="46990" numCol="1" spcCol="1270" anchor="ctr" anchorCtr="0">
           <a:noAutofit/>
         </a:bodyPr>
         <a:lstStyle/>
         <a:p>
-          <a:pPr marL="0" lvl="0" indent="0" algn="ctr" defTabSz="1689100">
+          <a:pPr marL="0" lvl="0" indent="0" algn="ctr" defTabSz="1644650">
             <a:lnSpc>
               <a:spcPct val="90000"/>
             </a:lnSpc>
@@ -1536,7 +2867,7 @@
             <a:buNone/>
           </a:pPr>
           <a:r>
-            <a:rPr lang="pt-BR" sz="3800" kern="1200">
+            <a:rPr lang="pt-BR" sz="3700" kern="1200" dirty="0">
               <a:effectLst>
                 <a:outerShdw blurRad="50800" dist="38100" dir="2700000" algn="tl" rotWithShape="0">
                   <a:prstClr val="black">
@@ -1544,10 +2875,11 @@
                   </a:prstClr>
                 </a:outerShdw>
               </a:effectLst>
+              <a:latin typeface="Abadi" panose="020B0604020104020204" pitchFamily="34" charset="0"/>
             </a:rPr>
             <a:t>Foco</a:t>
           </a:r>
-          <a:endParaRPr lang="en-US" sz="3800" kern="1200">
+          <a:endParaRPr lang="en-US" sz="3700" kern="1200" dirty="0">
             <a:effectLst>
               <a:outerShdw blurRad="50800" dist="38100" dir="2700000" algn="tl" rotWithShape="0">
                 <a:prstClr val="black">
@@ -1555,12 +2887,526 @@
                 </a:prstClr>
               </a:outerShdw>
             </a:effectLst>
+            <a:latin typeface="Abadi" panose="020B0604020104020204" pitchFamily="34" charset="0"/>
           </a:endParaRPr>
         </a:p>
       </dsp:txBody>
       <dsp:txXfrm>
-        <a:off x="7554580" y="1468726"/>
+        <a:off x="7554580" y="266557"/>
         <a:ext cx="2915747" cy="1413885"/>
+      </dsp:txXfrm>
+    </dsp:sp>
+  </dsp:spTree>
+</dsp:drawing>
+</file>
+
+<file path=ppt/diagrams/drawing2.xml><?xml version="1.0" encoding="utf-8"?>
+<dsp:drawing xmlns:dgm="http://schemas.openxmlformats.org/drawingml/2006/diagram" xmlns:dsp="http://schemas.microsoft.com/office/drawing/2008/diagram" xmlns:a="http://schemas.openxmlformats.org/drawingml/2006/main">
+  <dsp:spTree>
+    <dsp:nvGrpSpPr>
+      <dsp:cNvPr id="0" name=""/>
+      <dsp:cNvGrpSpPr/>
+    </dsp:nvGrpSpPr>
+    <dsp:grpSpPr/>
+    <dsp:sp modelId="{680C9388-DA8E-4047-98A9-4ACF46F2AF44}">
+      <dsp:nvSpPr>
+        <dsp:cNvPr id="0" name=""/>
+        <dsp:cNvSpPr/>
+      </dsp:nvSpPr>
+      <dsp:spPr>
+        <a:xfrm>
+          <a:off x="0" y="671"/>
+          <a:ext cx="6263640" cy="1572384"/>
+        </a:xfrm>
+        <a:prstGeom prst="roundRect">
+          <a:avLst>
+            <a:gd name="adj" fmla="val 10000"/>
+          </a:avLst>
+        </a:prstGeom>
+        <a:solidFill>
+          <a:schemeClr val="bg1">
+            <a:lumMod val="95000"/>
+            <a:hueOff val="0"/>
+            <a:satOff val="0"/>
+            <a:lumOff val="0"/>
+            <a:alphaOff val="0"/>
+          </a:schemeClr>
+        </a:solidFill>
+        <a:ln>
+          <a:noFill/>
+        </a:ln>
+        <a:effectLst>
+          <a:innerShdw blurRad="63500" dist="50800" dir="16200000">
+            <a:prstClr val="black">
+              <a:alpha val="50000"/>
+            </a:prstClr>
+          </a:innerShdw>
+        </a:effectLst>
+      </dsp:spPr>
+      <dsp:style>
+        <a:lnRef idx="0">
+          <a:scrgbClr r="0" g="0" b="0"/>
+        </a:lnRef>
+        <a:fillRef idx="1">
+          <a:scrgbClr r="0" g="0" b="0"/>
+        </a:fillRef>
+        <a:effectRef idx="0">
+          <a:scrgbClr r="0" g="0" b="0"/>
+        </a:effectRef>
+        <a:fontRef idx="minor"/>
+      </dsp:style>
+    </dsp:sp>
+    <dsp:sp modelId="{E3E5079E-D96A-4CE7-864C-EB0A8F323A36}">
+      <dsp:nvSpPr>
+        <dsp:cNvPr id="0" name=""/>
+        <dsp:cNvSpPr/>
+      </dsp:nvSpPr>
+      <dsp:spPr>
+        <a:xfrm>
+          <a:off x="475646" y="354458"/>
+          <a:ext cx="864811" cy="864811"/>
+        </a:xfrm>
+        <a:prstGeom prst="rect">
+          <a:avLst/>
+        </a:prstGeom>
+        <a:blipFill>
+          <a:blip xmlns:r="http://schemas.openxmlformats.org/officeDocument/2006/relationships" r:embed="rId1">
+            <a:extLst>
+              <a:ext uri="{28A0092B-C50C-407E-A947-70E740481C1C}">
+                <a14:useLocalDpi xmlns:a14="http://schemas.microsoft.com/office/drawing/2010/main" val="0"/>
+              </a:ext>
+              <a:ext uri="{96DAC541-7B7A-43D3-8B79-37D633B846F1}">
+                <asvg:svgBlip xmlns:asvg="http://schemas.microsoft.com/office/drawing/2016/SVG/main" r:embed="rId2"/>
+              </a:ext>
+            </a:extLst>
+          </a:blip>
+          <a:stretch>
+            <a:fillRect/>
+          </a:stretch>
+        </a:blipFill>
+        <a:ln w="12700" cap="flat" cmpd="sng" algn="ctr">
+          <a:noFill/>
+          <a:prstDash val="solid"/>
+          <a:miter lim="800000"/>
+        </a:ln>
+        <a:effectLst>
+          <a:innerShdw blurRad="63500" dist="50800" dir="13500000">
+            <a:prstClr val="black">
+              <a:alpha val="50000"/>
+            </a:prstClr>
+          </a:innerShdw>
+        </a:effectLst>
+      </dsp:spPr>
+      <dsp:style>
+        <a:lnRef idx="2">
+          <a:scrgbClr r="0" g="0" b="0"/>
+        </a:lnRef>
+        <a:fillRef idx="1">
+          <a:scrgbClr r="0" g="0" b="0"/>
+        </a:fillRef>
+        <a:effectRef idx="0">
+          <a:scrgbClr r="0" g="0" b="0"/>
+        </a:effectRef>
+        <a:fontRef idx="minor">
+          <a:schemeClr val="lt1"/>
+        </a:fontRef>
+      </dsp:style>
+    </dsp:sp>
+    <dsp:sp modelId="{B6B7424E-6B59-4520-882F-2DB4908F2E78}">
+      <dsp:nvSpPr>
+        <dsp:cNvPr id="0" name=""/>
+        <dsp:cNvSpPr/>
+      </dsp:nvSpPr>
+      <dsp:spPr>
+        <a:xfrm>
+          <a:off x="1816103" y="671"/>
+          <a:ext cx="4447536" cy="1572384"/>
+        </a:xfrm>
+        <a:prstGeom prst="rect">
+          <a:avLst/>
+        </a:prstGeom>
+        <a:noFill/>
+        <a:ln>
+          <a:noFill/>
+        </a:ln>
+        <a:effectLst/>
+      </dsp:spPr>
+      <dsp:style>
+        <a:lnRef idx="0">
+          <a:scrgbClr r="0" g="0" b="0"/>
+        </a:lnRef>
+        <a:fillRef idx="0">
+          <a:scrgbClr r="0" g="0" b="0"/>
+        </a:fillRef>
+        <a:effectRef idx="0">
+          <a:scrgbClr r="0" g="0" b="0"/>
+        </a:effectRef>
+        <a:fontRef idx="minor"/>
+      </dsp:style>
+      <dsp:txBody>
+        <a:bodyPr spcFirstLastPara="0" vert="horz" wrap="square" lIns="166411" tIns="166411" rIns="166411" bIns="166411" numCol="1" spcCol="1270" anchor="ctr" anchorCtr="0">
+          <a:noAutofit/>
+        </a:bodyPr>
+        <a:lstStyle/>
+        <a:p>
+          <a:pPr marL="0" lvl="0" indent="0" algn="l" defTabSz="1111250">
+            <a:lnSpc>
+              <a:spcPct val="100000"/>
+            </a:lnSpc>
+            <a:spcBef>
+              <a:spcPct val="0"/>
+            </a:spcBef>
+            <a:spcAft>
+              <a:spcPct val="35000"/>
+            </a:spcAft>
+            <a:buNone/>
+          </a:pPr>
+          <a:r>
+            <a:rPr lang="pt-BR" sz="2500" kern="1200" dirty="0">
+              <a:latin typeface="Abadi" panose="020B0604020104020204" pitchFamily="34" charset="0"/>
+            </a:rPr>
+            <a:t>Integrar banco de dados</a:t>
+          </a:r>
+          <a:endParaRPr lang="en-US" sz="2500" kern="1200" dirty="0">
+            <a:latin typeface="Abadi" panose="020B0604020104020204" pitchFamily="34" charset="0"/>
+          </a:endParaRPr>
+        </a:p>
+      </dsp:txBody>
+      <dsp:txXfrm>
+        <a:off x="1816103" y="671"/>
+        <a:ext cx="4447536" cy="1572384"/>
+      </dsp:txXfrm>
+    </dsp:sp>
+    <dsp:sp modelId="{65FDD8BE-50D7-40E7-B8E4-9933C1420802}">
+      <dsp:nvSpPr>
+        <dsp:cNvPr id="0" name=""/>
+        <dsp:cNvSpPr/>
+      </dsp:nvSpPr>
+      <dsp:spPr>
+        <a:xfrm>
+          <a:off x="0" y="1966151"/>
+          <a:ext cx="6263640" cy="1572384"/>
+        </a:xfrm>
+        <a:prstGeom prst="roundRect">
+          <a:avLst>
+            <a:gd name="adj" fmla="val 10000"/>
+          </a:avLst>
+        </a:prstGeom>
+        <a:solidFill>
+          <a:schemeClr val="bg1">
+            <a:lumMod val="95000"/>
+            <a:hueOff val="0"/>
+            <a:satOff val="0"/>
+            <a:lumOff val="0"/>
+            <a:alphaOff val="0"/>
+          </a:schemeClr>
+        </a:solidFill>
+        <a:ln>
+          <a:noFill/>
+        </a:ln>
+        <a:effectLst>
+          <a:innerShdw blurRad="114300">
+            <a:prstClr val="black"/>
+          </a:innerShdw>
+        </a:effectLst>
+      </dsp:spPr>
+      <dsp:style>
+        <a:lnRef idx="0">
+          <a:scrgbClr r="0" g="0" b="0"/>
+        </a:lnRef>
+        <a:fillRef idx="1">
+          <a:scrgbClr r="0" g="0" b="0"/>
+        </a:fillRef>
+        <a:effectRef idx="0">
+          <a:scrgbClr r="0" g="0" b="0"/>
+        </a:effectRef>
+        <a:fontRef idx="minor"/>
+      </dsp:style>
+    </dsp:sp>
+    <dsp:sp modelId="{6314E38E-C313-4A26-83E2-56B1021D65D8}">
+      <dsp:nvSpPr>
+        <dsp:cNvPr id="0" name=""/>
+        <dsp:cNvSpPr/>
+      </dsp:nvSpPr>
+      <dsp:spPr>
+        <a:xfrm>
+          <a:off x="475646" y="2319938"/>
+          <a:ext cx="864811" cy="864811"/>
+        </a:xfrm>
+        <a:prstGeom prst="rect">
+          <a:avLst/>
+        </a:prstGeom>
+        <a:blipFill>
+          <a:blip xmlns:r="http://schemas.openxmlformats.org/officeDocument/2006/relationships" r:embed="rId3">
+            <a:extLst>
+              <a:ext uri="{96DAC541-7B7A-43D3-8B79-37D633B846F1}">
+                <asvg:svgBlip xmlns:asvg="http://schemas.microsoft.com/office/drawing/2016/SVG/main" r:embed="rId4"/>
+              </a:ext>
+            </a:extLst>
+          </a:blip>
+          <a:srcRect/>
+          <a:stretch>
+            <a:fillRect/>
+          </a:stretch>
+        </a:blipFill>
+        <a:ln w="12700" cap="flat" cmpd="sng" algn="ctr">
+          <a:noFill/>
+          <a:prstDash val="solid"/>
+          <a:miter lim="800000"/>
+        </a:ln>
+        <a:effectLst>
+          <a:innerShdw blurRad="63500" dist="50800" dir="13500000">
+            <a:prstClr val="black">
+              <a:alpha val="50000"/>
+            </a:prstClr>
+          </a:innerShdw>
+        </a:effectLst>
+      </dsp:spPr>
+      <dsp:style>
+        <a:lnRef idx="2">
+          <a:scrgbClr r="0" g="0" b="0"/>
+        </a:lnRef>
+        <a:fillRef idx="1">
+          <a:scrgbClr r="0" g="0" b="0"/>
+        </a:fillRef>
+        <a:effectRef idx="0">
+          <a:scrgbClr r="0" g="0" b="0"/>
+        </a:effectRef>
+        <a:fontRef idx="minor">
+          <a:schemeClr val="lt1"/>
+        </a:fontRef>
+      </dsp:style>
+    </dsp:sp>
+    <dsp:sp modelId="{5CEC48D7-6710-4354-A1A2-4B3DEF65D7D2}">
+      <dsp:nvSpPr>
+        <dsp:cNvPr id="0" name=""/>
+        <dsp:cNvSpPr/>
+      </dsp:nvSpPr>
+      <dsp:spPr>
+        <a:xfrm>
+          <a:off x="1816103" y="1966151"/>
+          <a:ext cx="4447536" cy="1572384"/>
+        </a:xfrm>
+        <a:prstGeom prst="rect">
+          <a:avLst/>
+        </a:prstGeom>
+        <a:noFill/>
+        <a:ln>
+          <a:noFill/>
+        </a:ln>
+        <a:effectLst/>
+      </dsp:spPr>
+      <dsp:style>
+        <a:lnRef idx="0">
+          <a:scrgbClr r="0" g="0" b="0"/>
+        </a:lnRef>
+        <a:fillRef idx="0">
+          <a:scrgbClr r="0" g="0" b="0"/>
+        </a:fillRef>
+        <a:effectRef idx="0">
+          <a:scrgbClr r="0" g="0" b="0"/>
+        </a:effectRef>
+        <a:fontRef idx="minor"/>
+      </dsp:style>
+      <dsp:txBody>
+        <a:bodyPr spcFirstLastPara="0" vert="horz" wrap="square" lIns="166411" tIns="166411" rIns="166411" bIns="166411" numCol="1" spcCol="1270" anchor="ctr" anchorCtr="0">
+          <a:noAutofit/>
+        </a:bodyPr>
+        <a:lstStyle/>
+        <a:p>
+          <a:pPr marL="0" lvl="0" indent="0" algn="l" defTabSz="1111250">
+            <a:lnSpc>
+              <a:spcPct val="100000"/>
+            </a:lnSpc>
+            <a:spcBef>
+              <a:spcPct val="0"/>
+            </a:spcBef>
+            <a:spcAft>
+              <a:spcPct val="35000"/>
+            </a:spcAft>
+            <a:buNone/>
+          </a:pPr>
+          <a:r>
+            <a:rPr lang="pt-BR" sz="2500" kern="1200" dirty="0">
+              <a:latin typeface="Abadi" panose="020B0604020104020204" pitchFamily="34" charset="0"/>
+            </a:rPr>
+            <a:t>Elaborar estrutura do site</a:t>
+          </a:r>
+          <a:endParaRPr lang="en-US" sz="2500" kern="1200" dirty="0">
+            <a:latin typeface="Abadi" panose="020B0604020104020204" pitchFamily="34" charset="0"/>
+          </a:endParaRPr>
+        </a:p>
+      </dsp:txBody>
+      <dsp:txXfrm>
+        <a:off x="1816103" y="1966151"/>
+        <a:ext cx="4447536" cy="1572384"/>
+      </dsp:txXfrm>
+    </dsp:sp>
+    <dsp:sp modelId="{EC8BC9E1-40A9-42D7-AF81-4A9318C9A187}">
+      <dsp:nvSpPr>
+        <dsp:cNvPr id="0" name=""/>
+        <dsp:cNvSpPr/>
+      </dsp:nvSpPr>
+      <dsp:spPr>
+        <a:xfrm>
+          <a:off x="0" y="3931632"/>
+          <a:ext cx="6263640" cy="1572384"/>
+        </a:xfrm>
+        <a:prstGeom prst="roundRect">
+          <a:avLst>
+            <a:gd name="adj" fmla="val 10000"/>
+          </a:avLst>
+        </a:prstGeom>
+        <a:solidFill>
+          <a:schemeClr val="bg1">
+            <a:lumMod val="95000"/>
+            <a:hueOff val="0"/>
+            <a:satOff val="0"/>
+            <a:lumOff val="0"/>
+            <a:alphaOff val="0"/>
+          </a:schemeClr>
+        </a:solidFill>
+        <a:ln>
+          <a:noFill/>
+        </a:ln>
+        <a:effectLst>
+          <a:innerShdw blurRad="63500" dist="50800" dir="5400000">
+            <a:prstClr val="black">
+              <a:alpha val="50000"/>
+            </a:prstClr>
+          </a:innerShdw>
+        </a:effectLst>
+      </dsp:spPr>
+      <dsp:style>
+        <a:lnRef idx="0">
+          <a:scrgbClr r="0" g="0" b="0"/>
+        </a:lnRef>
+        <a:fillRef idx="1">
+          <a:scrgbClr r="0" g="0" b="0"/>
+        </a:fillRef>
+        <a:effectRef idx="0">
+          <a:scrgbClr r="0" g="0" b="0"/>
+        </a:effectRef>
+        <a:fontRef idx="minor"/>
+      </dsp:style>
+    </dsp:sp>
+    <dsp:sp modelId="{E3518167-8024-4849-916B-D54F8ACDFC17}">
+      <dsp:nvSpPr>
+        <dsp:cNvPr id="0" name=""/>
+        <dsp:cNvSpPr/>
+      </dsp:nvSpPr>
+      <dsp:spPr>
+        <a:xfrm>
+          <a:off x="475646" y="4312054"/>
+          <a:ext cx="864811" cy="864811"/>
+        </a:xfrm>
+        <a:prstGeom prst="rect">
+          <a:avLst/>
+        </a:prstGeom>
+        <a:blipFill>
+          <a:blip xmlns:r="http://schemas.openxmlformats.org/officeDocument/2006/relationships" r:embed="rId5">
+            <a:extLst>
+              <a:ext uri="{96DAC541-7B7A-43D3-8B79-37D633B846F1}">
+                <asvg:svgBlip xmlns:asvg="http://schemas.microsoft.com/office/drawing/2016/SVG/main" r:embed="rId6"/>
+              </a:ext>
+            </a:extLst>
+          </a:blip>
+          <a:srcRect/>
+          <a:stretch>
+            <a:fillRect/>
+          </a:stretch>
+        </a:blipFill>
+        <a:ln w="12700" cap="flat" cmpd="sng" algn="ctr">
+          <a:noFill/>
+          <a:prstDash val="solid"/>
+          <a:miter lim="800000"/>
+        </a:ln>
+        <a:effectLst>
+          <a:innerShdw blurRad="63500" dist="50800" dir="16200000">
+            <a:prstClr val="black">
+              <a:alpha val="50000"/>
+            </a:prstClr>
+          </a:innerShdw>
+        </a:effectLst>
+      </dsp:spPr>
+      <dsp:style>
+        <a:lnRef idx="2">
+          <a:scrgbClr r="0" g="0" b="0"/>
+        </a:lnRef>
+        <a:fillRef idx="1">
+          <a:scrgbClr r="0" g="0" b="0"/>
+        </a:fillRef>
+        <a:effectRef idx="0">
+          <a:scrgbClr r="0" g="0" b="0"/>
+        </a:effectRef>
+        <a:fontRef idx="minor">
+          <a:schemeClr val="lt1"/>
+        </a:fontRef>
+      </dsp:style>
+    </dsp:sp>
+    <dsp:sp modelId="{36E70E7E-A0DE-4238-818B-BCFE9EE55D31}">
+      <dsp:nvSpPr>
+        <dsp:cNvPr id="0" name=""/>
+        <dsp:cNvSpPr/>
+      </dsp:nvSpPr>
+      <dsp:spPr>
+        <a:xfrm>
+          <a:off x="1816103" y="3931632"/>
+          <a:ext cx="4447536" cy="1572384"/>
+        </a:xfrm>
+        <a:prstGeom prst="rect">
+          <a:avLst/>
+        </a:prstGeom>
+        <a:noFill/>
+        <a:ln>
+          <a:noFill/>
+        </a:ln>
+        <a:effectLst/>
+      </dsp:spPr>
+      <dsp:style>
+        <a:lnRef idx="0">
+          <a:scrgbClr r="0" g="0" b="0"/>
+        </a:lnRef>
+        <a:fillRef idx="0">
+          <a:scrgbClr r="0" g="0" b="0"/>
+        </a:fillRef>
+        <a:effectRef idx="0">
+          <a:scrgbClr r="0" g="0" b="0"/>
+        </a:effectRef>
+        <a:fontRef idx="minor"/>
+      </dsp:style>
+      <dsp:txBody>
+        <a:bodyPr spcFirstLastPara="0" vert="horz" wrap="square" lIns="166411" tIns="166411" rIns="166411" bIns="166411" numCol="1" spcCol="1270" anchor="ctr" anchorCtr="0">
+          <a:noAutofit/>
+        </a:bodyPr>
+        <a:lstStyle/>
+        <a:p>
+          <a:pPr marL="0" lvl="0" indent="0" algn="l" defTabSz="1111250">
+            <a:lnSpc>
+              <a:spcPct val="100000"/>
+            </a:lnSpc>
+            <a:spcBef>
+              <a:spcPct val="0"/>
+            </a:spcBef>
+            <a:spcAft>
+              <a:spcPct val="35000"/>
+            </a:spcAft>
+            <a:buNone/>
+          </a:pPr>
+          <a:r>
+            <a:rPr lang="pt-BR" sz="2500" kern="1200" dirty="0">
+              <a:latin typeface="Abadi" panose="020B0604020104020204" pitchFamily="34" charset="0"/>
+            </a:rPr>
+            <a:t>Abdicar de outras atividades para foco apenas no site</a:t>
+          </a:r>
+          <a:endParaRPr lang="en-US" sz="2500" kern="1200" dirty="0">
+            <a:latin typeface="Abadi" panose="020B0604020104020204" pitchFamily="34" charset="0"/>
+          </a:endParaRPr>
+        </a:p>
+      </dsp:txBody>
+      <dsp:txXfrm>
+        <a:off x="1816103" y="3931632"/>
+        <a:ext cx="4447536" cy="1572384"/>
       </dsp:txXfrm>
     </dsp:sp>
   </dsp:spTree>
@@ -1859,7 +3705,1335 @@
 </dgm:layoutDef>
 </file>
 
+<file path=ppt/diagrams/layout2.xml><?xml version="1.0" encoding="utf-8"?>
+<dgm:layoutDef xmlns:dgm="http://schemas.openxmlformats.org/drawingml/2006/diagram" xmlns:a="http://schemas.openxmlformats.org/drawingml/2006/main" uniqueId="urn:microsoft.com/office/officeart/2018/2/layout/IconVerticalSolidList">
+  <dgm:title val="Icon Vertical Solid List"/>
+  <dgm:desc val="Use to show a series of visuals from top to bottom with Level 1 or Level 1 and Level 2 text grouped in a shape. Works best with icons or small pictures with lengthier descriptions."/>
+  <dgm:catLst>
+    <dgm:cat type="icon" pri="500"/>
+  </dgm:catLst>
+  <dgm:sampData useDef="1">
+    <dgm:dataModel>
+      <dgm:ptLst/>
+      <dgm:bg/>
+      <dgm:whole/>
+    </dgm:dataModel>
+  </dgm:sampData>
+  <dgm:styleData useDef="1">
+    <dgm:dataModel>
+      <dgm:ptLst/>
+      <dgm:bg/>
+      <dgm:whole/>
+    </dgm:dataModel>
+  </dgm:styleData>
+  <dgm:clrData useDef="1">
+    <dgm:dataModel>
+      <dgm:ptLst/>
+      <dgm:bg/>
+      <dgm:whole/>
+    </dgm:dataModel>
+  </dgm:clrData>
+  <dgm:layoutNode name="root">
+    <dgm:varLst>
+      <dgm:dir/>
+      <dgm:resizeHandles val="exact"/>
+    </dgm:varLst>
+    <dgm:choose name="Name0">
+      <dgm:if name="Name1" axis="self" func="var" arg="dir" op="equ" val="norm">
+        <dgm:alg type="lin">
+          <dgm:param type="linDir" val="fromT"/>
+          <dgm:param type="nodeHorzAlign" val="l"/>
+        </dgm:alg>
+      </dgm:if>
+      <dgm:else name="Name2">
+        <dgm:alg type="lin">
+          <dgm:param type="linDir" val="fromT"/>
+          <dgm:param type="nodeHorzAlign" val="r"/>
+        </dgm:alg>
+      </dgm:else>
+    </dgm:choose>
+    <dgm:shape xmlns:r="http://schemas.openxmlformats.org/officeDocument/2006/relationships" r:blip="">
+      <dgm:adjLst/>
+    </dgm:shape>
+    <dgm:presOf/>
+    <dgm:choose name="Name3">
+      <dgm:if name="Name4" axis="ch" ptType="node" func="cnt" op="lte" val="3">
+        <dgm:constrLst>
+          <dgm:constr type="h" for="ch" forName="compNode" refType="h" fact="0.3"/>
+          <dgm:constr type="w" for="ch" forName="compNode" refType="w"/>
+          <dgm:constr type="h" for="ch" forName="sibTrans" refType="h" refFor="ch" refForName="compNode" fact="0.25"/>
+          <dgm:constr type="primFontSz" for="des" forName="parTx" val="25"/>
+          <dgm:constr type="primFontSz" for="des" forName="desTx" refType="primFontSz" refFor="des" refForName="parTx" op="lte" fact="0.75"/>
+          <dgm:constr type="h" for="des" forName="compNode" op="equ"/>
+          <dgm:constr type="h" for="des" forName="bgRect" op="equ"/>
+          <dgm:constr type="h" for="des" forName="iconRect" op="equ"/>
+          <dgm:constr type="w" for="des" forName="iconRect" op="equ"/>
+          <dgm:constr type="h" for="des" forName="spaceRect" op="equ"/>
+          <dgm:constr type="h" for="des" forName="parTx" op="equ"/>
+          <dgm:constr type="h" for="des" forName="desTx" op="equ"/>
+        </dgm:constrLst>
+      </dgm:if>
+      <dgm:if name="Name5" axis="ch" ptType="node" func="cnt" op="lte" val="4">
+        <dgm:constrLst>
+          <dgm:constr type="h" for="ch" forName="compNode" refType="h" fact="0.3"/>
+          <dgm:constr type="w" for="ch" forName="compNode" refType="w"/>
+          <dgm:constr type="h" for="ch" forName="sibTrans" refType="h" refFor="ch" refForName="compNode" fact="0.25"/>
+          <dgm:constr type="primFontSz" for="des" forName="parTx" val="22"/>
+          <dgm:constr type="primFontSz" for="des" forName="desTx" refType="primFontSz" refFor="des" refForName="parTx" op="lte" fact="0.75"/>
+          <dgm:constr type="h" for="des" forName="compNode" op="equ"/>
+          <dgm:constr type="h" for="des" forName="bgRect" op="equ"/>
+          <dgm:constr type="h" for="des" forName="iconRect" op="equ"/>
+          <dgm:constr type="w" for="des" forName="iconRect" op="equ"/>
+          <dgm:constr type="h" for="des" forName="spaceRect" op="equ"/>
+          <dgm:constr type="h" for="des" forName="parTx" op="equ"/>
+          <dgm:constr type="h" for="des" forName="desTx" op="equ"/>
+        </dgm:constrLst>
+      </dgm:if>
+      <dgm:if name="Name6" axis="ch" ptType="node" func="cnt" op="lte" val="6">
+        <dgm:constrLst>
+          <dgm:constr type="h" for="ch" forName="compNode" refType="h" fact="0.3"/>
+          <dgm:constr type="w" for="ch" forName="compNode" refType="w"/>
+          <dgm:constr type="h" for="ch" forName="sibTrans" refType="h" refFor="ch" refForName="compNode" fact="0.25"/>
+          <dgm:constr type="primFontSz" for="des" forName="parTx" val="19"/>
+          <dgm:constr type="primFontSz" for="des" forName="desTx" refType="primFontSz" refFor="des" refForName="parTx" op="lte" fact="0.75"/>
+          <dgm:constr type="h" for="des" forName="compNode" op="equ"/>
+          <dgm:constr type="h" for="des" forName="bgRect" op="equ"/>
+          <dgm:constr type="h" for="des" forName="iconRect" op="equ"/>
+          <dgm:constr type="w" for="des" forName="iconRect" op="equ"/>
+          <dgm:constr type="h" for="des" forName="spaceRect" op="equ"/>
+          <dgm:constr type="h" for="des" forName="parTx" op="equ"/>
+          <dgm:constr type="h" for="des" forName="desTx" op="equ"/>
+        </dgm:constrLst>
+      </dgm:if>
+      <dgm:else name="Name7">
+        <dgm:constrLst>
+          <dgm:constr type="h" for="ch" forName="compNode" refType="h" fact="0.3"/>
+          <dgm:constr type="w" for="ch" forName="compNode" refType="w"/>
+          <dgm:constr type="h" for="ch" forName="sibTrans" refType="h" refFor="ch" refForName="compNode" fact="0.25"/>
+          <dgm:constr type="primFontSz" for="des" forName="parTx" val="16"/>
+          <dgm:constr type="primFontSz" for="des" forName="desTx" refType="primFontSz" refFor="des" refForName="parTx" op="lte" fact="0.75"/>
+          <dgm:constr type="h" for="des" forName="compNode" op="equ"/>
+          <dgm:constr type="h" for="des" forName="bgRect" op="equ"/>
+          <dgm:constr type="h" for="des" forName="iconRect" op="equ"/>
+          <dgm:constr type="w" for="des" forName="iconRect" op="equ"/>
+          <dgm:constr type="h" for="des" forName="spaceRect" op="equ"/>
+          <dgm:constr type="h" for="des" forName="parTx" op="equ"/>
+          <dgm:constr type="h" for="des" forName="desTx" op="equ"/>
+        </dgm:constrLst>
+      </dgm:else>
+    </dgm:choose>
+    <dgm:ruleLst>
+      <dgm:rule type="h" for="ch" forName="compNode" val="0" fact="NaN" max="NaN"/>
+    </dgm:ruleLst>
+    <dgm:forEach name="Name8" axis="ch" ptType="node">
+      <dgm:layoutNode name="compNode">
+        <dgm:alg type="composite"/>
+        <dgm:shape xmlns:r="http://schemas.openxmlformats.org/officeDocument/2006/relationships" r:blip="">
+          <dgm:adjLst/>
+        </dgm:shape>
+        <dgm:presOf axis="self"/>
+        <dgm:choose name="Name9">
+          <dgm:if name="Name10" axis="ch" ptType="node" func="cnt" op="gte" val="1">
+            <dgm:constrLst>
+              <dgm:constr type="w" for="ch" forName="bgRect" refType="w"/>
+              <dgm:constr type="h" for="ch" forName="bgRect" refType="h"/>
+              <dgm:constr type="l" for="ch" forName="bgRect"/>
+              <dgm:constr type="t" for="ch" forName="bgRect"/>
+              <dgm:constr type="h" for="ch" forName="iconRect" refType="h" fact="0.55"/>
+              <dgm:constr type="w" for="ch" forName="iconRect" refType="h" refFor="ch" refForName="iconRect"/>
+              <dgm:constr type="l" for="ch" forName="iconRect" refType="h" refFor="ch" refForName="iconRect" fact="0.55"/>
+              <dgm:constr type="ctrY" for="ch" forName="iconRect" refType="ctrY" refFor="ch" refForName="bgRect"/>
+              <dgm:constr type="w" for="ch" forName="spaceRect" refType="l" refFor="ch" refForName="iconRect"/>
+              <dgm:constr type="h" for="ch" forName="spaceRect" refType="h"/>
+              <dgm:constr type="l" for="ch" forName="spaceRect" refType="r" refFor="ch" refForName="iconRect"/>
+              <dgm:constr type="t" for="ch" forName="spaceRect"/>
+              <dgm:constr type="w" for="ch" forName="parTx" refType="w" fact="0.45"/>
+              <dgm:constr type="h" for="ch" forName="parTx" refType="h"/>
+              <dgm:constr type="l" for="ch" forName="parTx" refType="r" refFor="ch" refForName="spaceRect"/>
+              <dgm:constr type="t" for="ch" forName="parTx"/>
+              <dgm:constr type="h" for="ch" forName="desTx" refType="h"/>
+              <dgm:constr type="l" for="ch" forName="desTx" refType="r" refFor="ch" refForName="parTx"/>
+              <dgm:constr type="t" for="ch" forName="desTx"/>
+            </dgm:constrLst>
+          </dgm:if>
+          <dgm:else name="Name11">
+            <dgm:constrLst>
+              <dgm:constr type="w" for="ch" forName="bgRect" refType="w"/>
+              <dgm:constr type="h" for="ch" forName="bgRect" refType="h"/>
+              <dgm:constr type="l" for="ch" forName="bgRect"/>
+              <dgm:constr type="t" for="ch" forName="bgRect"/>
+              <dgm:constr type="h" for="ch" forName="iconRect" refType="h" fact="0.55"/>
+              <dgm:constr type="w" for="ch" forName="iconRect" refType="h" refFor="ch" refForName="iconRect"/>
+              <dgm:constr type="l" for="ch" forName="iconRect" refType="h" refFor="ch" refForName="iconRect" fact="0.55"/>
+              <dgm:constr type="ctrY" for="ch" forName="iconRect" refType="ctrY" refFor="ch" refForName="bgRect"/>
+              <dgm:constr type="w" for="ch" forName="spaceRect" refType="l" refFor="ch" refForName="iconRect"/>
+              <dgm:constr type="h" for="ch" forName="spaceRect" refType="h"/>
+              <dgm:constr type="l" for="ch" forName="spaceRect" refType="r" refFor="ch" refForName="iconRect"/>
+              <dgm:constr type="t" for="ch" forName="spaceRect"/>
+              <dgm:constr type="h" for="ch" forName="parTx" refType="h"/>
+              <dgm:constr type="l" for="ch" forName="parTx" refType="r" refFor="ch" refForName="spaceRect"/>
+              <dgm:constr type="t" for="ch" forName="parTx"/>
+            </dgm:constrLst>
+          </dgm:else>
+        </dgm:choose>
+        <dgm:ruleLst>
+          <dgm:rule type="h" val="INF" fact="NaN" max="NaN"/>
+        </dgm:ruleLst>
+        <dgm:layoutNode name="bgRect" styleLbl="bgShp">
+          <dgm:alg type="sp"/>
+          <dgm:shape xmlns:r="http://schemas.openxmlformats.org/officeDocument/2006/relationships" type="roundRect" r:blip="">
+            <dgm:adjLst>
+              <dgm:adj idx="1" val="0.1"/>
+            </dgm:adjLst>
+          </dgm:shape>
+          <dgm:presOf/>
+          <dgm:constrLst/>
+          <dgm:ruleLst/>
+        </dgm:layoutNode>
+        <dgm:layoutNode name="iconRect" styleLbl="node1">
+          <dgm:alg type="sp"/>
+          <dgm:shape xmlns:r="http://schemas.openxmlformats.org/officeDocument/2006/relationships" type="rect" r:blip="" blipPhldr="1">
+            <dgm:adjLst/>
+          </dgm:shape>
+          <dgm:presOf/>
+          <dgm:constrLst/>
+          <dgm:ruleLst/>
+        </dgm:layoutNode>
+        <dgm:layoutNode name="spaceRect">
+          <dgm:alg type="sp"/>
+          <dgm:shape xmlns:r="http://schemas.openxmlformats.org/officeDocument/2006/relationships" r:blip="">
+            <dgm:adjLst/>
+          </dgm:shape>
+          <dgm:presOf/>
+          <dgm:constrLst/>
+          <dgm:ruleLst/>
+        </dgm:layoutNode>
+        <dgm:layoutNode name="parTx" styleLbl="revTx">
+          <dgm:varLst>
+            <dgm:chMax val="0"/>
+            <dgm:chPref val="0"/>
+          </dgm:varLst>
+          <dgm:alg type="tx">
+            <dgm:param type="txAnchorVert" val="mid"/>
+            <dgm:param type="parTxLTRAlign" val="l"/>
+            <dgm:param type="shpTxLTRAlignCh" val="l"/>
+            <dgm:param type="parTxRTLAlign" val="r"/>
+            <dgm:param type="shpTxRTLAlignCh" val="r"/>
+          </dgm:alg>
+          <dgm:shape xmlns:r="http://schemas.openxmlformats.org/officeDocument/2006/relationships" type="rect" r:blip="">
+            <dgm:adjLst/>
+          </dgm:shape>
+          <dgm:presOf axis="self" ptType="node"/>
+          <dgm:constrLst>
+            <dgm:constr type="lMarg" refType="h" fact="0.3"/>
+            <dgm:constr type="rMarg" refType="h" fact="0.3"/>
+            <dgm:constr type="tMarg" refType="h" fact="0.3"/>
+            <dgm:constr type="bMarg" refType="h" fact="0.3"/>
+          </dgm:constrLst>
+          <dgm:ruleLst>
+            <dgm:rule type="primFontSz" val="14" fact="NaN" max="NaN"/>
+            <dgm:rule type="h" val="INF" fact="NaN" max="NaN"/>
+          </dgm:ruleLst>
+        </dgm:layoutNode>
+        <dgm:choose name="Name12">
+          <dgm:if name="Name13" axis="ch" ptType="node" func="cnt" op="gte" val="1">
+            <dgm:layoutNode name="desTx" styleLbl="revTx">
+              <dgm:varLst/>
+              <dgm:alg type="tx">
+                <dgm:param type="txAnchorVertCh" val="mid"/>
+                <dgm:param type="parTxLTRAlign" val="l"/>
+                <dgm:param type="shpTxLTRAlignCh" val="l"/>
+                <dgm:param type="parTxRTLAlign" val="r"/>
+                <dgm:param type="shpTxRTLAlignCh" val="r"/>
+                <dgm:param type="stBulletLvl" val="0"/>
+              </dgm:alg>
+              <dgm:shape xmlns:r="http://schemas.openxmlformats.org/officeDocument/2006/relationships" type="rect" r:blip="">
+                <dgm:adjLst/>
+              </dgm:shape>
+              <dgm:presOf axis="des" ptType="node"/>
+              <dgm:constrLst>
+                <dgm:constr type="primFontSz" val="18"/>
+                <dgm:constr type="secFontSz" refType="primFontSz"/>
+                <dgm:constr type="lMarg" refType="h" fact="0.3"/>
+                <dgm:constr type="rMarg" refType="h" fact="0.3"/>
+                <dgm:constr type="tMarg" refType="h" fact="0.3"/>
+                <dgm:constr type="bMarg" refType="h" fact="0.3"/>
+              </dgm:constrLst>
+              <dgm:ruleLst>
+                <dgm:rule type="primFontSz" val="11" fact="NaN" max="NaN"/>
+              </dgm:ruleLst>
+            </dgm:layoutNode>
+          </dgm:if>
+          <dgm:else name="Name14"/>
+        </dgm:choose>
+      </dgm:layoutNode>
+      <dgm:forEach name="Name15" axis="followSib" ptType="sibTrans" cnt="1">
+        <dgm:layoutNode name="sibTrans">
+          <dgm:alg type="sp"/>
+          <dgm:shape xmlns:r="http://schemas.openxmlformats.org/officeDocument/2006/relationships" r:blip="">
+            <dgm:adjLst/>
+          </dgm:shape>
+          <dgm:presOf axis="self"/>
+          <dgm:constrLst/>
+          <dgm:ruleLst/>
+        </dgm:layoutNode>
+      </dgm:forEach>
+    </dgm:forEach>
+  </dgm:layoutNode>
+  <dgm:extLst>
+    <a:ext uri="{68A01E43-0DF5-4B5B-8FA6-DAF915123BFB}">
+      <dgm1612:lstStyle xmlns:dgm1612="http://schemas.microsoft.com/office/drawing/2016/12/diagram">
+        <a:lvl1pPr>
+          <a:lnSpc>
+            <a:spcPct val="100000"/>
+          </a:lnSpc>
+        </a:lvl1pPr>
+        <a:lvl2pPr>
+          <a:lnSpc>
+            <a:spcPct val="100000"/>
+          </a:lnSpc>
+        </a:lvl2pPr>
+      </dgm1612:lstStyle>
+    </a:ext>
+  </dgm:extLst>
+</dgm:layoutDef>
+</file>
+
 <file path=ppt/diagrams/quickStyle1.xml><?xml version="1.0" encoding="utf-8"?>
+<dgm:styleDef xmlns:dgm="http://schemas.openxmlformats.org/drawingml/2006/diagram" xmlns:a="http://schemas.openxmlformats.org/drawingml/2006/main" uniqueId="urn:microsoft.com/office/officeart/2005/8/quickstyle/simple1">
+  <dgm:title val=""/>
+  <dgm:desc val=""/>
+  <dgm:catLst>
+    <dgm:cat type="simple" pri="10100"/>
+  </dgm:catLst>
+  <dgm:scene3d>
+    <a:camera prst="orthographicFront"/>
+    <a:lightRig rig="threePt" dir="t"/>
+  </dgm:scene3d>
+  <dgm:styleLbl name="node0">
+    <dgm:scene3d>
+      <a:camera prst="orthographicFront"/>
+      <a:lightRig rig="threePt" dir="t"/>
+    </dgm:scene3d>
+    <dgm:sp3d/>
+    <dgm:txPr/>
+    <dgm:style>
+      <a:lnRef idx="2">
+        <a:scrgbClr r="0" g="0" b="0"/>
+      </a:lnRef>
+      <a:fillRef idx="1">
+        <a:scrgbClr r="0" g="0" b="0"/>
+      </a:fillRef>
+      <a:effectRef idx="0">
+        <a:scrgbClr r="0" g="0" b="0"/>
+      </a:effectRef>
+      <a:fontRef idx="minor">
+        <a:schemeClr val="lt1"/>
+      </a:fontRef>
+    </dgm:style>
+  </dgm:styleLbl>
+  <dgm:styleLbl name="lnNode1">
+    <dgm:scene3d>
+      <a:camera prst="orthographicFront"/>
+      <a:lightRig rig="threePt" dir="t"/>
+    </dgm:scene3d>
+    <dgm:sp3d/>
+    <dgm:txPr/>
+    <dgm:style>
+      <a:lnRef idx="2">
+        <a:scrgbClr r="0" g="0" b="0"/>
+      </a:lnRef>
+      <a:fillRef idx="1">
+        <a:scrgbClr r="0" g="0" b="0"/>
+      </a:fillRef>
+      <a:effectRef idx="0">
+        <a:scrgbClr r="0" g="0" b="0"/>
+      </a:effectRef>
+      <a:fontRef idx="minor">
+        <a:schemeClr val="lt1"/>
+      </a:fontRef>
+    </dgm:style>
+  </dgm:styleLbl>
+  <dgm:styleLbl name="vennNode1">
+    <dgm:scene3d>
+      <a:camera prst="orthographicFront"/>
+      <a:lightRig rig="threePt" dir="t"/>
+    </dgm:scene3d>
+    <dgm:sp3d/>
+    <dgm:txPr/>
+    <dgm:style>
+      <a:lnRef idx="2">
+        <a:scrgbClr r="0" g="0" b="0"/>
+      </a:lnRef>
+      <a:fillRef idx="1">
+        <a:scrgbClr r="0" g="0" b="0"/>
+      </a:fillRef>
+      <a:effectRef idx="0">
+        <a:scrgbClr r="0" g="0" b="0"/>
+      </a:effectRef>
+      <a:fontRef idx="minor">
+        <a:schemeClr val="tx1"/>
+      </a:fontRef>
+    </dgm:style>
+  </dgm:styleLbl>
+  <dgm:styleLbl name="alignNode1">
+    <dgm:scene3d>
+      <a:camera prst="orthographicFront"/>
+      <a:lightRig rig="threePt" dir="t"/>
+    </dgm:scene3d>
+    <dgm:sp3d/>
+    <dgm:txPr/>
+    <dgm:style>
+      <a:lnRef idx="2">
+        <a:scrgbClr r="0" g="0" b="0"/>
+      </a:lnRef>
+      <a:fillRef idx="1">
+        <a:scrgbClr r="0" g="0" b="0"/>
+      </a:fillRef>
+      <a:effectRef idx="0">
+        <a:scrgbClr r="0" g="0" b="0"/>
+      </a:effectRef>
+      <a:fontRef idx="minor">
+        <a:schemeClr val="lt1"/>
+      </a:fontRef>
+    </dgm:style>
+  </dgm:styleLbl>
+  <dgm:styleLbl name="node1">
+    <dgm:scene3d>
+      <a:camera prst="orthographicFront"/>
+      <a:lightRig rig="threePt" dir="t"/>
+    </dgm:scene3d>
+    <dgm:sp3d/>
+    <dgm:txPr/>
+    <dgm:style>
+      <a:lnRef idx="2">
+        <a:scrgbClr r="0" g="0" b="0"/>
+      </a:lnRef>
+      <a:fillRef idx="1">
+        <a:scrgbClr r="0" g="0" b="0"/>
+      </a:fillRef>
+      <a:effectRef idx="0">
+        <a:scrgbClr r="0" g="0" b="0"/>
+      </a:effectRef>
+      <a:fontRef idx="minor">
+        <a:schemeClr val="lt1"/>
+      </a:fontRef>
+    </dgm:style>
+  </dgm:styleLbl>
+  <dgm:styleLbl name="node2">
+    <dgm:scene3d>
+      <a:camera prst="orthographicFront"/>
+      <a:lightRig rig="threePt" dir="t"/>
+    </dgm:scene3d>
+    <dgm:sp3d/>
+    <dgm:txPr/>
+    <dgm:style>
+      <a:lnRef idx="2">
+        <a:scrgbClr r="0" g="0" b="0"/>
+      </a:lnRef>
+      <a:fillRef idx="1">
+        <a:scrgbClr r="0" g="0" b="0"/>
+      </a:fillRef>
+      <a:effectRef idx="0">
+        <a:scrgbClr r="0" g="0" b="0"/>
+      </a:effectRef>
+      <a:fontRef idx="minor">
+        <a:schemeClr val="lt1"/>
+      </a:fontRef>
+    </dgm:style>
+  </dgm:styleLbl>
+  <dgm:styleLbl name="node3">
+    <dgm:scene3d>
+      <a:camera prst="orthographicFront"/>
+      <a:lightRig rig="threePt" dir="t"/>
+    </dgm:scene3d>
+    <dgm:sp3d/>
+    <dgm:txPr/>
+    <dgm:style>
+      <a:lnRef idx="2">
+        <a:scrgbClr r="0" g="0" b="0"/>
+      </a:lnRef>
+      <a:fillRef idx="1">
+        <a:scrgbClr r="0" g="0" b="0"/>
+      </a:fillRef>
+      <a:effectRef idx="0">
+        <a:scrgbClr r="0" g="0" b="0"/>
+      </a:effectRef>
+      <a:fontRef idx="minor">
+        <a:schemeClr val="lt1"/>
+      </a:fontRef>
+    </dgm:style>
+  </dgm:styleLbl>
+  <dgm:styleLbl name="node4">
+    <dgm:scene3d>
+      <a:camera prst="orthographicFront"/>
+      <a:lightRig rig="threePt" dir="t"/>
+    </dgm:scene3d>
+    <dgm:sp3d/>
+    <dgm:txPr/>
+    <dgm:style>
+      <a:lnRef idx="2">
+        <a:scrgbClr r="0" g="0" b="0"/>
+      </a:lnRef>
+      <a:fillRef idx="1">
+        <a:scrgbClr r="0" g="0" b="0"/>
+      </a:fillRef>
+      <a:effectRef idx="0">
+        <a:scrgbClr r="0" g="0" b="0"/>
+      </a:effectRef>
+      <a:fontRef idx="minor">
+        <a:schemeClr val="lt1"/>
+      </a:fontRef>
+    </dgm:style>
+  </dgm:styleLbl>
+  <dgm:styleLbl name="fgImgPlace1">
+    <dgm:scene3d>
+      <a:camera prst="orthographicFront"/>
+      <a:lightRig rig="threePt" dir="t"/>
+    </dgm:scene3d>
+    <dgm:sp3d/>
+    <dgm:txPr/>
+    <dgm:style>
+      <a:lnRef idx="2">
+        <a:scrgbClr r="0" g="0" b="0"/>
+      </a:lnRef>
+      <a:fillRef idx="1">
+        <a:scrgbClr r="0" g="0" b="0"/>
+      </a:fillRef>
+      <a:effectRef idx="0">
+        <a:scrgbClr r="0" g="0" b="0"/>
+      </a:effectRef>
+      <a:fontRef idx="minor"/>
+    </dgm:style>
+  </dgm:styleLbl>
+  <dgm:styleLbl name="alignImgPlace1">
+    <dgm:scene3d>
+      <a:camera prst="orthographicFront"/>
+      <a:lightRig rig="threePt" dir="t"/>
+    </dgm:scene3d>
+    <dgm:sp3d/>
+    <dgm:txPr/>
+    <dgm:style>
+      <a:lnRef idx="2">
+        <a:scrgbClr r="0" g="0" b="0"/>
+      </a:lnRef>
+      <a:fillRef idx="1">
+        <a:scrgbClr r="0" g="0" b="0"/>
+      </a:fillRef>
+      <a:effectRef idx="0">
+        <a:scrgbClr r="0" g="0" b="0"/>
+      </a:effectRef>
+      <a:fontRef idx="minor"/>
+    </dgm:style>
+  </dgm:styleLbl>
+  <dgm:styleLbl name="bgImgPlace1">
+    <dgm:scene3d>
+      <a:camera prst="orthographicFront"/>
+      <a:lightRig rig="threePt" dir="t"/>
+    </dgm:scene3d>
+    <dgm:sp3d/>
+    <dgm:txPr/>
+    <dgm:style>
+      <a:lnRef idx="2">
+        <a:scrgbClr r="0" g="0" b="0"/>
+      </a:lnRef>
+      <a:fillRef idx="1">
+        <a:scrgbClr r="0" g="0" b="0"/>
+      </a:fillRef>
+      <a:effectRef idx="0">
+        <a:scrgbClr r="0" g="0" b="0"/>
+      </a:effectRef>
+      <a:fontRef idx="minor"/>
+    </dgm:style>
+  </dgm:styleLbl>
+  <dgm:styleLbl name="sibTrans2D1">
+    <dgm:scene3d>
+      <a:camera prst="orthographicFront"/>
+      <a:lightRig rig="threePt" dir="t"/>
+    </dgm:scene3d>
+    <dgm:sp3d/>
+    <dgm:txPr/>
+    <dgm:style>
+      <a:lnRef idx="0">
+        <a:scrgbClr r="0" g="0" b="0"/>
+      </a:lnRef>
+      <a:fillRef idx="1">
+        <a:scrgbClr r="0" g="0" b="0"/>
+      </a:fillRef>
+      <a:effectRef idx="0">
+        <a:scrgbClr r="0" g="0" b="0"/>
+      </a:effectRef>
+      <a:fontRef idx="minor">
+        <a:schemeClr val="lt1"/>
+      </a:fontRef>
+    </dgm:style>
+  </dgm:styleLbl>
+  <dgm:styleLbl name="fgSibTrans2D1">
+    <dgm:scene3d>
+      <a:camera prst="orthographicFront"/>
+      <a:lightRig rig="threePt" dir="t"/>
+    </dgm:scene3d>
+    <dgm:sp3d/>
+    <dgm:txPr/>
+    <dgm:style>
+      <a:lnRef idx="0">
+        <a:scrgbClr r="0" g="0" b="0"/>
+      </a:lnRef>
+      <a:fillRef idx="1">
+        <a:scrgbClr r="0" g="0" b="0"/>
+      </a:fillRef>
+      <a:effectRef idx="0">
+        <a:scrgbClr r="0" g="0" b="0"/>
+      </a:effectRef>
+      <a:fontRef idx="minor">
+        <a:schemeClr val="lt1"/>
+      </a:fontRef>
+    </dgm:style>
+  </dgm:styleLbl>
+  <dgm:styleLbl name="bgSibTrans2D1">
+    <dgm:scene3d>
+      <a:camera prst="orthographicFront"/>
+      <a:lightRig rig="threePt" dir="t"/>
+    </dgm:scene3d>
+    <dgm:sp3d/>
+    <dgm:txPr/>
+    <dgm:style>
+      <a:lnRef idx="0">
+        <a:scrgbClr r="0" g="0" b="0"/>
+      </a:lnRef>
+      <a:fillRef idx="1">
+        <a:scrgbClr r="0" g="0" b="0"/>
+      </a:fillRef>
+      <a:effectRef idx="0">
+        <a:scrgbClr r="0" g="0" b="0"/>
+      </a:effectRef>
+      <a:fontRef idx="minor">
+        <a:schemeClr val="lt1"/>
+      </a:fontRef>
+    </dgm:style>
+  </dgm:styleLbl>
+  <dgm:styleLbl name="sibTrans1D1">
+    <dgm:scene3d>
+      <a:camera prst="orthographicFront"/>
+      <a:lightRig rig="threePt" dir="t"/>
+    </dgm:scene3d>
+    <dgm:sp3d/>
+    <dgm:txPr/>
+    <dgm:style>
+      <a:lnRef idx="1">
+        <a:scrgbClr r="0" g="0" b="0"/>
+      </a:lnRef>
+      <a:fillRef idx="0">
+        <a:scrgbClr r="0" g="0" b="0"/>
+      </a:fillRef>
+      <a:effectRef idx="0">
+        <a:scrgbClr r="0" g="0" b="0"/>
+      </a:effectRef>
+      <a:fontRef idx="minor"/>
+    </dgm:style>
+  </dgm:styleLbl>
+  <dgm:styleLbl name="callout">
+    <dgm:scene3d>
+      <a:camera prst="orthographicFront"/>
+      <a:lightRig rig="threePt" dir="t"/>
+    </dgm:scene3d>
+    <dgm:sp3d/>
+    <dgm:txPr/>
+    <dgm:style>
+      <a:lnRef idx="2">
+        <a:scrgbClr r="0" g="0" b="0"/>
+      </a:lnRef>
+      <a:fillRef idx="1">
+        <a:scrgbClr r="0" g="0" b="0"/>
+      </a:fillRef>
+      <a:effectRef idx="0">
+        <a:scrgbClr r="0" g="0" b="0"/>
+      </a:effectRef>
+      <a:fontRef idx="minor"/>
+    </dgm:style>
+  </dgm:styleLbl>
+  <dgm:styleLbl name="asst0">
+    <dgm:scene3d>
+      <a:camera prst="orthographicFront"/>
+      <a:lightRig rig="threePt" dir="t"/>
+    </dgm:scene3d>
+    <dgm:sp3d/>
+    <dgm:txPr/>
+    <dgm:style>
+      <a:lnRef idx="2">
+        <a:scrgbClr r="0" g="0" b="0"/>
+      </a:lnRef>
+      <a:fillRef idx="1">
+        <a:scrgbClr r="0" g="0" b="0"/>
+      </a:fillRef>
+      <a:effectRef idx="0">
+        <a:scrgbClr r="0" g="0" b="0"/>
+      </a:effectRef>
+      <a:fontRef idx="minor">
+        <a:schemeClr val="lt1"/>
+      </a:fontRef>
+    </dgm:style>
+  </dgm:styleLbl>
+  <dgm:styleLbl name="asst1">
+    <dgm:scene3d>
+      <a:camera prst="orthographicFront"/>
+      <a:lightRig rig="threePt" dir="t"/>
+    </dgm:scene3d>
+    <dgm:sp3d/>
+    <dgm:txPr/>
+    <dgm:style>
+      <a:lnRef idx="2">
+        <a:scrgbClr r="0" g="0" b="0"/>
+      </a:lnRef>
+      <a:fillRef idx="1">
+        <a:scrgbClr r="0" g="0" b="0"/>
+      </a:fillRef>
+      <a:effectRef idx="0">
+        <a:scrgbClr r="0" g="0" b="0"/>
+      </a:effectRef>
+      <a:fontRef idx="minor">
+        <a:schemeClr val="lt1"/>
+      </a:fontRef>
+    </dgm:style>
+  </dgm:styleLbl>
+  <dgm:styleLbl name="asst2">
+    <dgm:scene3d>
+      <a:camera prst="orthographicFront"/>
+      <a:lightRig rig="threePt" dir="t"/>
+    </dgm:scene3d>
+    <dgm:sp3d/>
+    <dgm:txPr/>
+    <dgm:style>
+      <a:lnRef idx="2">
+        <a:scrgbClr r="0" g="0" b="0"/>
+      </a:lnRef>
+      <a:fillRef idx="1">
+        <a:scrgbClr r="0" g="0" b="0"/>
+      </a:fillRef>
+      <a:effectRef idx="0">
+        <a:scrgbClr r="0" g="0" b="0"/>
+      </a:effectRef>
+      <a:fontRef idx="minor">
+        <a:schemeClr val="lt1"/>
+      </a:fontRef>
+    </dgm:style>
+  </dgm:styleLbl>
+  <dgm:styleLbl name="asst3">
+    <dgm:scene3d>
+      <a:camera prst="orthographicFront"/>
+      <a:lightRig rig="threePt" dir="t"/>
+    </dgm:scene3d>
+    <dgm:sp3d/>
+    <dgm:txPr/>
+    <dgm:style>
+      <a:lnRef idx="2">
+        <a:scrgbClr r="0" g="0" b="0"/>
+      </a:lnRef>
+      <a:fillRef idx="1">
+        <a:scrgbClr r="0" g="0" b="0"/>
+      </a:fillRef>
+      <a:effectRef idx="0">
+        <a:scrgbClr r="0" g="0" b="0"/>
+      </a:effectRef>
+      <a:fontRef idx="minor">
+        <a:schemeClr val="lt1"/>
+      </a:fontRef>
+    </dgm:style>
+  </dgm:styleLbl>
+  <dgm:styleLbl name="asst4">
+    <dgm:scene3d>
+      <a:camera prst="orthographicFront"/>
+      <a:lightRig rig="threePt" dir="t"/>
+    </dgm:scene3d>
+    <dgm:sp3d/>
+    <dgm:txPr/>
+    <dgm:style>
+      <a:lnRef idx="2">
+        <a:scrgbClr r="0" g="0" b="0"/>
+      </a:lnRef>
+      <a:fillRef idx="1">
+        <a:scrgbClr r="0" g="0" b="0"/>
+      </a:fillRef>
+      <a:effectRef idx="0">
+        <a:scrgbClr r="0" g="0" b="0"/>
+      </a:effectRef>
+      <a:fontRef idx="minor">
+        <a:schemeClr val="lt1"/>
+      </a:fontRef>
+    </dgm:style>
+  </dgm:styleLbl>
+  <dgm:styleLbl name="parChTrans2D1">
+    <dgm:scene3d>
+      <a:camera prst="orthographicFront"/>
+      <a:lightRig rig="threePt" dir="t"/>
+    </dgm:scene3d>
+    <dgm:sp3d/>
+    <dgm:txPr/>
+    <dgm:style>
+      <a:lnRef idx="2">
+        <a:scrgbClr r="0" g="0" b="0"/>
+      </a:lnRef>
+      <a:fillRef idx="1">
+        <a:scrgbClr r="0" g="0" b="0"/>
+      </a:fillRef>
+      <a:effectRef idx="0">
+        <a:scrgbClr r="0" g="0" b="0"/>
+      </a:effectRef>
+      <a:fontRef idx="minor">
+        <a:schemeClr val="lt1"/>
+      </a:fontRef>
+    </dgm:style>
+  </dgm:styleLbl>
+  <dgm:styleLbl name="parChTrans2D2">
+    <dgm:scene3d>
+      <a:camera prst="orthographicFront"/>
+      <a:lightRig rig="threePt" dir="t"/>
+    </dgm:scene3d>
+    <dgm:sp3d/>
+    <dgm:txPr/>
+    <dgm:style>
+      <a:lnRef idx="2">
+        <a:scrgbClr r="0" g="0" b="0"/>
+      </a:lnRef>
+      <a:fillRef idx="1">
+        <a:scrgbClr r="0" g="0" b="0"/>
+      </a:fillRef>
+      <a:effectRef idx="0">
+        <a:scrgbClr r="0" g="0" b="0"/>
+      </a:effectRef>
+      <a:fontRef idx="minor">
+        <a:schemeClr val="lt1"/>
+      </a:fontRef>
+    </dgm:style>
+  </dgm:styleLbl>
+  <dgm:styleLbl name="parChTrans2D3">
+    <dgm:scene3d>
+      <a:camera prst="orthographicFront"/>
+      <a:lightRig rig="threePt" dir="t"/>
+    </dgm:scene3d>
+    <dgm:sp3d/>
+    <dgm:txPr/>
+    <dgm:style>
+      <a:lnRef idx="2">
+        <a:scrgbClr r="0" g="0" b="0"/>
+      </a:lnRef>
+      <a:fillRef idx="1">
+        <a:scrgbClr r="0" g="0" b="0"/>
+      </a:fillRef>
+      <a:effectRef idx="0">
+        <a:scrgbClr r="0" g="0" b="0"/>
+      </a:effectRef>
+      <a:fontRef idx="minor">
+        <a:schemeClr val="lt1"/>
+      </a:fontRef>
+    </dgm:style>
+  </dgm:styleLbl>
+  <dgm:styleLbl name="parChTrans2D4">
+    <dgm:scene3d>
+      <a:camera prst="orthographicFront"/>
+      <a:lightRig rig="threePt" dir="t"/>
+    </dgm:scene3d>
+    <dgm:sp3d/>
+    <dgm:txPr/>
+    <dgm:style>
+      <a:lnRef idx="2">
+        <a:scrgbClr r="0" g="0" b="0"/>
+      </a:lnRef>
+      <a:fillRef idx="1">
+        <a:scrgbClr r="0" g="0" b="0"/>
+      </a:fillRef>
+      <a:effectRef idx="0">
+        <a:scrgbClr r="0" g="0" b="0"/>
+      </a:effectRef>
+      <a:fontRef idx="minor">
+        <a:schemeClr val="lt1"/>
+      </a:fontRef>
+    </dgm:style>
+  </dgm:styleLbl>
+  <dgm:styleLbl name="parChTrans1D1">
+    <dgm:scene3d>
+      <a:camera prst="orthographicFront"/>
+      <a:lightRig rig="threePt" dir="t"/>
+    </dgm:scene3d>
+    <dgm:sp3d/>
+    <dgm:txPr/>
+    <dgm:style>
+      <a:lnRef idx="2">
+        <a:scrgbClr r="0" g="0" b="0"/>
+      </a:lnRef>
+      <a:fillRef idx="0">
+        <a:scrgbClr r="0" g="0" b="0"/>
+      </a:fillRef>
+      <a:effectRef idx="0">
+        <a:scrgbClr r="0" g="0" b="0"/>
+      </a:effectRef>
+      <a:fontRef idx="minor"/>
+    </dgm:style>
+  </dgm:styleLbl>
+  <dgm:styleLbl name="parChTrans1D2">
+    <dgm:scene3d>
+      <a:camera prst="orthographicFront"/>
+      <a:lightRig rig="threePt" dir="t"/>
+    </dgm:scene3d>
+    <dgm:sp3d/>
+    <dgm:txPr/>
+    <dgm:style>
+      <a:lnRef idx="2">
+        <a:scrgbClr r="0" g="0" b="0"/>
+      </a:lnRef>
+      <a:fillRef idx="0">
+        <a:scrgbClr r="0" g="0" b="0"/>
+      </a:fillRef>
+      <a:effectRef idx="0">
+        <a:scrgbClr r="0" g="0" b="0"/>
+      </a:effectRef>
+      <a:fontRef idx="minor"/>
+    </dgm:style>
+  </dgm:styleLbl>
+  <dgm:styleLbl name="parChTrans1D3">
+    <dgm:scene3d>
+      <a:camera prst="orthographicFront"/>
+      <a:lightRig rig="threePt" dir="t"/>
+    </dgm:scene3d>
+    <dgm:sp3d/>
+    <dgm:txPr/>
+    <dgm:style>
+      <a:lnRef idx="2">
+        <a:scrgbClr r="0" g="0" b="0"/>
+      </a:lnRef>
+      <a:fillRef idx="0">
+        <a:scrgbClr r="0" g="0" b="0"/>
+      </a:fillRef>
+      <a:effectRef idx="0">
+        <a:scrgbClr r="0" g="0" b="0"/>
+      </a:effectRef>
+      <a:fontRef idx="minor"/>
+    </dgm:style>
+  </dgm:styleLbl>
+  <dgm:styleLbl name="parChTrans1D4">
+    <dgm:scene3d>
+      <a:camera prst="orthographicFront"/>
+      <a:lightRig rig="threePt" dir="t"/>
+    </dgm:scene3d>
+    <dgm:sp3d/>
+    <dgm:txPr/>
+    <dgm:style>
+      <a:lnRef idx="2">
+        <a:scrgbClr r="0" g="0" b="0"/>
+      </a:lnRef>
+      <a:fillRef idx="0">
+        <a:scrgbClr r="0" g="0" b="0"/>
+      </a:fillRef>
+      <a:effectRef idx="0">
+        <a:scrgbClr r="0" g="0" b="0"/>
+      </a:effectRef>
+      <a:fontRef idx="minor"/>
+    </dgm:style>
+  </dgm:styleLbl>
+  <dgm:styleLbl name="fgAcc1">
+    <dgm:scene3d>
+      <a:camera prst="orthographicFront"/>
+      <a:lightRig rig="threePt" dir="t"/>
+    </dgm:scene3d>
+    <dgm:sp3d/>
+    <dgm:txPr/>
+    <dgm:style>
+      <a:lnRef idx="2">
+        <a:scrgbClr r="0" g="0" b="0"/>
+      </a:lnRef>
+      <a:fillRef idx="1">
+        <a:scrgbClr r="0" g="0" b="0"/>
+      </a:fillRef>
+      <a:effectRef idx="0">
+        <a:scrgbClr r="0" g="0" b="0"/>
+      </a:effectRef>
+      <a:fontRef idx="minor"/>
+    </dgm:style>
+  </dgm:styleLbl>
+  <dgm:styleLbl name="conFgAcc1">
+    <dgm:scene3d>
+      <a:camera prst="orthographicFront"/>
+      <a:lightRig rig="threePt" dir="t"/>
+    </dgm:scene3d>
+    <dgm:sp3d/>
+    <dgm:txPr/>
+    <dgm:style>
+      <a:lnRef idx="2">
+        <a:scrgbClr r="0" g="0" b="0"/>
+      </a:lnRef>
+      <a:fillRef idx="1">
+        <a:scrgbClr r="0" g="0" b="0"/>
+      </a:fillRef>
+      <a:effectRef idx="0">
+        <a:scrgbClr r="0" g="0" b="0"/>
+      </a:effectRef>
+      <a:fontRef idx="minor"/>
+    </dgm:style>
+  </dgm:styleLbl>
+  <dgm:styleLbl name="alignAcc1">
+    <dgm:scene3d>
+      <a:camera prst="orthographicFront"/>
+      <a:lightRig rig="threePt" dir="t"/>
+    </dgm:scene3d>
+    <dgm:sp3d/>
+    <dgm:txPr/>
+    <dgm:style>
+      <a:lnRef idx="2">
+        <a:scrgbClr r="0" g="0" b="0"/>
+      </a:lnRef>
+      <a:fillRef idx="1">
+        <a:scrgbClr r="0" g="0" b="0"/>
+      </a:fillRef>
+      <a:effectRef idx="0">
+        <a:scrgbClr r="0" g="0" b="0"/>
+      </a:effectRef>
+      <a:fontRef idx="minor"/>
+    </dgm:style>
+  </dgm:styleLbl>
+  <dgm:styleLbl name="trAlignAcc1">
+    <dgm:scene3d>
+      <a:camera prst="orthographicFront"/>
+      <a:lightRig rig="threePt" dir="t"/>
+    </dgm:scene3d>
+    <dgm:sp3d/>
+    <dgm:txPr/>
+    <dgm:style>
+      <a:lnRef idx="1">
+        <a:scrgbClr r="0" g="0" b="0"/>
+      </a:lnRef>
+      <a:fillRef idx="1">
+        <a:scrgbClr r="0" g="0" b="0"/>
+      </a:fillRef>
+      <a:effectRef idx="0">
+        <a:scrgbClr r="0" g="0" b="0"/>
+      </a:effectRef>
+      <a:fontRef idx="minor"/>
+    </dgm:style>
+  </dgm:styleLbl>
+  <dgm:styleLbl name="bgAcc1">
+    <dgm:scene3d>
+      <a:camera prst="orthographicFront"/>
+      <a:lightRig rig="threePt" dir="t"/>
+    </dgm:scene3d>
+    <dgm:sp3d/>
+    <dgm:txPr/>
+    <dgm:style>
+      <a:lnRef idx="2">
+        <a:scrgbClr r="0" g="0" b="0"/>
+      </a:lnRef>
+      <a:fillRef idx="1">
+        <a:scrgbClr r="0" g="0" b="0"/>
+      </a:fillRef>
+      <a:effectRef idx="0">
+        <a:scrgbClr r="0" g="0" b="0"/>
+      </a:effectRef>
+      <a:fontRef idx="minor"/>
+    </dgm:style>
+  </dgm:styleLbl>
+  <dgm:styleLbl name="solidFgAcc1">
+    <dgm:scene3d>
+      <a:camera prst="orthographicFront"/>
+      <a:lightRig rig="threePt" dir="t"/>
+    </dgm:scene3d>
+    <dgm:sp3d/>
+    <dgm:txPr/>
+    <dgm:style>
+      <a:lnRef idx="2">
+        <a:scrgbClr r="0" g="0" b="0"/>
+      </a:lnRef>
+      <a:fillRef idx="1">
+        <a:scrgbClr r="0" g="0" b="0"/>
+      </a:fillRef>
+      <a:effectRef idx="0">
+        <a:scrgbClr r="0" g="0" b="0"/>
+      </a:effectRef>
+      <a:fontRef idx="minor"/>
+    </dgm:style>
+  </dgm:styleLbl>
+  <dgm:styleLbl name="solidAlignAcc1">
+    <dgm:scene3d>
+      <a:camera prst="orthographicFront"/>
+      <a:lightRig rig="threePt" dir="t"/>
+    </dgm:scene3d>
+    <dgm:sp3d/>
+    <dgm:txPr/>
+    <dgm:style>
+      <a:lnRef idx="2">
+        <a:scrgbClr r="0" g="0" b="0"/>
+      </a:lnRef>
+      <a:fillRef idx="1">
+        <a:scrgbClr r="0" g="0" b="0"/>
+      </a:fillRef>
+      <a:effectRef idx="0">
+        <a:scrgbClr r="0" g="0" b="0"/>
+      </a:effectRef>
+      <a:fontRef idx="minor"/>
+    </dgm:style>
+  </dgm:styleLbl>
+  <dgm:styleLbl name="solidBgAcc1">
+    <dgm:scene3d>
+      <a:camera prst="orthographicFront"/>
+      <a:lightRig rig="threePt" dir="t"/>
+    </dgm:scene3d>
+    <dgm:sp3d/>
+    <dgm:txPr/>
+    <dgm:style>
+      <a:lnRef idx="2">
+        <a:scrgbClr r="0" g="0" b="0"/>
+      </a:lnRef>
+      <a:fillRef idx="1">
+        <a:scrgbClr r="0" g="0" b="0"/>
+      </a:fillRef>
+      <a:effectRef idx="0">
+        <a:scrgbClr r="0" g="0" b="0"/>
+      </a:effectRef>
+      <a:fontRef idx="minor"/>
+    </dgm:style>
+  </dgm:styleLbl>
+  <dgm:styleLbl name="fgAccFollowNode1">
+    <dgm:scene3d>
+      <a:camera prst="orthographicFront"/>
+      <a:lightRig rig="threePt" dir="t"/>
+    </dgm:scene3d>
+    <dgm:sp3d/>
+    <dgm:txPr/>
+    <dgm:style>
+      <a:lnRef idx="2">
+        <a:scrgbClr r="0" g="0" b="0"/>
+      </a:lnRef>
+      <a:fillRef idx="1">
+        <a:scrgbClr r="0" g="0" b="0"/>
+      </a:fillRef>
+      <a:effectRef idx="0">
+        <a:scrgbClr r="0" g="0" b="0"/>
+      </a:effectRef>
+      <a:fontRef idx="minor"/>
+    </dgm:style>
+  </dgm:styleLbl>
+  <dgm:styleLbl name="alignAccFollowNode1">
+    <dgm:scene3d>
+      <a:camera prst="orthographicFront"/>
+      <a:lightRig rig="threePt" dir="t"/>
+    </dgm:scene3d>
+    <dgm:sp3d/>
+    <dgm:txPr/>
+    <dgm:style>
+      <a:lnRef idx="2">
+        <a:scrgbClr r="0" g="0" b="0"/>
+      </a:lnRef>
+      <a:fillRef idx="1">
+        <a:scrgbClr r="0" g="0" b="0"/>
+      </a:fillRef>
+      <a:effectRef idx="0">
+        <a:scrgbClr r="0" g="0" b="0"/>
+      </a:effectRef>
+      <a:fontRef idx="minor"/>
+    </dgm:style>
+  </dgm:styleLbl>
+  <dgm:styleLbl name="bgAccFollowNode1">
+    <dgm:scene3d>
+      <a:camera prst="orthographicFront"/>
+      <a:lightRig rig="threePt" dir="t"/>
+    </dgm:scene3d>
+    <dgm:sp3d/>
+    <dgm:txPr/>
+    <dgm:style>
+      <a:lnRef idx="2">
+        <a:scrgbClr r="0" g="0" b="0"/>
+      </a:lnRef>
+      <a:fillRef idx="1">
+        <a:scrgbClr r="0" g="0" b="0"/>
+      </a:fillRef>
+      <a:effectRef idx="0">
+        <a:scrgbClr r="0" g="0" b="0"/>
+      </a:effectRef>
+      <a:fontRef idx="minor"/>
+    </dgm:style>
+  </dgm:styleLbl>
+  <dgm:styleLbl name="fgAcc0">
+    <dgm:scene3d>
+      <a:camera prst="orthographicFront"/>
+      <a:lightRig rig="threePt" dir="t"/>
+    </dgm:scene3d>
+    <dgm:sp3d/>
+    <dgm:txPr/>
+    <dgm:style>
+      <a:lnRef idx="2">
+        <a:scrgbClr r="0" g="0" b="0"/>
+      </a:lnRef>
+      <a:fillRef idx="1">
+        <a:scrgbClr r="0" g="0" b="0"/>
+      </a:fillRef>
+      <a:effectRef idx="0">
+        <a:scrgbClr r="0" g="0" b="0"/>
+      </a:effectRef>
+      <a:fontRef idx="minor"/>
+    </dgm:style>
+  </dgm:styleLbl>
+  <dgm:styleLbl name="fgAcc2">
+    <dgm:scene3d>
+      <a:camera prst="orthographicFront"/>
+      <a:lightRig rig="threePt" dir="t"/>
+    </dgm:scene3d>
+    <dgm:sp3d/>
+    <dgm:txPr/>
+    <dgm:style>
+      <a:lnRef idx="2">
+        <a:scrgbClr r="0" g="0" b="0"/>
+      </a:lnRef>
+      <a:fillRef idx="1">
+        <a:scrgbClr r="0" g="0" b="0"/>
+      </a:fillRef>
+      <a:effectRef idx="0">
+        <a:scrgbClr r="0" g="0" b="0"/>
+      </a:effectRef>
+      <a:fontRef idx="minor"/>
+    </dgm:style>
+  </dgm:styleLbl>
+  <dgm:styleLbl name="fgAcc3">
+    <dgm:scene3d>
+      <a:camera prst="orthographicFront"/>
+      <a:lightRig rig="threePt" dir="t"/>
+    </dgm:scene3d>
+    <dgm:sp3d/>
+    <dgm:txPr/>
+    <dgm:style>
+      <a:lnRef idx="2">
+        <a:scrgbClr r="0" g="0" b="0"/>
+      </a:lnRef>
+      <a:fillRef idx="1">
+        <a:scrgbClr r="0" g="0" b="0"/>
+      </a:fillRef>
+      <a:effectRef idx="0">
+        <a:scrgbClr r="0" g="0" b="0"/>
+      </a:effectRef>
+      <a:fontRef idx="minor"/>
+    </dgm:style>
+  </dgm:styleLbl>
+  <dgm:styleLbl name="fgAcc4">
+    <dgm:scene3d>
+      <a:camera prst="orthographicFront"/>
+      <a:lightRig rig="threePt" dir="t"/>
+    </dgm:scene3d>
+    <dgm:sp3d/>
+    <dgm:txPr/>
+    <dgm:style>
+      <a:lnRef idx="2">
+        <a:scrgbClr r="0" g="0" b="0"/>
+      </a:lnRef>
+      <a:fillRef idx="1">
+        <a:scrgbClr r="0" g="0" b="0"/>
+      </a:fillRef>
+      <a:effectRef idx="0">
+        <a:scrgbClr r="0" g="0" b="0"/>
+      </a:effectRef>
+      <a:fontRef idx="minor"/>
+    </dgm:style>
+  </dgm:styleLbl>
+  <dgm:styleLbl name="bgShp">
+    <dgm:scene3d>
+      <a:camera prst="orthographicFront"/>
+      <a:lightRig rig="threePt" dir="t"/>
+    </dgm:scene3d>
+    <dgm:sp3d/>
+    <dgm:txPr/>
+    <dgm:style>
+      <a:lnRef idx="0">
+        <a:scrgbClr r="0" g="0" b="0"/>
+      </a:lnRef>
+      <a:fillRef idx="1">
+        <a:scrgbClr r="0" g="0" b="0"/>
+      </a:fillRef>
+      <a:effectRef idx="0">
+        <a:scrgbClr r="0" g="0" b="0"/>
+      </a:effectRef>
+      <a:fontRef idx="minor"/>
+    </dgm:style>
+  </dgm:styleLbl>
+  <dgm:styleLbl name="dkBgShp">
+    <dgm:scene3d>
+      <a:camera prst="orthographicFront"/>
+      <a:lightRig rig="threePt" dir="t"/>
+    </dgm:scene3d>
+    <dgm:sp3d/>
+    <dgm:txPr/>
+    <dgm:style>
+      <a:lnRef idx="0">
+        <a:scrgbClr r="0" g="0" b="0"/>
+      </a:lnRef>
+      <a:fillRef idx="1">
+        <a:scrgbClr r="0" g="0" b="0"/>
+      </a:fillRef>
+      <a:effectRef idx="0">
+        <a:scrgbClr r="0" g="0" b="0"/>
+      </a:effectRef>
+      <a:fontRef idx="minor"/>
+    </dgm:style>
+  </dgm:styleLbl>
+  <dgm:styleLbl name="trBgShp">
+    <dgm:scene3d>
+      <a:camera prst="orthographicFront"/>
+      <a:lightRig rig="threePt" dir="t"/>
+    </dgm:scene3d>
+    <dgm:sp3d/>
+    <dgm:txPr/>
+    <dgm:style>
+      <a:lnRef idx="0">
+        <a:scrgbClr r="0" g="0" b="0"/>
+      </a:lnRef>
+      <a:fillRef idx="1">
+        <a:scrgbClr r="0" g="0" b="0"/>
+      </a:fillRef>
+      <a:effectRef idx="0">
+        <a:scrgbClr r="0" g="0" b="0"/>
+      </a:effectRef>
+      <a:fontRef idx="minor"/>
+    </dgm:style>
+  </dgm:styleLbl>
+  <dgm:styleLbl name="fgShp">
+    <dgm:scene3d>
+      <a:camera prst="orthographicFront"/>
+      <a:lightRig rig="threePt" dir="t"/>
+    </dgm:scene3d>
+    <dgm:sp3d/>
+    <dgm:txPr/>
+    <dgm:style>
+      <a:lnRef idx="2">
+        <a:scrgbClr r="0" g="0" b="0"/>
+      </a:lnRef>
+      <a:fillRef idx="1">
+        <a:scrgbClr r="0" g="0" b="0"/>
+      </a:fillRef>
+      <a:effectRef idx="0">
+        <a:scrgbClr r="0" g="0" b="0"/>
+      </a:effectRef>
+      <a:fontRef idx="minor"/>
+    </dgm:style>
+  </dgm:styleLbl>
+  <dgm:styleLbl name="revTx">
+    <dgm:scene3d>
+      <a:camera prst="orthographicFront"/>
+      <a:lightRig rig="threePt" dir="t"/>
+    </dgm:scene3d>
+    <dgm:sp3d/>
+    <dgm:txPr/>
+    <dgm:style>
+      <a:lnRef idx="0">
+        <a:scrgbClr r="0" g="0" b="0"/>
+      </a:lnRef>
+      <a:fillRef idx="0">
+        <a:scrgbClr r="0" g="0" b="0"/>
+      </a:fillRef>
+      <a:effectRef idx="0">
+        <a:scrgbClr r="0" g="0" b="0"/>
+      </a:effectRef>
+      <a:fontRef idx="minor"/>
+    </dgm:style>
+  </dgm:styleLbl>
+</dgm:styleDef>
+</file>
+
+<file path=ppt/diagrams/quickStyle2.xml><?xml version="1.0" encoding="utf-8"?>
 <dgm:styleDef xmlns:dgm="http://schemas.openxmlformats.org/drawingml/2006/diagram" xmlns:a="http://schemas.openxmlformats.org/drawingml/2006/main" uniqueId="urn:microsoft.com/office/officeart/2005/8/quickstyle/simple1">
   <dgm:title val=""/>
   <dgm:desc val=""/>
@@ -6095,9 +9269,18 @@
   <p:cSld>
     <p:bg>
       <p:bgPr>
-        <a:solidFill>
-          <a:schemeClr val="bg1"/>
-        </a:solidFill>
+        <a:gradFill flip="none" rotWithShape="1">
+          <a:gsLst>
+            <a:gs pos="0">
+              <a:srgbClr val="203A47"/>
+            </a:gs>
+            <a:gs pos="100000">
+              <a:srgbClr val="2E4442"/>
+            </a:gs>
+          </a:gsLst>
+          <a:lin ang="2700000" scaled="1"/>
+          <a:tileRect/>
+        </a:gradFill>
         <a:effectLst/>
       </p:bgPr>
     </p:bg>
@@ -6115,40 +9298,73 @@
           <a:chExt cx="0" cy="0"/>
         </a:xfrm>
       </p:grpSpPr>
-      <p:sp useBgFill="1">
-        <p:nvSpPr>
-          <p:cNvPr id="8" name="Rectangle 10">
+      <p:pic>
+        <p:nvPicPr>
+          <p:cNvPr id="19" name="Imagem 18" descr="Uma imagem contendo luz, aceso, relógio, fixado&#10;&#10;Descrição gerada automaticamente">
             <a:extLst>
               <a:ext uri="{FF2B5EF4-FFF2-40B4-BE49-F238E27FC236}">
-                <a16:creationId xmlns:a16="http://schemas.microsoft.com/office/drawing/2014/main" id="{EB270761-CC40-4F3F-A916-7E3BC3989348}"/>
-              </a:ext>
-              <a:ext uri="{C183D7F6-B498-43B3-948B-1728B52AA6E4}">
-                <adec:decorative xmlns:adec="http://schemas.microsoft.com/office/drawing/2017/decorative" val="1"/>
+                <a16:creationId xmlns:a16="http://schemas.microsoft.com/office/drawing/2014/main" id="{EBE2CD9B-302B-A80D-777C-1F60F9599932}"/>
               </a:ext>
             </a:extLst>
           </p:cNvPr>
-          <p:cNvSpPr>
-            <a:spLocks noGrp="1" noRot="1" noChangeAspect="1" noMove="1" noResize="1" noEditPoints="1" noAdjustHandles="1" noChangeArrowheads="1" noChangeShapeType="1" noTextEdit="1"/>
-          </p:cNvSpPr>
-          <p:nvPr>
-            <p:extLst>
-              <p:ext uri="{386F3935-93C4-4BCD-93E2-E3B085C9AB24}">
-                <p16:designElem xmlns:p16="http://schemas.microsoft.com/office/powerpoint/2015/main" val="1"/>
-              </p:ext>
-            </p:extLst>
-          </p:nvPr>
-        </p:nvSpPr>
+          <p:cNvPicPr>
+            <a:picLocks noChangeAspect="1"/>
+          </p:cNvPicPr>
+          <p:nvPr/>
+        </p:nvPicPr>
+        <p:blipFill>
+          <a:blip r:embed="rId2"/>
+          <a:stretch>
+            <a:fillRect/>
+          </a:stretch>
+        </p:blipFill>
         <p:spPr>
           <a:xfrm>
-            <a:off x="-1" y="0"/>
-            <a:ext cx="12191695" cy="6858000"/>
+            <a:off x="0" y="0"/>
+            <a:ext cx="6858000" cy="6858000"/>
           </a:xfrm>
           <a:prstGeom prst="rect">
             <a:avLst/>
           </a:prstGeom>
+        </p:spPr>
+      </p:pic>
+      <p:sp>
+        <p:nvSpPr>
+          <p:cNvPr id="20" name="Retângulo: Cantos Arredondados 19">
+            <a:extLst>
+              <a:ext uri="{FF2B5EF4-FFF2-40B4-BE49-F238E27FC236}">
+                <a16:creationId xmlns:a16="http://schemas.microsoft.com/office/drawing/2014/main" id="{EEB08A1A-B0BB-0400-3B8C-D0EFD8EFF65B}"/>
+              </a:ext>
+            </a:extLst>
+          </p:cNvPr>
+          <p:cNvSpPr/>
+          <p:nvPr/>
+        </p:nvSpPr>
+        <p:spPr>
+          <a:xfrm>
+            <a:off x="6732494" y="355905"/>
+            <a:ext cx="6028765" cy="1284636"/>
+          </a:xfrm>
+          <a:prstGeom prst="roundRect">
+            <a:avLst>
+              <a:gd name="adj" fmla="val 46511"/>
+            </a:avLst>
+          </a:prstGeom>
+          <a:solidFill>
+            <a:schemeClr val="bg1">
+              <a:lumMod val="95000"/>
+            </a:schemeClr>
+          </a:solidFill>
           <a:ln>
             <a:noFill/>
           </a:ln>
+          <a:effectLst>
+            <a:outerShdw blurRad="50800" dist="38100" dir="2700000" algn="tl" rotWithShape="0">
+              <a:prstClr val="black">
+                <a:alpha val="40000"/>
+              </a:prstClr>
+            </a:outerShdw>
+          </a:effectLst>
         </p:spPr>
         <p:style>
           <a:lnRef idx="2">
@@ -6171,153 +9387,10 @@
           <a:lstStyle/>
           <a:p>
             <a:pPr algn="ctr"/>
-            <a:endParaRPr lang="en-US"/>
+            <a:endParaRPr lang="pt-BR"/>
           </a:p>
         </p:txBody>
       </p:sp>
-      <p:sp>
-        <p:nvSpPr>
-          <p:cNvPr id="3" name="Subtítulo 2">
-            <a:extLst>
-              <a:ext uri="{FF2B5EF4-FFF2-40B4-BE49-F238E27FC236}">
-                <a16:creationId xmlns:a16="http://schemas.microsoft.com/office/drawing/2014/main" id="{DAE2A3FF-FCCB-52F2-A91C-706468102B22}"/>
-              </a:ext>
-            </a:extLst>
-          </p:cNvPr>
-          <p:cNvSpPr>
-            <a:spLocks noGrp="1"/>
-          </p:cNvSpPr>
-          <p:nvPr>
-            <p:ph type="subTitle" idx="1"/>
-          </p:nvPr>
-        </p:nvSpPr>
-        <p:spPr>
-          <a:xfrm>
-            <a:off x="1366159" y="5633710"/>
-            <a:ext cx="9623404" cy="417227"/>
-          </a:xfrm>
-        </p:spPr>
-        <p:txBody>
-          <a:bodyPr vert="horz" lIns="91440" tIns="45720" rIns="91440" bIns="45720" rtlCol="0">
-            <a:normAutofit/>
-          </a:bodyPr>
-          <a:lstStyle/>
-          <a:p>
-            <a:pPr algn="l"/>
-            <a:r>
-              <a:rPr lang="en-US" sz="2200" kern="1200">
-                <a:solidFill>
-                  <a:schemeClr val="tx1"/>
-                </a:solidFill>
-                <a:latin typeface="+mn-lt"/>
-                <a:ea typeface="+mn-ea"/>
-                <a:cs typeface="+mn-cs"/>
-              </a:rPr>
-              <a:t>”Now you are Thinking With Portals”</a:t>
-            </a:r>
-          </a:p>
-        </p:txBody>
-      </p:sp>
-      <p:sp>
-        <p:nvSpPr>
-          <p:cNvPr id="9" name="Rectangle 12">
-            <a:extLst>
-              <a:ext uri="{FF2B5EF4-FFF2-40B4-BE49-F238E27FC236}">
-                <a16:creationId xmlns:a16="http://schemas.microsoft.com/office/drawing/2014/main" id="{A2555B16-BE1D-4C33-A27C-FF0671B6C94C}"/>
-              </a:ext>
-              <a:ext uri="{C183D7F6-B498-43B3-948B-1728B52AA6E4}">
-                <adec:decorative xmlns:adec="http://schemas.microsoft.com/office/drawing/2017/decorative" val="1"/>
-              </a:ext>
-            </a:extLst>
-          </p:cNvPr>
-          <p:cNvSpPr>
-            <a:spLocks noGrp="1" noRot="1" noChangeAspect="1" noMove="1" noResize="1" noEditPoints="1" noAdjustHandles="1" noChangeArrowheads="1" noChangeShapeType="1" noTextEdit="1"/>
-          </p:cNvSpPr>
-          <p:nvPr>
-            <p:extLst>
-              <p:ext uri="{386F3935-93C4-4BCD-93E2-E3B085C9AB24}">
-                <p16:designElem xmlns:p16="http://schemas.microsoft.com/office/powerpoint/2015/main" val="1"/>
-              </p:ext>
-            </p:extLst>
-          </p:nvPr>
-        </p:nvSpPr>
-        <p:spPr>
-          <a:xfrm>
-            <a:off x="0" y="891540"/>
-            <a:ext cx="722376" cy="5071110"/>
-          </a:xfrm>
-          <a:prstGeom prst="rect">
-            <a:avLst/>
-          </a:prstGeom>
-          <a:solidFill>
-            <a:srgbClr val="4C5254"/>
-          </a:solidFill>
-          <a:ln>
-            <a:noFill/>
-          </a:ln>
-        </p:spPr>
-        <p:style>
-          <a:lnRef idx="2">
-            <a:schemeClr val="accent1">
-              <a:shade val="50000"/>
-            </a:schemeClr>
-          </a:lnRef>
-          <a:fillRef idx="1">
-            <a:schemeClr val="accent1"/>
-          </a:fillRef>
-          <a:effectRef idx="0">
-            <a:schemeClr val="accent1"/>
-          </a:effectRef>
-          <a:fontRef idx="minor">
-            <a:schemeClr val="lt1"/>
-          </a:fontRef>
-        </p:style>
-        <p:txBody>
-          <a:bodyPr rtlCol="0" anchor="ctr"/>
-          <a:lstStyle/>
-          <a:p>
-            <a:pPr algn="ctr"/>
-            <a:endParaRPr lang="en-US"/>
-          </a:p>
-        </p:txBody>
-      </p:sp>
-      <p:pic>
-        <p:nvPicPr>
-          <p:cNvPr id="5" name="Imagem 4">
-            <a:extLst>
-              <a:ext uri="{FF2B5EF4-FFF2-40B4-BE49-F238E27FC236}">
-                <a16:creationId xmlns:a16="http://schemas.microsoft.com/office/drawing/2014/main" id="{7AF0D71C-9669-0450-33CC-E0BE6F8D492D}"/>
-              </a:ext>
-            </a:extLst>
-          </p:cNvPr>
-          <p:cNvPicPr>
-            <a:picLocks noChangeAspect="1"/>
-          </p:cNvPicPr>
-          <p:nvPr/>
-        </p:nvPicPr>
-        <p:blipFill>
-          <a:blip r:embed="rId2"/>
-          <a:stretch>
-            <a:fillRect/>
-          </a:stretch>
-        </p:blipFill>
-        <p:spPr>
-          <a:xfrm>
-            <a:off x="1365855" y="1233544"/>
-            <a:ext cx="9934606" cy="2533324"/>
-          </a:xfrm>
-          <a:prstGeom prst="rect">
-            <a:avLst/>
-          </a:prstGeom>
-          <a:effectLst>
-            <a:outerShdw blurRad="406400" dist="317500" dir="5400000" sx="89000" sy="89000" rotWithShape="0">
-              <a:prstClr val="black">
-                <a:alpha val="15000"/>
-              </a:prstClr>
-            </a:outerShdw>
-          </a:effectLst>
-        </p:spPr>
-      </p:pic>
       <p:sp>
         <p:nvSpPr>
           <p:cNvPr id="6" name="CaixaDeTexto 5">
@@ -6332,8 +9405,8 @@
         </p:nvSpPr>
         <p:spPr>
           <a:xfrm>
-            <a:off x="8540935" y="6126679"/>
-            <a:ext cx="3378361" cy="369332"/>
+            <a:off x="7575679" y="6184738"/>
+            <a:ext cx="3764172" cy="369332"/>
           </a:xfrm>
           <a:prstGeom prst="rect">
             <a:avLst/>
@@ -6352,12 +9425,104 @@
               </a:spcAft>
             </a:pPr>
             <a:r>
-              <a:rPr lang="pt-BR"/>
+              <a:rPr lang="pt-BR" i="1" dirty="0">
+                <a:solidFill>
+                  <a:schemeClr val="accent5">
+                    <a:lumMod val="60000"/>
+                    <a:lumOff val="40000"/>
+                  </a:schemeClr>
+                </a:solidFill>
+                <a:effectLst>
+                  <a:outerShdw blurRad="38100" dist="38100" dir="2700000" algn="tl">
+                    <a:srgbClr val="000000">
+                      <a:alpha val="43137"/>
+                    </a:srgbClr>
+                  </a:outerShdw>
+                </a:effectLst>
+                <a:latin typeface="Abadi" panose="020B0604020104020204" pitchFamily="34" charset="0"/>
+              </a:rPr>
               <a:t>02221052 – João Vitor Sales 1CCO</a:t>
             </a:r>
           </a:p>
         </p:txBody>
       </p:sp>
+      <p:pic>
+        <p:nvPicPr>
+          <p:cNvPr id="31" name="Imagem 30" descr="Logotipo&#10;&#10;Descrição gerada automaticamente">
+            <a:extLst>
+              <a:ext uri="{FF2B5EF4-FFF2-40B4-BE49-F238E27FC236}">
+                <a16:creationId xmlns:a16="http://schemas.microsoft.com/office/drawing/2014/main" id="{FBB5A611-3E75-4B04-57DB-93807EFA739A}"/>
+              </a:ext>
+            </a:extLst>
+          </p:cNvPr>
+          <p:cNvPicPr>
+            <a:picLocks noChangeAspect="1"/>
+          </p:cNvPicPr>
+          <p:nvPr/>
+        </p:nvPicPr>
+        <p:blipFill>
+          <a:blip r:embed="rId3">
+            <a:duotone>
+              <a:prstClr val="black"/>
+              <a:schemeClr val="accent1">
+                <a:tint val="45000"/>
+                <a:satMod val="400000"/>
+              </a:schemeClr>
+            </a:duotone>
+          </a:blip>
+          <a:stretch>
+            <a:fillRect/>
+          </a:stretch>
+        </p:blipFill>
+        <p:spPr>
+          <a:xfrm>
+            <a:off x="6858000" y="480580"/>
+            <a:ext cx="4090016" cy="1035285"/>
+          </a:xfrm>
+          <a:prstGeom prst="rect">
+            <a:avLst/>
+          </a:prstGeom>
+        </p:spPr>
+      </p:pic>
+      <p:pic>
+        <p:nvPicPr>
+          <p:cNvPr id="33" name="Imagem 32" descr="Ícone&#10;&#10;Descrição gerada automaticamente">
+            <a:extLst>
+              <a:ext uri="{FF2B5EF4-FFF2-40B4-BE49-F238E27FC236}">
+                <a16:creationId xmlns:a16="http://schemas.microsoft.com/office/drawing/2014/main" id="{9B48C2BE-B9C8-0611-6F2C-824C28708DAA}"/>
+              </a:ext>
+            </a:extLst>
+          </p:cNvPr>
+          <p:cNvPicPr>
+            <a:picLocks noChangeAspect="1"/>
+          </p:cNvPicPr>
+          <p:nvPr/>
+        </p:nvPicPr>
+        <p:blipFill>
+          <a:blip r:embed="rId4">
+            <a:duotone>
+              <a:prstClr val="black"/>
+              <a:schemeClr val="accent5">
+                <a:tint val="45000"/>
+                <a:satMod val="400000"/>
+              </a:schemeClr>
+            </a:duotone>
+          </a:blip>
+          <a:stretch>
+            <a:fillRect/>
+          </a:stretch>
+        </p:blipFill>
+        <p:spPr>
+          <a:xfrm>
+            <a:off x="11489295" y="6155671"/>
+            <a:ext cx="427465" cy="427465"/>
+          </a:xfrm>
+          <a:prstGeom prst="rect">
+            <a:avLst/>
+          </a:prstGeom>
+          <a:effectLst/>
+        </p:spPr>
+      </p:pic>
     </p:spTree>
     <p:extLst>
       <p:ext uri="{BB962C8B-B14F-4D97-AF65-F5344CB8AC3E}">
@@ -6374,6 +9539,16 @@
 <file path=ppt/slides/slide2.xml><?xml version="1.0" encoding="utf-8"?>
 <p:sld xmlns:a="http://schemas.openxmlformats.org/drawingml/2006/main" xmlns:r="http://schemas.openxmlformats.org/officeDocument/2006/relationships" xmlns:p="http://schemas.openxmlformats.org/presentationml/2006/main">
   <p:cSld>
+    <p:bg>
+      <p:bgPr>
+        <a:solidFill>
+          <a:schemeClr val="bg1">
+            <a:lumMod val="95000"/>
+          </a:schemeClr>
+        </a:solidFill>
+        <a:effectLst/>
+      </p:bgPr>
+    </p:bg>
     <p:spTree>
       <p:nvGrpSpPr>
         <p:cNvPr id="1" name=""/>
@@ -6404,15 +9579,45 @@
             <p:ph type="title"/>
           </p:nvPr>
         </p:nvSpPr>
-        <p:spPr/>
+        <p:spPr>
+          <a:xfrm>
+            <a:off x="838200" y="877824"/>
+            <a:ext cx="7020910" cy="703136"/>
+          </a:xfrm>
+        </p:spPr>
         <p:txBody>
           <a:bodyPr/>
           <a:lstStyle/>
           <a:p>
             <a:r>
-              <a:rPr lang="pt-BR" dirty="0"/>
+              <a:rPr lang="pt-BR">
+                <a:solidFill>
+                  <a:schemeClr val="accent1"/>
+                </a:solidFill>
+                <a:effectLst>
+                  <a:outerShdw blurRad="50800" dist="38100" dir="2700000" algn="tl" rotWithShape="0">
+                    <a:prstClr val="black">
+                      <a:alpha val="40000"/>
+                    </a:prstClr>
+                  </a:outerShdw>
+                </a:effectLst>
+                <a:latin typeface="Abadi" panose="020B0604020104020204" pitchFamily="34" charset="0"/>
+              </a:rPr>
               <a:t>Introdução ao tema</a:t>
             </a:r>
+            <a:endParaRPr lang="pt-BR" dirty="0">
+              <a:solidFill>
+                <a:schemeClr val="accent1"/>
+              </a:solidFill>
+              <a:effectLst>
+                <a:outerShdw blurRad="50800" dist="38100" dir="2700000" algn="tl" rotWithShape="0">
+                  <a:prstClr val="black">
+                    <a:alpha val="40000"/>
+                  </a:prstClr>
+                </a:outerShdw>
+              </a:effectLst>
+              <a:latin typeface="Abadi" panose="020B0604020104020204" pitchFamily="34" charset="0"/>
+            </a:endParaRPr>
           </a:p>
         </p:txBody>
       </p:sp>
@@ -6438,28 +9643,227 @@
           <a:lstStyle/>
           <a:p>
             <a:r>
-              <a:rPr lang="pt-BR" dirty="0" err="1"/>
-              <a:t>Aperture</a:t>
+              <a:rPr lang="pt-BR" dirty="0">
+                <a:latin typeface="Abadi" panose="020B0604020104020204" pitchFamily="34" charset="0"/>
+              </a:rPr>
+              <a:t>Aperture Science – O que é / O que faz</a:t>
             </a:r>
+          </a:p>
+          <a:p>
             <a:r>
-              <a:rPr lang="pt-BR"/>
-              <a:t> Science – </a:t>
+              <a:rPr lang="pt-BR" dirty="0">
+                <a:latin typeface="Abadi" panose="020B0604020104020204" pitchFamily="34" charset="0"/>
+              </a:rPr>
+              <a:t>Desenvolvedora</a:t>
             </a:r>
+          </a:p>
+          <a:p>
             <a:r>
-              <a:rPr lang="pt-BR" dirty="0"/>
-              <a:t>O </a:t>
-            </a:r>
-            <a:r>
-              <a:rPr lang="pt-BR"/>
-              <a:t>que é / </a:t>
-            </a:r>
-            <a:r>
-              <a:rPr lang="pt-BR" dirty="0"/>
-              <a:t>O que faz</a:t>
+              <a:rPr lang="pt-BR" dirty="0">
+                <a:latin typeface="Abadi" panose="020B0604020104020204" pitchFamily="34" charset="0"/>
+              </a:rPr>
+              <a:t>Jogos</a:t>
             </a:r>
           </a:p>
         </p:txBody>
       </p:sp>
+      <p:pic>
+        <p:nvPicPr>
+          <p:cNvPr id="10" name="Imagem 9" descr="Forma&#10;&#10;Descrição gerada automaticamente com confiança média">
+            <a:extLst>
+              <a:ext uri="{FF2B5EF4-FFF2-40B4-BE49-F238E27FC236}">
+                <a16:creationId xmlns:a16="http://schemas.microsoft.com/office/drawing/2014/main" id="{534F84B3-BBB3-14E7-81DC-3A65040563AC}"/>
+              </a:ext>
+            </a:extLst>
+          </p:cNvPr>
+          <p:cNvPicPr>
+            <a:picLocks noChangeAspect="1"/>
+          </p:cNvPicPr>
+          <p:nvPr/>
+        </p:nvPicPr>
+        <p:blipFill>
+          <a:blip r:embed="rId2"/>
+          <a:stretch>
+            <a:fillRect/>
+          </a:stretch>
+        </p:blipFill>
+        <p:spPr>
+          <a:xfrm>
+            <a:off x="3773771" y="2425768"/>
+            <a:ext cx="1149768" cy="314749"/>
+          </a:xfrm>
+          <a:prstGeom prst="rect">
+            <a:avLst/>
+          </a:prstGeom>
+          <a:effectLst/>
+        </p:spPr>
+      </p:pic>
+      <p:pic>
+        <p:nvPicPr>
+          <p:cNvPr id="12" name="Imagem 11" descr="Ícone&#10;&#10;Descrição gerada automaticamente">
+            <a:extLst>
+              <a:ext uri="{FF2B5EF4-FFF2-40B4-BE49-F238E27FC236}">
+                <a16:creationId xmlns:a16="http://schemas.microsoft.com/office/drawing/2014/main" id="{CA3F0F8F-D64E-1488-D35A-0A3F5045DB73}"/>
+              </a:ext>
+            </a:extLst>
+          </p:cNvPr>
+          <p:cNvPicPr>
+            <a:picLocks noChangeAspect="1"/>
+          </p:cNvPicPr>
+          <p:nvPr/>
+        </p:nvPicPr>
+        <p:blipFill>
+          <a:blip r:embed="rId3"/>
+          <a:stretch>
+            <a:fillRect/>
+          </a:stretch>
+        </p:blipFill>
+        <p:spPr>
+          <a:xfrm>
+            <a:off x="7431645" y="1825625"/>
+            <a:ext cx="427465" cy="427465"/>
+          </a:xfrm>
+          <a:prstGeom prst="rect">
+            <a:avLst/>
+          </a:prstGeom>
+          <a:effectLst>
+            <a:innerShdw blurRad="63500" dist="50800" dir="13500000">
+              <a:prstClr val="black">
+                <a:alpha val="50000"/>
+              </a:prstClr>
+            </a:innerShdw>
+          </a:effectLst>
+        </p:spPr>
+      </p:pic>
+      <p:pic>
+        <p:nvPicPr>
+          <p:cNvPr id="14" name="Imagem 13" descr="Foto preta e branca da lua&#10;&#10;Descrição gerada automaticamente com confiança média">
+            <a:extLst>
+              <a:ext uri="{FF2B5EF4-FFF2-40B4-BE49-F238E27FC236}">
+                <a16:creationId xmlns:a16="http://schemas.microsoft.com/office/drawing/2014/main" id="{FAF6B7D7-DF2B-0DD1-49FF-73A865D5A3E4}"/>
+              </a:ext>
+            </a:extLst>
+          </p:cNvPr>
+          <p:cNvPicPr>
+            <a:picLocks noChangeAspect="1"/>
+          </p:cNvPicPr>
+          <p:nvPr/>
+        </p:nvPicPr>
+        <p:blipFill>
+          <a:blip r:embed="rId4">
+            <a:alphaModFix amt="35000"/>
+          </a:blip>
+          <a:stretch>
+            <a:fillRect/>
+          </a:stretch>
+        </p:blipFill>
+        <p:spPr>
+          <a:xfrm>
+            <a:off x="11353800" y="6176963"/>
+            <a:ext cx="451561" cy="451561"/>
+          </a:xfrm>
+          <a:prstGeom prst="rect">
+            <a:avLst/>
+          </a:prstGeom>
+          <a:effectLst>
+            <a:outerShdw blurRad="63500" sx="102000" sy="102000" algn="ctr" rotWithShape="0">
+              <a:prstClr val="black">
+                <a:alpha val="40000"/>
+              </a:prstClr>
+            </a:outerShdw>
+          </a:effectLst>
+        </p:spPr>
+      </p:pic>
+      <p:pic>
+        <p:nvPicPr>
+          <p:cNvPr id="18" name="Imagem 17" descr="Imagem digital fictícia de personagem de desenho animado&#10;&#10;Descrição gerada automaticamente">
+            <a:extLst>
+              <a:ext uri="{FF2B5EF4-FFF2-40B4-BE49-F238E27FC236}">
+                <a16:creationId xmlns:a16="http://schemas.microsoft.com/office/drawing/2014/main" id="{49B2D80C-70ED-87AF-6060-1E80DB167431}"/>
+              </a:ext>
+            </a:extLst>
+          </p:cNvPr>
+          <p:cNvPicPr>
+            <a:picLocks noChangeAspect="1"/>
+          </p:cNvPicPr>
+          <p:nvPr/>
+        </p:nvPicPr>
+        <p:blipFill>
+          <a:blip r:embed="rId5"/>
+          <a:stretch>
+            <a:fillRect/>
+          </a:stretch>
+        </p:blipFill>
+        <p:spPr>
+          <a:xfrm>
+            <a:off x="7487722" y="2740517"/>
+            <a:ext cx="3810000" cy="2771775"/>
+          </a:xfrm>
+          <a:prstGeom prst="rect">
+            <a:avLst/>
+          </a:prstGeom>
+        </p:spPr>
+      </p:pic>
+      <p:pic>
+        <p:nvPicPr>
+          <p:cNvPr id="8" name="Imagem 7">
+            <a:extLst>
+              <a:ext uri="{FF2B5EF4-FFF2-40B4-BE49-F238E27FC236}">
+                <a16:creationId xmlns:a16="http://schemas.microsoft.com/office/drawing/2014/main" id="{162135D1-4279-9913-2EA1-9FDED10C46E3}"/>
+              </a:ext>
+            </a:extLst>
+          </p:cNvPr>
+          <p:cNvPicPr>
+            <a:picLocks noChangeAspect="1"/>
+          </p:cNvPicPr>
+          <p:nvPr/>
+        </p:nvPicPr>
+        <p:blipFill>
+          <a:blip r:embed="rId6"/>
+          <a:stretch>
+            <a:fillRect/>
+          </a:stretch>
+        </p:blipFill>
+        <p:spPr>
+          <a:xfrm>
+            <a:off x="1070038" y="4535291"/>
+            <a:ext cx="3182616" cy="1082088"/>
+          </a:xfrm>
+          <a:prstGeom prst="rect">
+            <a:avLst/>
+          </a:prstGeom>
+        </p:spPr>
+      </p:pic>
+      <p:pic>
+        <p:nvPicPr>
+          <p:cNvPr id="9" name="Imagem 8" descr="Ícone&#10;&#10;Descrição gerada automaticamente">
+            <a:extLst>
+              <a:ext uri="{FF2B5EF4-FFF2-40B4-BE49-F238E27FC236}">
+                <a16:creationId xmlns:a16="http://schemas.microsoft.com/office/drawing/2014/main" id="{7F944E97-2532-9B49-9CDB-881C332377ED}"/>
+              </a:ext>
+            </a:extLst>
+          </p:cNvPr>
+          <p:cNvPicPr>
+            <a:picLocks noChangeAspect="1"/>
+          </p:cNvPicPr>
+          <p:nvPr/>
+        </p:nvPicPr>
+        <p:blipFill>
+          <a:blip r:embed="rId7"/>
+          <a:stretch>
+            <a:fillRect/>
+          </a:stretch>
+        </p:blipFill>
+        <p:spPr>
+          <a:xfrm>
+            <a:off x="5248593" y="4308044"/>
+            <a:ext cx="1243190" cy="1536583"/>
+          </a:xfrm>
+          <a:prstGeom prst="rect">
+            <a:avLst/>
+          </a:prstGeom>
+        </p:spPr>
+      </p:pic>
     </p:spTree>
     <p:extLst>
       <p:ext uri="{BB962C8B-B14F-4D97-AF65-F5344CB8AC3E}">
@@ -6470,6 +9874,479 @@
   <p:clrMapOvr>
     <a:masterClrMapping/>
   </p:clrMapOvr>
+  <mc:AlternateContent xmlns:mc="http://schemas.openxmlformats.org/markup-compatibility/2006" xmlns:p159="http://schemas.microsoft.com/office/powerpoint/2015/09/main">
+    <mc:Choice Requires="p159">
+      <p:transition xmlns:p14="http://schemas.microsoft.com/office/powerpoint/2010/main" spd="slow" p14:dur="2000">
+        <p159:morph option="byObject"/>
+      </p:transition>
+    </mc:Choice>
+    <mc:Fallback xmlns="">
+      <p:transition spd="slow">
+        <p:fade/>
+      </p:transition>
+    </mc:Fallback>
+  </mc:AlternateContent>
+  <p:timing>
+    <p:tnLst>
+      <p:par>
+        <p:cTn id="1" dur="indefinite" restart="never" nodeType="tmRoot">
+          <p:childTnLst>
+            <p:seq concurrent="1" nextAc="seek">
+              <p:cTn id="2" dur="indefinite" nodeType="mainSeq">
+                <p:childTnLst>
+                  <p:par>
+                    <p:cTn id="3" fill="hold">
+                      <p:stCondLst>
+                        <p:cond delay="indefinite"/>
+                        <p:cond evt="onBegin" delay="0">
+                          <p:tn val="2"/>
+                        </p:cond>
+                      </p:stCondLst>
+                      <p:childTnLst>
+                        <p:par>
+                          <p:cTn id="4" fill="hold">
+                            <p:stCondLst>
+                              <p:cond delay="0"/>
+                            </p:stCondLst>
+                            <p:childTnLst>
+                              <p:par>
+                                <p:cTn id="5" presetID="10" presetClass="entr" presetSubtype="0" fill="hold" grpId="0" nodeType="afterEffect">
+                                  <p:stCondLst>
+                                    <p:cond delay="0"/>
+                                  </p:stCondLst>
+                                  <p:childTnLst>
+                                    <p:set>
+                                      <p:cBhvr>
+                                        <p:cTn id="6" dur="1" fill="hold">
+                                          <p:stCondLst>
+                                            <p:cond delay="0"/>
+                                          </p:stCondLst>
+                                        </p:cTn>
+                                        <p:tgtEl>
+                                          <p:spTgt spid="2"/>
+                                        </p:tgtEl>
+                                        <p:attrNameLst>
+                                          <p:attrName>style.visibility</p:attrName>
+                                        </p:attrNameLst>
+                                      </p:cBhvr>
+                                      <p:to>
+                                        <p:strVal val="visible"/>
+                                      </p:to>
+                                    </p:set>
+                                    <p:animEffect transition="in" filter="fade">
+                                      <p:cBhvr>
+                                        <p:cTn id="7" dur="500"/>
+                                        <p:tgtEl>
+                                          <p:spTgt spid="2"/>
+                                        </p:tgtEl>
+                                      </p:cBhvr>
+                                    </p:animEffect>
+                                  </p:childTnLst>
+                                </p:cTn>
+                              </p:par>
+                            </p:childTnLst>
+                          </p:cTn>
+                        </p:par>
+                        <p:par>
+                          <p:cTn id="8" fill="hold">
+                            <p:stCondLst>
+                              <p:cond delay="500"/>
+                            </p:stCondLst>
+                            <p:childTnLst>
+                              <p:par>
+                                <p:cTn id="9" presetID="10" presetClass="entr" presetSubtype="0" fill="hold" nodeType="afterEffect">
+                                  <p:stCondLst>
+                                    <p:cond delay="0"/>
+                                  </p:stCondLst>
+                                  <p:childTnLst>
+                                    <p:set>
+                                      <p:cBhvr>
+                                        <p:cTn id="10" dur="1" fill="hold">
+                                          <p:stCondLst>
+                                            <p:cond delay="0"/>
+                                          </p:stCondLst>
+                                        </p:cTn>
+                                        <p:tgtEl>
+                                          <p:spTgt spid="10"/>
+                                        </p:tgtEl>
+                                        <p:attrNameLst>
+                                          <p:attrName>style.visibility</p:attrName>
+                                        </p:attrNameLst>
+                                      </p:cBhvr>
+                                      <p:to>
+                                        <p:strVal val="visible"/>
+                                      </p:to>
+                                    </p:set>
+                                    <p:animEffect transition="in" filter="fade">
+                                      <p:cBhvr>
+                                        <p:cTn id="11" dur="500"/>
+                                        <p:tgtEl>
+                                          <p:spTgt spid="10"/>
+                                        </p:tgtEl>
+                                      </p:cBhvr>
+                                    </p:animEffect>
+                                  </p:childTnLst>
+                                </p:cTn>
+                              </p:par>
+                              <p:par>
+                                <p:cTn id="12" presetID="10" presetClass="entr" presetSubtype="0" fill="hold" grpId="0" nodeType="withEffect">
+                                  <p:stCondLst>
+                                    <p:cond delay="0"/>
+                                  </p:stCondLst>
+                                  <p:childTnLst>
+                                    <p:set>
+                                      <p:cBhvr>
+                                        <p:cTn id="13" dur="1" fill="hold">
+                                          <p:stCondLst>
+                                            <p:cond delay="0"/>
+                                          </p:stCondLst>
+                                        </p:cTn>
+                                        <p:tgtEl>
+                                          <p:spTgt spid="3">
+                                            <p:txEl>
+                                              <p:pRg st="0" end="0"/>
+                                            </p:txEl>
+                                          </p:spTgt>
+                                        </p:tgtEl>
+                                        <p:attrNameLst>
+                                          <p:attrName>style.visibility</p:attrName>
+                                        </p:attrNameLst>
+                                      </p:cBhvr>
+                                      <p:to>
+                                        <p:strVal val="visible"/>
+                                      </p:to>
+                                    </p:set>
+                                    <p:animEffect transition="in" filter="fade">
+                                      <p:cBhvr>
+                                        <p:cTn id="14" dur="500"/>
+                                        <p:tgtEl>
+                                          <p:spTgt spid="3">
+                                            <p:txEl>
+                                              <p:pRg st="0" end="0"/>
+                                            </p:txEl>
+                                          </p:spTgt>
+                                        </p:tgtEl>
+                                      </p:cBhvr>
+                                    </p:animEffect>
+                                  </p:childTnLst>
+                                </p:cTn>
+                              </p:par>
+                              <p:par>
+                                <p:cTn id="15" presetID="10" presetClass="entr" presetSubtype="0" fill="hold" grpId="0" nodeType="withEffect">
+                                  <p:stCondLst>
+                                    <p:cond delay="0"/>
+                                  </p:stCondLst>
+                                  <p:childTnLst>
+                                    <p:set>
+                                      <p:cBhvr>
+                                        <p:cTn id="16" dur="1" fill="hold">
+                                          <p:stCondLst>
+                                            <p:cond delay="0"/>
+                                          </p:stCondLst>
+                                        </p:cTn>
+                                        <p:tgtEl>
+                                          <p:spTgt spid="3">
+                                            <p:txEl>
+                                              <p:pRg st="1" end="1"/>
+                                            </p:txEl>
+                                          </p:spTgt>
+                                        </p:tgtEl>
+                                        <p:attrNameLst>
+                                          <p:attrName>style.visibility</p:attrName>
+                                        </p:attrNameLst>
+                                      </p:cBhvr>
+                                      <p:to>
+                                        <p:strVal val="visible"/>
+                                      </p:to>
+                                    </p:set>
+                                    <p:animEffect transition="in" filter="fade">
+                                      <p:cBhvr>
+                                        <p:cTn id="17" dur="500"/>
+                                        <p:tgtEl>
+                                          <p:spTgt spid="3">
+                                            <p:txEl>
+                                              <p:pRg st="1" end="1"/>
+                                            </p:txEl>
+                                          </p:spTgt>
+                                        </p:tgtEl>
+                                      </p:cBhvr>
+                                    </p:animEffect>
+                                  </p:childTnLst>
+                                </p:cTn>
+                              </p:par>
+                              <p:par>
+                                <p:cTn id="18" presetID="10" presetClass="entr" presetSubtype="0" fill="hold" grpId="0" nodeType="withEffect">
+                                  <p:stCondLst>
+                                    <p:cond delay="0"/>
+                                  </p:stCondLst>
+                                  <p:childTnLst>
+                                    <p:set>
+                                      <p:cBhvr>
+                                        <p:cTn id="19" dur="1" fill="hold">
+                                          <p:stCondLst>
+                                            <p:cond delay="0"/>
+                                          </p:stCondLst>
+                                        </p:cTn>
+                                        <p:tgtEl>
+                                          <p:spTgt spid="3">
+                                            <p:txEl>
+                                              <p:pRg st="2" end="2"/>
+                                            </p:txEl>
+                                          </p:spTgt>
+                                        </p:tgtEl>
+                                        <p:attrNameLst>
+                                          <p:attrName>style.visibility</p:attrName>
+                                        </p:attrNameLst>
+                                      </p:cBhvr>
+                                      <p:to>
+                                        <p:strVal val="visible"/>
+                                      </p:to>
+                                    </p:set>
+                                    <p:animEffect transition="in" filter="fade">
+                                      <p:cBhvr>
+                                        <p:cTn id="20" dur="500"/>
+                                        <p:tgtEl>
+                                          <p:spTgt spid="3">
+                                            <p:txEl>
+                                              <p:pRg st="2" end="2"/>
+                                            </p:txEl>
+                                          </p:spTgt>
+                                        </p:tgtEl>
+                                      </p:cBhvr>
+                                    </p:animEffect>
+                                  </p:childTnLst>
+                                </p:cTn>
+                              </p:par>
+                            </p:childTnLst>
+                          </p:cTn>
+                        </p:par>
+                        <p:par>
+                          <p:cTn id="21" fill="hold">
+                            <p:stCondLst>
+                              <p:cond delay="1000"/>
+                            </p:stCondLst>
+                            <p:childTnLst>
+                              <p:par>
+                                <p:cTn id="22" presetID="42" presetClass="entr" presetSubtype="0" fill="hold" nodeType="afterEffect">
+                                  <p:stCondLst>
+                                    <p:cond delay="0"/>
+                                  </p:stCondLst>
+                                  <p:childTnLst>
+                                    <p:set>
+                                      <p:cBhvr>
+                                        <p:cTn id="23" dur="1" fill="hold">
+                                          <p:stCondLst>
+                                            <p:cond delay="0"/>
+                                          </p:stCondLst>
+                                        </p:cTn>
+                                        <p:tgtEl>
+                                          <p:spTgt spid="18"/>
+                                        </p:tgtEl>
+                                        <p:attrNameLst>
+                                          <p:attrName>style.visibility</p:attrName>
+                                        </p:attrNameLst>
+                                      </p:cBhvr>
+                                      <p:to>
+                                        <p:strVal val="visible"/>
+                                      </p:to>
+                                    </p:set>
+                                    <p:animEffect transition="in" filter="fade">
+                                      <p:cBhvr>
+                                        <p:cTn id="24" dur="1000"/>
+                                        <p:tgtEl>
+                                          <p:spTgt spid="18"/>
+                                        </p:tgtEl>
+                                      </p:cBhvr>
+                                    </p:animEffect>
+                                    <p:anim calcmode="lin" valueType="num">
+                                      <p:cBhvr>
+                                        <p:cTn id="25" dur="1000" fill="hold"/>
+                                        <p:tgtEl>
+                                          <p:spTgt spid="18"/>
+                                        </p:tgtEl>
+                                        <p:attrNameLst>
+                                          <p:attrName>ppt_x</p:attrName>
+                                        </p:attrNameLst>
+                                      </p:cBhvr>
+                                      <p:tavLst>
+                                        <p:tav tm="0">
+                                          <p:val>
+                                            <p:strVal val="#ppt_x"/>
+                                          </p:val>
+                                        </p:tav>
+                                        <p:tav tm="100000">
+                                          <p:val>
+                                            <p:strVal val="#ppt_x"/>
+                                          </p:val>
+                                        </p:tav>
+                                      </p:tavLst>
+                                    </p:anim>
+                                    <p:anim calcmode="lin" valueType="num">
+                                      <p:cBhvr>
+                                        <p:cTn id="26" dur="1000" fill="hold"/>
+                                        <p:tgtEl>
+                                          <p:spTgt spid="18"/>
+                                        </p:tgtEl>
+                                        <p:attrNameLst>
+                                          <p:attrName>ppt_y</p:attrName>
+                                        </p:attrNameLst>
+                                      </p:cBhvr>
+                                      <p:tavLst>
+                                        <p:tav tm="0">
+                                          <p:val>
+                                            <p:strVal val="#ppt_y+.1"/>
+                                          </p:val>
+                                        </p:tav>
+                                        <p:tav tm="100000">
+                                          <p:val>
+                                            <p:strVal val="#ppt_y"/>
+                                          </p:val>
+                                        </p:tav>
+                                      </p:tavLst>
+                                    </p:anim>
+                                  </p:childTnLst>
+                                </p:cTn>
+                              </p:par>
+                              <p:par>
+                                <p:cTn id="27" presetID="10" presetClass="entr" presetSubtype="0" fill="hold" nodeType="withEffect">
+                                  <p:stCondLst>
+                                    <p:cond delay="0"/>
+                                  </p:stCondLst>
+                                  <p:childTnLst>
+                                    <p:set>
+                                      <p:cBhvr>
+                                        <p:cTn id="28" dur="1" fill="hold">
+                                          <p:stCondLst>
+                                            <p:cond delay="0"/>
+                                          </p:stCondLst>
+                                        </p:cTn>
+                                        <p:tgtEl>
+                                          <p:spTgt spid="8"/>
+                                        </p:tgtEl>
+                                        <p:attrNameLst>
+                                          <p:attrName>style.visibility</p:attrName>
+                                        </p:attrNameLst>
+                                      </p:cBhvr>
+                                      <p:to>
+                                        <p:strVal val="visible"/>
+                                      </p:to>
+                                    </p:set>
+                                    <p:animEffect transition="in" filter="fade">
+                                      <p:cBhvr>
+                                        <p:cTn id="29" dur="500"/>
+                                        <p:tgtEl>
+                                          <p:spTgt spid="8"/>
+                                        </p:tgtEl>
+                                      </p:cBhvr>
+                                    </p:animEffect>
+                                  </p:childTnLst>
+                                </p:cTn>
+                              </p:par>
+                              <p:par>
+                                <p:cTn id="30" presetID="2" presetClass="entr" presetSubtype="4" fill="hold" nodeType="withEffect">
+                                  <p:stCondLst>
+                                    <p:cond delay="0"/>
+                                  </p:stCondLst>
+                                  <p:childTnLst>
+                                    <p:set>
+                                      <p:cBhvr>
+                                        <p:cTn id="31" dur="1" fill="hold">
+                                          <p:stCondLst>
+                                            <p:cond delay="0"/>
+                                          </p:stCondLst>
+                                        </p:cTn>
+                                        <p:tgtEl>
+                                          <p:spTgt spid="9"/>
+                                        </p:tgtEl>
+                                        <p:attrNameLst>
+                                          <p:attrName>style.visibility</p:attrName>
+                                        </p:attrNameLst>
+                                      </p:cBhvr>
+                                      <p:to>
+                                        <p:strVal val="visible"/>
+                                      </p:to>
+                                    </p:set>
+                                    <p:anim calcmode="lin" valueType="num">
+                                      <p:cBhvr additive="base">
+                                        <p:cTn id="32" dur="500" fill="hold"/>
+                                        <p:tgtEl>
+                                          <p:spTgt spid="9"/>
+                                        </p:tgtEl>
+                                        <p:attrNameLst>
+                                          <p:attrName>ppt_x</p:attrName>
+                                        </p:attrNameLst>
+                                      </p:cBhvr>
+                                      <p:tavLst>
+                                        <p:tav tm="0">
+                                          <p:val>
+                                            <p:strVal val="#ppt_x"/>
+                                          </p:val>
+                                        </p:tav>
+                                        <p:tav tm="100000">
+                                          <p:val>
+                                            <p:strVal val="#ppt_x"/>
+                                          </p:val>
+                                        </p:tav>
+                                      </p:tavLst>
+                                    </p:anim>
+                                    <p:anim calcmode="lin" valueType="num">
+                                      <p:cBhvr additive="base">
+                                        <p:cTn id="33" dur="500" fill="hold"/>
+                                        <p:tgtEl>
+                                          <p:spTgt spid="9"/>
+                                        </p:tgtEl>
+                                        <p:attrNameLst>
+                                          <p:attrName>ppt_y</p:attrName>
+                                        </p:attrNameLst>
+                                      </p:cBhvr>
+                                      <p:tavLst>
+                                        <p:tav tm="0">
+                                          <p:val>
+                                            <p:strVal val="1+#ppt_h/2"/>
+                                          </p:val>
+                                        </p:tav>
+                                        <p:tav tm="100000">
+                                          <p:val>
+                                            <p:strVal val="#ppt_y"/>
+                                          </p:val>
+                                        </p:tav>
+                                      </p:tavLst>
+                                    </p:anim>
+                                  </p:childTnLst>
+                                </p:cTn>
+                              </p:par>
+                            </p:childTnLst>
+                          </p:cTn>
+                        </p:par>
+                      </p:childTnLst>
+                    </p:cTn>
+                  </p:par>
+                </p:childTnLst>
+              </p:cTn>
+              <p:prevCondLst>
+                <p:cond evt="onPrev" delay="0">
+                  <p:tgtEl>
+                    <p:sldTgt/>
+                  </p:tgtEl>
+                </p:cond>
+              </p:prevCondLst>
+              <p:nextCondLst>
+                <p:cond evt="onNext" delay="0">
+                  <p:tgtEl>
+                    <p:sldTgt/>
+                  </p:tgtEl>
+                </p:cond>
+              </p:nextCondLst>
+            </p:seq>
+          </p:childTnLst>
+        </p:cTn>
+      </p:par>
+    </p:tnLst>
+    <p:bldLst>
+      <p:bldP spid="2" grpId="0"/>
+      <p:bldP spid="3" grpId="0" build="p"/>
+    </p:bldLst>
+  </p:timing>
 </p:sld>
 </file>
 
@@ -6478,11 +10355,14 @@
   <p:cSld>
     <p:bg>
       <p:bgPr>
-        <a:solidFill>
-          <a:schemeClr val="bg1">
-            <a:alpha val="39000"/>
-          </a:schemeClr>
-        </a:solidFill>
+        <a:pattFill prst="narVert">
+          <a:fgClr>
+            <a:schemeClr val="accent1"/>
+          </a:fgClr>
+          <a:bgClr>
+            <a:schemeClr val="bg1"/>
+          </a:bgClr>
+        </a:pattFill>
         <a:effectLst/>
       </p:bgPr>
     </p:bg>
@@ -6513,7 +10393,7 @@
             </a:extLst>
           </p:cNvPr>
           <p:cNvSpPr>
-            <a:spLocks noGrp="1" noRot="1" noChangeAspect="1" noMove="1" noResize="1" noEditPoints="1" noAdjustHandles="1" noChangeArrowheads="1" noChangeShapeType="1" noTextEdit="1"/>
+            <a:spLocks noChangeAspect="1"/>
           </p:cNvSpPr>
           <p:nvPr>
             <p:extLst>
@@ -6532,7 +10412,9 @@
             <a:avLst/>
           </a:prstGeom>
           <a:solidFill>
-            <a:schemeClr val="tx1"/>
+            <a:schemeClr val="tx1">
+              <a:lumMod val="95000"/>
+            </a:schemeClr>
           </a:solidFill>
           <a:ln>
             <a:noFill/>
@@ -6576,7 +10458,7 @@
             </a:extLst>
           </p:cNvPr>
           <p:cNvSpPr>
-            <a:spLocks noGrp="1" noRot="1" noChangeAspect="1" noMove="1" noResize="1" noEditPoints="1" noAdjustHandles="1" noChangeArrowheads="1" noChangeShapeType="1" noTextEdit="1"/>
+            <a:spLocks noGrp="1" noRot="1" noChangeAspect="1" noMove="1" noResize="1" noEditPoints="1" noAdjustHandles="1" noChangeArrowheads="1" noChangeShapeType="1"/>
           </p:cNvSpPr>
           <p:nvPr>
             <p:extLst>
@@ -6587,9 +10469,9 @@
           </p:nvPr>
         </p:nvSpPr>
         <p:spPr>
-          <a:xfrm>
-            <a:off x="0" y="-478"/>
-            <a:ext cx="9468701" cy="6858478"/>
+          <a:xfrm rot="9394446">
+            <a:off x="5002947" y="-503901"/>
+            <a:ext cx="2233647" cy="8447095"/>
           </a:xfrm>
           <a:custGeom>
             <a:avLst/>
@@ -6670,9 +10552,8 @@
             </a:pathLst>
           </a:custGeom>
           <a:solidFill>
-            <a:schemeClr val="bg1">
-              <a:lumMod val="85000"/>
-              <a:lumOff val="15000"/>
+            <a:schemeClr val="accent4">
+              <a:lumMod val="50000"/>
               <a:alpha val="70000"/>
             </a:schemeClr>
           </a:solidFill>
@@ -6718,7 +10599,7 @@
             </a:extLst>
           </p:cNvPr>
           <p:cNvSpPr>
-            <a:spLocks noGrp="1" noRot="1" noChangeAspect="1" noMove="1" noResize="1" noEditPoints="1" noAdjustHandles="1" noChangeArrowheads="1" noChangeShapeType="1" noTextEdit="1"/>
+            <a:spLocks noGrp="1" noRot="1" noChangeAspect="1" noMove="1" noResize="1" noEditPoints="1" noAdjustHandles="1" noChangeArrowheads="1" noChangeShapeType="1"/>
           </p:cNvSpPr>
           <p:nvPr>
             <p:extLst>
@@ -6731,7 +10612,7 @@
         <p:spPr>
           <a:xfrm>
             <a:off x="-1" y="-478"/>
-            <a:ext cx="8078052" cy="6858478"/>
+            <a:ext cx="7633355" cy="6858478"/>
           </a:xfrm>
           <a:custGeom>
             <a:avLst/>
@@ -6812,14 +10693,16 @@
             </a:pathLst>
           </a:custGeom>
           <a:solidFill>
-            <a:schemeClr val="bg1">
-              <a:lumMod val="85000"/>
-              <a:lumOff val="15000"/>
-            </a:schemeClr>
+            <a:srgbClr val="2E4442"/>
           </a:solidFill>
           <a:ln>
             <a:noFill/>
           </a:ln>
+          <a:effectLst>
+            <a:innerShdw blurRad="114300">
+              <a:prstClr val="black"/>
+            </a:innerShdw>
+          </a:effectLst>
         </p:spPr>
         <p:style>
           <a:lnRef idx="2">
@@ -6852,58 +10735,6 @@
       </p:sp>
       <p:sp>
         <p:nvSpPr>
-          <p:cNvPr id="19" name="Retângulo 18">
-            <a:extLst>
-              <a:ext uri="{FF2B5EF4-FFF2-40B4-BE49-F238E27FC236}">
-                <a16:creationId xmlns:a16="http://schemas.microsoft.com/office/drawing/2014/main" id="{15354388-0BAF-C912-1A40-C89E0D8E1B07}"/>
-              </a:ext>
-            </a:extLst>
-          </p:cNvPr>
-          <p:cNvSpPr/>
-          <p:nvPr/>
-        </p:nvSpPr>
-        <p:spPr>
-          <a:xfrm rot="20112854">
-            <a:off x="-1047010" y="-1009634"/>
-            <a:ext cx="7476776" cy="10062553"/>
-          </a:xfrm>
-          <a:prstGeom prst="rect">
-            <a:avLst/>
-          </a:prstGeom>
-          <a:solidFill>
-            <a:schemeClr val="accent2"/>
-          </a:solidFill>
-          <a:ln>
-            <a:noFill/>
-          </a:ln>
-        </p:spPr>
-        <p:style>
-          <a:lnRef idx="2">
-            <a:schemeClr val="accent1">
-              <a:shade val="50000"/>
-            </a:schemeClr>
-          </a:lnRef>
-          <a:fillRef idx="1">
-            <a:schemeClr val="accent1"/>
-          </a:fillRef>
-          <a:effectRef idx="0">
-            <a:schemeClr val="accent1"/>
-          </a:effectRef>
-          <a:fontRef idx="minor">
-            <a:schemeClr val="lt1"/>
-          </a:fontRef>
-        </p:style>
-        <p:txBody>
-          <a:bodyPr rtlCol="0" anchor="ctr"/>
-          <a:lstStyle/>
-          <a:p>
-            <a:pPr algn="ctr"/>
-            <a:endParaRPr lang="pt-BR"/>
-          </a:p>
-        </p:txBody>
-      </p:sp>
-      <p:sp>
-        <p:nvSpPr>
           <p:cNvPr id="2" name="Título 1">
             <a:extLst>
               <a:ext uri="{FF2B5EF4-FFF2-40B4-BE49-F238E27FC236}">
@@ -6921,17 +10752,27 @@
         <p:spPr>
           <a:xfrm>
             <a:off x="804672" y="2600325"/>
-            <a:ext cx="4948428" cy="2651200"/>
+            <a:ext cx="2852928" cy="828675"/>
           </a:xfrm>
         </p:spPr>
         <p:txBody>
           <a:bodyPr vert="horz" lIns="91440" tIns="45720" rIns="91440" bIns="45720" rtlCol="0" anchor="t">
-            <a:normAutofit/>
+            <a:normAutofit fontScale="90000"/>
           </a:bodyPr>
           <a:lstStyle/>
           <a:p>
+            <a:pPr algn="ctr"/>
             <a:r>
-              <a:rPr lang="en-US" sz="5400" dirty="0"/>
+              <a:rPr lang="en-US" sz="5400" dirty="0">
+                <a:effectLst>
+                  <a:outerShdw blurRad="38100" dist="38100" dir="2700000" algn="tl">
+                    <a:srgbClr val="000000">
+                      <a:alpha val="43137"/>
+                    </a:srgbClr>
+                  </a:outerShdw>
+                </a:effectLst>
+                <a:latin typeface="Abadi" panose="020B0604020104020204" pitchFamily="34" charset="0"/>
+              </a:rPr>
               <a:t>Interesse</a:t>
             </a:r>
           </a:p>
@@ -6999,10 +10840,10 @@
       </p:pic>
       <p:pic>
         <p:nvPicPr>
-          <p:cNvPr id="7" name="Imagem 6">
+          <p:cNvPr id="21" name="Imagem 20" descr="Foto preta e branca da lua&#10;&#10;Descrição gerada automaticamente com confiança média">
             <a:extLst>
               <a:ext uri="{FF2B5EF4-FFF2-40B4-BE49-F238E27FC236}">
-                <a16:creationId xmlns:a16="http://schemas.microsoft.com/office/drawing/2014/main" id="{8147D582-010D-7B5C-1B2F-023DC87C53BE}"/>
+                <a16:creationId xmlns:a16="http://schemas.microsoft.com/office/drawing/2014/main" id="{C4F8978D-8BFA-D0C7-6F00-F9C37D43DEC9}"/>
               </a:ext>
             </a:extLst>
           </p:cNvPr>
@@ -7012,7 +10853,46 @@
           <p:nvPr/>
         </p:nvPicPr>
         <p:blipFill>
-          <a:blip r:embed="rId4"/>
+          <a:blip r:embed="rId4">
+            <a:alphaModFix amt="35000"/>
+          </a:blip>
+          <a:stretch>
+            <a:fillRect/>
+          </a:stretch>
+        </p:blipFill>
+        <p:spPr>
+          <a:xfrm>
+            <a:off x="675140" y="5979964"/>
+            <a:ext cx="451561" cy="451561"/>
+          </a:xfrm>
+          <a:prstGeom prst="rect">
+            <a:avLst/>
+          </a:prstGeom>
+          <a:effectLst>
+            <a:outerShdw blurRad="63500" sx="102000" sy="102000" algn="ctr" rotWithShape="0">
+              <a:prstClr val="black">
+                <a:alpha val="40000"/>
+              </a:prstClr>
+            </a:outerShdw>
+          </a:effectLst>
+        </p:spPr>
+      </p:pic>
+      <p:pic>
+        <p:nvPicPr>
+          <p:cNvPr id="14" name="Imagem 13">
+            <a:extLst>
+              <a:ext uri="{FF2B5EF4-FFF2-40B4-BE49-F238E27FC236}">
+                <a16:creationId xmlns:a16="http://schemas.microsoft.com/office/drawing/2014/main" id="{A5F14DBA-156F-3471-06D0-EACD75ED682B}"/>
+              </a:ext>
+            </a:extLst>
+          </p:cNvPr>
+          <p:cNvPicPr>
+            <a:picLocks noChangeAspect="1"/>
+          </p:cNvPicPr>
+          <p:nvPr/>
+        </p:nvPicPr>
+        <p:blipFill>
+          <a:blip r:embed="rId5"/>
           <a:stretch>
             <a:fillRect/>
           </a:stretch>
@@ -7029,10 +10909,10 @@
       </p:pic>
       <p:pic>
         <p:nvPicPr>
-          <p:cNvPr id="11" name="Imagem 10">
+          <p:cNvPr id="16" name="Imagem 15" descr="Ícone&#10;&#10;Descrição gerada automaticamente">
             <a:extLst>
               <a:ext uri="{FF2B5EF4-FFF2-40B4-BE49-F238E27FC236}">
-                <a16:creationId xmlns:a16="http://schemas.microsoft.com/office/drawing/2014/main" id="{0B184DB7-427B-E3EC-6D60-BBCBE98B2EC2}"/>
+                <a16:creationId xmlns:a16="http://schemas.microsoft.com/office/drawing/2014/main" id="{3EA2A1F3-D087-4EC8-8EA2-62D26D73A172}"/>
               </a:ext>
             </a:extLst>
           </p:cNvPr>
@@ -7042,15 +10922,1281 @@
           <p:nvPr/>
         </p:nvPicPr>
         <p:blipFill>
-          <a:blip r:embed="rId5"/>
+          <a:blip r:embed="rId6"/>
           <a:stretch>
             <a:fillRect/>
           </a:stretch>
         </p:blipFill>
         <p:spPr>
           <a:xfrm>
-            <a:off x="9945586" y="4968316"/>
-            <a:ext cx="1388004" cy="1388004"/>
+            <a:off x="10047889" y="4894942"/>
+            <a:ext cx="1243190" cy="1536583"/>
+          </a:xfrm>
+          <a:prstGeom prst="rect">
+            <a:avLst/>
+          </a:prstGeom>
+        </p:spPr>
+      </p:pic>
+    </p:spTree>
+    <p:extLst>
+      <p:ext uri="{BB962C8B-B14F-4D97-AF65-F5344CB8AC3E}">
+        <p14:creationId xmlns:p14="http://schemas.microsoft.com/office/powerpoint/2010/main" val="2706206195"/>
+      </p:ext>
+    </p:extLst>
+  </p:cSld>
+  <p:clrMapOvr>
+    <a:overrideClrMapping bg1="dk1" tx1="lt1" bg2="dk2" tx2="lt2" accent1="accent1" accent2="accent2" accent3="accent3" accent4="accent4" accent5="accent5" accent6="accent6" hlink="hlink" folHlink="folHlink"/>
+  </p:clrMapOvr>
+  <mc:AlternateContent xmlns:mc="http://schemas.openxmlformats.org/markup-compatibility/2006" xmlns:p159="http://schemas.microsoft.com/office/powerpoint/2015/09/main">
+    <mc:Choice Requires="p159">
+      <p:transition xmlns:p14="http://schemas.microsoft.com/office/powerpoint/2010/main" spd="slow" p14:dur="2000">
+        <p159:morph option="byObject"/>
+      </p:transition>
+    </mc:Choice>
+    <mc:Fallback xmlns="">
+      <p:transition spd="slow">
+        <p:fade/>
+      </p:transition>
+    </mc:Fallback>
+  </mc:AlternateContent>
+  <p:timing>
+    <p:tnLst>
+      <p:par>
+        <p:cTn id="1" dur="indefinite" restart="never" nodeType="tmRoot">
+          <p:childTnLst>
+            <p:seq concurrent="1" nextAc="seek">
+              <p:cTn id="2" dur="indefinite" nodeType="mainSeq">
+                <p:childTnLst>
+                  <p:par>
+                    <p:cTn id="3" fill="hold">
+                      <p:stCondLst>
+                        <p:cond delay="indefinite"/>
+                        <p:cond evt="onBegin" delay="0">
+                          <p:tn val="2"/>
+                        </p:cond>
+                      </p:stCondLst>
+                      <p:childTnLst>
+                        <p:par>
+                          <p:cTn id="4" fill="hold">
+                            <p:stCondLst>
+                              <p:cond delay="0"/>
+                            </p:stCondLst>
+                            <p:childTnLst>
+                              <p:par>
+                                <p:cTn id="5" presetID="10" presetClass="entr" presetSubtype="0" fill="hold" grpId="0" nodeType="afterEffect">
+                                  <p:stCondLst>
+                                    <p:cond delay="0"/>
+                                  </p:stCondLst>
+                                  <p:childTnLst>
+                                    <p:set>
+                                      <p:cBhvr>
+                                        <p:cTn id="6" dur="1" fill="hold">
+                                          <p:stCondLst>
+                                            <p:cond delay="0"/>
+                                          </p:stCondLst>
+                                        </p:cTn>
+                                        <p:tgtEl>
+                                          <p:spTgt spid="2"/>
+                                        </p:tgtEl>
+                                        <p:attrNameLst>
+                                          <p:attrName>style.visibility</p:attrName>
+                                        </p:attrNameLst>
+                                      </p:cBhvr>
+                                      <p:to>
+                                        <p:strVal val="visible"/>
+                                      </p:to>
+                                    </p:set>
+                                    <p:animEffect transition="in" filter="fade">
+                                      <p:cBhvr>
+                                        <p:cTn id="7" dur="500"/>
+                                        <p:tgtEl>
+                                          <p:spTgt spid="2"/>
+                                        </p:tgtEl>
+                                      </p:cBhvr>
+                                    </p:animEffect>
+                                  </p:childTnLst>
+                                </p:cTn>
+                              </p:par>
+                              <p:par>
+                                <p:cTn id="8" presetID="47" presetClass="entr" presetSubtype="0" fill="hold" nodeType="withEffect">
+                                  <p:stCondLst>
+                                    <p:cond delay="0"/>
+                                  </p:stCondLst>
+                                  <p:childTnLst>
+                                    <p:set>
+                                      <p:cBhvr>
+                                        <p:cTn id="9" dur="1" fill="hold">
+                                          <p:stCondLst>
+                                            <p:cond delay="0"/>
+                                          </p:stCondLst>
+                                        </p:cTn>
+                                        <p:tgtEl>
+                                          <p:spTgt spid="15"/>
+                                        </p:tgtEl>
+                                        <p:attrNameLst>
+                                          <p:attrName>style.visibility</p:attrName>
+                                        </p:attrNameLst>
+                                      </p:cBhvr>
+                                      <p:to>
+                                        <p:strVal val="visible"/>
+                                      </p:to>
+                                    </p:set>
+                                    <p:animEffect transition="in" filter="fade">
+                                      <p:cBhvr>
+                                        <p:cTn id="10" dur="1000"/>
+                                        <p:tgtEl>
+                                          <p:spTgt spid="15"/>
+                                        </p:tgtEl>
+                                      </p:cBhvr>
+                                    </p:animEffect>
+                                    <p:anim calcmode="lin" valueType="num">
+                                      <p:cBhvr>
+                                        <p:cTn id="11" dur="1000" fill="hold"/>
+                                        <p:tgtEl>
+                                          <p:spTgt spid="15"/>
+                                        </p:tgtEl>
+                                        <p:attrNameLst>
+                                          <p:attrName>ppt_x</p:attrName>
+                                        </p:attrNameLst>
+                                      </p:cBhvr>
+                                      <p:tavLst>
+                                        <p:tav tm="0">
+                                          <p:val>
+                                            <p:strVal val="#ppt_x"/>
+                                          </p:val>
+                                        </p:tav>
+                                        <p:tav tm="100000">
+                                          <p:val>
+                                            <p:strVal val="#ppt_x"/>
+                                          </p:val>
+                                        </p:tav>
+                                      </p:tavLst>
+                                    </p:anim>
+                                    <p:anim calcmode="lin" valueType="num">
+                                      <p:cBhvr>
+                                        <p:cTn id="12" dur="1000" fill="hold"/>
+                                        <p:tgtEl>
+                                          <p:spTgt spid="15"/>
+                                        </p:tgtEl>
+                                        <p:attrNameLst>
+                                          <p:attrName>ppt_y</p:attrName>
+                                        </p:attrNameLst>
+                                      </p:cBhvr>
+                                      <p:tavLst>
+                                        <p:tav tm="0">
+                                          <p:val>
+                                            <p:strVal val="#ppt_y-.1"/>
+                                          </p:val>
+                                        </p:tav>
+                                        <p:tav tm="100000">
+                                          <p:val>
+                                            <p:strVal val="#ppt_y"/>
+                                          </p:val>
+                                        </p:tav>
+                                      </p:tavLst>
+                                    </p:anim>
+                                  </p:childTnLst>
+                                </p:cTn>
+                              </p:par>
+                              <p:par>
+                                <p:cTn id="13" presetID="2" presetClass="entr" presetSubtype="2" fill="hold" nodeType="withEffect">
+                                  <p:stCondLst>
+                                    <p:cond delay="0"/>
+                                  </p:stCondLst>
+                                  <p:childTnLst>
+                                    <p:set>
+                                      <p:cBhvr>
+                                        <p:cTn id="14" dur="1" fill="hold">
+                                          <p:stCondLst>
+                                            <p:cond delay="0"/>
+                                          </p:stCondLst>
+                                        </p:cTn>
+                                        <p:tgtEl>
+                                          <p:spTgt spid="5"/>
+                                        </p:tgtEl>
+                                        <p:attrNameLst>
+                                          <p:attrName>style.visibility</p:attrName>
+                                        </p:attrNameLst>
+                                      </p:cBhvr>
+                                      <p:to>
+                                        <p:strVal val="visible"/>
+                                      </p:to>
+                                    </p:set>
+                                    <p:anim calcmode="lin" valueType="num">
+                                      <p:cBhvr additive="base">
+                                        <p:cTn id="15" dur="500" fill="hold"/>
+                                        <p:tgtEl>
+                                          <p:spTgt spid="5"/>
+                                        </p:tgtEl>
+                                        <p:attrNameLst>
+                                          <p:attrName>ppt_x</p:attrName>
+                                        </p:attrNameLst>
+                                      </p:cBhvr>
+                                      <p:tavLst>
+                                        <p:tav tm="0">
+                                          <p:val>
+                                            <p:strVal val="1+#ppt_w/2"/>
+                                          </p:val>
+                                        </p:tav>
+                                        <p:tav tm="100000">
+                                          <p:val>
+                                            <p:strVal val="#ppt_x"/>
+                                          </p:val>
+                                        </p:tav>
+                                      </p:tavLst>
+                                    </p:anim>
+                                    <p:anim calcmode="lin" valueType="num">
+                                      <p:cBhvr additive="base">
+                                        <p:cTn id="16" dur="500" fill="hold"/>
+                                        <p:tgtEl>
+                                          <p:spTgt spid="5"/>
+                                        </p:tgtEl>
+                                        <p:attrNameLst>
+                                          <p:attrName>ppt_y</p:attrName>
+                                        </p:attrNameLst>
+                                      </p:cBhvr>
+                                      <p:tavLst>
+                                        <p:tav tm="0">
+                                          <p:val>
+                                            <p:strVal val="#ppt_y"/>
+                                          </p:val>
+                                        </p:tav>
+                                        <p:tav tm="100000">
+                                          <p:val>
+                                            <p:strVal val="#ppt_y"/>
+                                          </p:val>
+                                        </p:tav>
+                                      </p:tavLst>
+                                    </p:anim>
+                                  </p:childTnLst>
+                                </p:cTn>
+                              </p:par>
+                            </p:childTnLst>
+                          </p:cTn>
+                        </p:par>
+                      </p:childTnLst>
+                    </p:cTn>
+                  </p:par>
+                </p:childTnLst>
+              </p:cTn>
+              <p:prevCondLst>
+                <p:cond evt="onPrev" delay="0">
+                  <p:tgtEl>
+                    <p:sldTgt/>
+                  </p:tgtEl>
+                </p:cond>
+              </p:prevCondLst>
+              <p:nextCondLst>
+                <p:cond evt="onNext" delay="0">
+                  <p:tgtEl>
+                    <p:sldTgt/>
+                  </p:tgtEl>
+                </p:cond>
+              </p:nextCondLst>
+            </p:seq>
+          </p:childTnLst>
+        </p:cTn>
+      </p:par>
+    </p:tnLst>
+    <p:bldLst>
+      <p:bldP spid="2" grpId="0"/>
+    </p:bldLst>
+  </p:timing>
+</p:sld>
+</file>
+
+<file path=ppt/slides/slide4.xml><?xml version="1.0" encoding="utf-8"?>
+<p:sld xmlns:a="http://schemas.openxmlformats.org/drawingml/2006/main" xmlns:r="http://schemas.openxmlformats.org/officeDocument/2006/relationships" xmlns:p="http://schemas.openxmlformats.org/presentationml/2006/main">
+  <p:cSld>
+    <p:bg>
+      <p:bgPr>
+        <a:solidFill>
+          <a:schemeClr val="bg1">
+            <a:lumMod val="95000"/>
+          </a:schemeClr>
+        </a:solidFill>
+        <a:effectLst/>
+      </p:bgPr>
+    </p:bg>
+    <p:spTree>
+      <p:nvGrpSpPr>
+        <p:cNvPr id="1" name=""/>
+        <p:cNvGrpSpPr/>
+        <p:nvPr/>
+      </p:nvGrpSpPr>
+      <p:grpSpPr>
+        <a:xfrm>
+          <a:off x="0" y="0"/>
+          <a:ext cx="0" cy="0"/>
+          <a:chOff x="0" y="0"/>
+          <a:chExt cx="0" cy="0"/>
+        </a:xfrm>
+      </p:grpSpPr>
+      <p:sp>
+        <p:nvSpPr>
+          <p:cNvPr id="15" name="Freeform 4">
+            <a:extLst>
+              <a:ext uri="{FF2B5EF4-FFF2-40B4-BE49-F238E27FC236}">
+                <a16:creationId xmlns:a16="http://schemas.microsoft.com/office/drawing/2014/main" id="{B10A6E49-9898-8B6D-E64D-8D049F723F2C}"/>
+              </a:ext>
+              <a:ext uri="{C183D7F6-B498-43B3-948B-1728B52AA6E4}">
+                <adec:decorative xmlns:adec="http://schemas.microsoft.com/office/drawing/2017/decorative" val="1"/>
+              </a:ext>
+            </a:extLst>
+          </p:cNvPr>
+          <p:cNvSpPr/>
+          <p:nvPr>
+            <p:extLst>
+              <p:ext uri="{386F3935-93C4-4BCD-93E2-E3B085C9AB24}">
+                <p16:designElem xmlns:p16="http://schemas.microsoft.com/office/powerpoint/2015/main" val="1"/>
+              </p:ext>
+            </p:extLst>
+          </p:nvPr>
+        </p:nvSpPr>
+        <p:spPr>
+          <a:xfrm>
+            <a:off x="550817" y="659674"/>
+            <a:ext cx="11090365" cy="3030583"/>
+          </a:xfrm>
+          <a:prstGeom prst="roundRect">
+            <a:avLst>
+              <a:gd name="adj" fmla="val 7867"/>
+            </a:avLst>
+          </a:prstGeom>
+          <a:solidFill>
+            <a:srgbClr val="203A47"/>
+          </a:solidFill>
+          <a:ln>
+            <a:noFill/>
+          </a:ln>
+          <a:effectLst>
+            <a:outerShdw blurRad="50800" dist="38100" dir="2700000" algn="tl" rotWithShape="0">
+              <a:prstClr val="black">
+                <a:alpha val="40000"/>
+              </a:prstClr>
+            </a:outerShdw>
+          </a:effectLst>
+        </p:spPr>
+        <p:style>
+          <a:lnRef idx="2">
+            <a:schemeClr val="accent1">
+              <a:shade val="50000"/>
+            </a:schemeClr>
+          </a:lnRef>
+          <a:fillRef idx="1">
+            <a:schemeClr val="accent1"/>
+          </a:fillRef>
+          <a:effectRef idx="0">
+            <a:schemeClr val="accent1"/>
+          </a:effectRef>
+          <a:fontRef idx="minor">
+            <a:schemeClr val="lt1"/>
+          </a:fontRef>
+        </p:style>
+        <p:txBody>
+          <a:bodyPr rtlCol="0" anchor="ctr"/>
+          <a:lstStyle/>
+          <a:p>
+            <a:pPr algn="ctr"/>
+            <a:endParaRPr lang="en-US">
+              <a:solidFill>
+                <a:schemeClr val="bg1"/>
+              </a:solidFill>
+            </a:endParaRPr>
+          </a:p>
+        </p:txBody>
+      </p:sp>
+      <p:sp>
+        <p:nvSpPr>
+          <p:cNvPr id="2" name="Título 1">
+            <a:extLst>
+              <a:ext uri="{FF2B5EF4-FFF2-40B4-BE49-F238E27FC236}">
+                <a16:creationId xmlns:a16="http://schemas.microsoft.com/office/drawing/2014/main" id="{23E89E73-AB01-9ACC-0F1C-2F13C5FBC72F}"/>
+              </a:ext>
+            </a:extLst>
+          </p:cNvPr>
+          <p:cNvSpPr>
+            <a:spLocks noGrp="1"/>
+          </p:cNvSpPr>
+          <p:nvPr>
+            <p:ph type="title"/>
+          </p:nvPr>
+        </p:nvSpPr>
+        <p:spPr>
+          <a:xfrm>
+            <a:off x="5106488" y="767601"/>
+            <a:ext cx="1905000" cy="684848"/>
+          </a:xfrm>
+        </p:spPr>
+        <p:txBody>
+          <a:bodyPr>
+            <a:normAutofit fontScale="90000"/>
+          </a:bodyPr>
+          <a:lstStyle/>
+          <a:p>
+            <a:pPr algn="ctr"/>
+            <a:r>
+              <a:rPr lang="pt-BR" dirty="0">
+                <a:solidFill>
+                  <a:schemeClr val="accent4">
+                    <a:lumMod val="60000"/>
+                    <a:lumOff val="40000"/>
+                  </a:schemeClr>
+                </a:solidFill>
+                <a:effectLst>
+                  <a:outerShdw blurRad="38100" dist="38100" dir="2700000" algn="tl">
+                    <a:srgbClr val="000000">
+                      <a:alpha val="43137"/>
+                    </a:srgbClr>
+                  </a:outerShdw>
+                </a:effectLst>
+                <a:latin typeface="Abadi" panose="020B0604020104020204" pitchFamily="34" charset="0"/>
+              </a:rPr>
+              <a:t>Valores</a:t>
+            </a:r>
+          </a:p>
+        </p:txBody>
+      </p:sp>
+      <p:graphicFrame>
+        <p:nvGraphicFramePr>
+          <p:cNvPr id="6" name="Espaço Reservado para Conteúdo 2">
+            <a:extLst>
+              <a:ext uri="{FF2B5EF4-FFF2-40B4-BE49-F238E27FC236}">
+                <a16:creationId xmlns:a16="http://schemas.microsoft.com/office/drawing/2014/main" id="{B353344C-6B9A-7E37-2E61-6548499E8287}"/>
+              </a:ext>
+            </a:extLst>
+          </p:cNvPr>
+          <p:cNvGraphicFramePr>
+            <a:graphicFrameLocks noGrp="1"/>
+          </p:cNvGraphicFramePr>
+          <p:nvPr>
+            <p:ph idx="1"/>
+            <p:extLst>
+              <p:ext uri="{D42A27DB-BD31-4B8C-83A1-F6EECF244321}">
+                <p14:modId xmlns:p14="http://schemas.microsoft.com/office/powerpoint/2010/main" val="3413859082"/>
+              </p:ext>
+            </p:extLst>
+          </p:nvPr>
+        </p:nvGraphicFramePr>
+        <p:xfrm>
+          <a:off x="801188" y="1623537"/>
+          <a:ext cx="10515600" cy="1947001"/>
+        </p:xfrm>
+        <a:graphic>
+          <a:graphicData uri="http://schemas.openxmlformats.org/drawingml/2006/diagram">
+            <dgm:relIds xmlns:dgm="http://schemas.openxmlformats.org/drawingml/2006/diagram" xmlns:r="http://schemas.openxmlformats.org/officeDocument/2006/relationships" r:dm="rId2" r:lo="rId3" r:qs="rId4" r:cs="rId5"/>
+          </a:graphicData>
+        </a:graphic>
+      </p:graphicFrame>
+      <p:pic>
+        <p:nvPicPr>
+          <p:cNvPr id="5" name="Gráfico 4" descr="Planta de vaso murcha com preenchimento sólido">
+            <a:extLst>
+              <a:ext uri="{FF2B5EF4-FFF2-40B4-BE49-F238E27FC236}">
+                <a16:creationId xmlns:a16="http://schemas.microsoft.com/office/drawing/2014/main" id="{30CB7E56-99A0-1DED-52E7-2A03C56BF744}"/>
+              </a:ext>
+            </a:extLst>
+          </p:cNvPr>
+          <p:cNvPicPr>
+            <a:picLocks noChangeAspect="1"/>
+          </p:cNvPicPr>
+          <p:nvPr/>
+        </p:nvPicPr>
+        <p:blipFill>
+          <a:blip r:embed="rId7">
+            <a:extLst>
+              <a:ext uri="{96DAC541-7B7A-43D3-8B79-37D633B846F1}">
+                <asvg:svgBlip xmlns:asvg="http://schemas.microsoft.com/office/drawing/2016/SVG/main" r:embed="rId8"/>
+              </a:ext>
+            </a:extLst>
+          </a:blip>
+          <a:stretch>
+            <a:fillRect/>
+          </a:stretch>
+        </p:blipFill>
+        <p:spPr>
+          <a:xfrm>
+            <a:off x="1387063" y="4123144"/>
+            <a:ext cx="1800275" cy="1800275"/>
+          </a:xfrm>
+          <a:prstGeom prst="rect">
+            <a:avLst/>
+          </a:prstGeom>
+          <a:effectLst>
+            <a:outerShdw blurRad="63500" sx="102000" sy="102000" algn="ctr" rotWithShape="0">
+              <a:prstClr val="black">
+                <a:alpha val="40000"/>
+              </a:prstClr>
+            </a:outerShdw>
+          </a:effectLst>
+        </p:spPr>
+      </p:pic>
+      <p:pic>
+        <p:nvPicPr>
+          <p:cNvPr id="10" name="Gráfico 9" descr="Adicionar estrutura de tópicos">
+            <a:extLst>
+              <a:ext uri="{FF2B5EF4-FFF2-40B4-BE49-F238E27FC236}">
+                <a16:creationId xmlns:a16="http://schemas.microsoft.com/office/drawing/2014/main" id="{2A5A190E-8231-26D5-94A6-E473E3812BDB}"/>
+              </a:ext>
+            </a:extLst>
+          </p:cNvPr>
+          <p:cNvPicPr>
+            <a:picLocks noChangeAspect="1"/>
+          </p:cNvPicPr>
+          <p:nvPr/>
+        </p:nvPicPr>
+        <p:blipFill>
+          <a:blip r:embed="rId9">
+            <a:extLst>
+              <a:ext uri="{96DAC541-7B7A-43D3-8B79-37D633B846F1}">
+                <asvg:svgBlip xmlns:asvg="http://schemas.microsoft.com/office/drawing/2016/SVG/main" r:embed="rId10"/>
+              </a:ext>
+            </a:extLst>
+          </a:blip>
+          <a:stretch>
+            <a:fillRect/>
+          </a:stretch>
+        </p:blipFill>
+        <p:spPr>
+          <a:xfrm>
+            <a:off x="9004663" y="4123144"/>
+            <a:ext cx="1800275" cy="1800275"/>
+          </a:xfrm>
+          <a:prstGeom prst="rect">
+            <a:avLst/>
+          </a:prstGeom>
+          <a:effectLst>
+            <a:outerShdw blurRad="63500" sx="102000" sy="102000" algn="ctr" rotWithShape="0">
+              <a:prstClr val="black">
+                <a:alpha val="40000"/>
+              </a:prstClr>
+            </a:outerShdw>
+          </a:effectLst>
+        </p:spPr>
+      </p:pic>
+      <p:pic>
+        <p:nvPicPr>
+          <p:cNvPr id="12" name="Imagem 11" descr="Forma&#10;&#10;Descrição gerada automaticamente com confiança baixa">
+            <a:extLst>
+              <a:ext uri="{FF2B5EF4-FFF2-40B4-BE49-F238E27FC236}">
+                <a16:creationId xmlns:a16="http://schemas.microsoft.com/office/drawing/2014/main" id="{5BE45343-B164-0827-D0A9-AE386C0B9AC3}"/>
+              </a:ext>
+            </a:extLst>
+          </p:cNvPr>
+          <p:cNvPicPr>
+            <a:picLocks noChangeAspect="1"/>
+          </p:cNvPicPr>
+          <p:nvPr/>
+        </p:nvPicPr>
+        <p:blipFill>
+          <a:blip r:embed="rId11"/>
+          <a:stretch>
+            <a:fillRect/>
+          </a:stretch>
+        </p:blipFill>
+        <p:spPr>
+          <a:xfrm>
+            <a:off x="5376704" y="4379096"/>
+            <a:ext cx="1438592" cy="1438592"/>
+          </a:xfrm>
+          <a:prstGeom prst="rect">
+            <a:avLst/>
+          </a:prstGeom>
+          <a:effectLst>
+            <a:outerShdw blurRad="63500" sx="102000" sy="102000" algn="ctr" rotWithShape="0">
+              <a:prstClr val="black">
+                <a:alpha val="40000"/>
+              </a:prstClr>
+            </a:outerShdw>
+          </a:effectLst>
+        </p:spPr>
+      </p:pic>
+      <p:pic>
+        <p:nvPicPr>
+          <p:cNvPr id="14" name="Imagem 13" descr="Foto preta e branca da lua&#10;&#10;Descrição gerada automaticamente com confiança média">
+            <a:extLst>
+              <a:ext uri="{FF2B5EF4-FFF2-40B4-BE49-F238E27FC236}">
+                <a16:creationId xmlns:a16="http://schemas.microsoft.com/office/drawing/2014/main" id="{AF855536-393F-071B-6F6E-5790B8D938A7}"/>
+              </a:ext>
+            </a:extLst>
+          </p:cNvPr>
+          <p:cNvPicPr>
+            <a:picLocks noChangeAspect="1"/>
+          </p:cNvPicPr>
+          <p:nvPr/>
+        </p:nvPicPr>
+        <p:blipFill>
+          <a:blip r:embed="rId12">
+            <a:alphaModFix amt="35000"/>
+          </a:blip>
+          <a:stretch>
+            <a:fillRect/>
+          </a:stretch>
+        </p:blipFill>
+        <p:spPr>
+          <a:xfrm>
+            <a:off x="11353800" y="6176963"/>
+            <a:ext cx="451561" cy="451561"/>
+          </a:xfrm>
+          <a:prstGeom prst="rect">
+            <a:avLst/>
+          </a:prstGeom>
+          <a:effectLst>
+            <a:outerShdw blurRad="63500" sx="102000" sy="102000" algn="ctr" rotWithShape="0">
+              <a:prstClr val="black">
+                <a:alpha val="40000"/>
+              </a:prstClr>
+            </a:outerShdw>
+          </a:effectLst>
+        </p:spPr>
+      </p:pic>
+    </p:spTree>
+    <p:extLst>
+      <p:ext uri="{BB962C8B-B14F-4D97-AF65-F5344CB8AC3E}">
+        <p14:creationId xmlns:p14="http://schemas.microsoft.com/office/powerpoint/2010/main" val="293995902"/>
+      </p:ext>
+    </p:extLst>
+  </p:cSld>
+  <p:clrMapOvr>
+    <a:masterClrMapping/>
+  </p:clrMapOvr>
+  <mc:AlternateContent xmlns:mc="http://schemas.openxmlformats.org/markup-compatibility/2006" xmlns:p159="http://schemas.microsoft.com/office/powerpoint/2015/09/main">
+    <mc:Choice Requires="p159">
+      <p:transition xmlns:p14="http://schemas.microsoft.com/office/powerpoint/2010/main" spd="slow" p14:dur="2000">
+        <p159:morph option="byObject"/>
+      </p:transition>
+    </mc:Choice>
+    <mc:Fallback xmlns="">
+      <p:transition spd="slow">
+        <p:fade/>
+      </p:transition>
+    </mc:Fallback>
+  </mc:AlternateContent>
+  <p:timing>
+    <p:tnLst>
+      <p:par>
+        <p:cTn id="1" dur="indefinite" restart="never" nodeType="tmRoot">
+          <p:childTnLst>
+            <p:seq concurrent="1" nextAc="seek">
+              <p:cTn id="2" dur="indefinite" nodeType="mainSeq">
+                <p:childTnLst>
+                  <p:par>
+                    <p:cTn id="3" fill="hold">
+                      <p:stCondLst>
+                        <p:cond delay="indefinite"/>
+                        <p:cond evt="onBegin" delay="0">
+                          <p:tn val="2"/>
+                        </p:cond>
+                      </p:stCondLst>
+                      <p:childTnLst>
+                        <p:par>
+                          <p:cTn id="4" fill="hold">
+                            <p:stCondLst>
+                              <p:cond delay="0"/>
+                            </p:stCondLst>
+                            <p:childTnLst>
+                              <p:par>
+                                <p:cTn id="5" presetID="42" presetClass="entr" presetSubtype="0" fill="hold" grpId="0" nodeType="afterEffect">
+                                  <p:stCondLst>
+                                    <p:cond delay="0"/>
+                                  </p:stCondLst>
+                                  <p:childTnLst>
+                                    <p:set>
+                                      <p:cBhvr>
+                                        <p:cTn id="6" dur="1" fill="hold">
+                                          <p:stCondLst>
+                                            <p:cond delay="0"/>
+                                          </p:stCondLst>
+                                        </p:cTn>
+                                        <p:tgtEl>
+                                          <p:spTgt spid="2"/>
+                                        </p:tgtEl>
+                                        <p:attrNameLst>
+                                          <p:attrName>style.visibility</p:attrName>
+                                        </p:attrNameLst>
+                                      </p:cBhvr>
+                                      <p:to>
+                                        <p:strVal val="visible"/>
+                                      </p:to>
+                                    </p:set>
+                                    <p:animEffect transition="in" filter="fade">
+                                      <p:cBhvr>
+                                        <p:cTn id="7" dur="300"/>
+                                        <p:tgtEl>
+                                          <p:spTgt spid="2"/>
+                                        </p:tgtEl>
+                                      </p:cBhvr>
+                                    </p:animEffect>
+                                    <p:anim calcmode="lin" valueType="num">
+                                      <p:cBhvr>
+                                        <p:cTn id="8" dur="300" fill="hold"/>
+                                        <p:tgtEl>
+                                          <p:spTgt spid="2"/>
+                                        </p:tgtEl>
+                                        <p:attrNameLst>
+                                          <p:attrName>ppt_x</p:attrName>
+                                        </p:attrNameLst>
+                                      </p:cBhvr>
+                                      <p:tavLst>
+                                        <p:tav tm="0">
+                                          <p:val>
+                                            <p:strVal val="#ppt_x"/>
+                                          </p:val>
+                                        </p:tav>
+                                        <p:tav tm="100000">
+                                          <p:val>
+                                            <p:strVal val="#ppt_x"/>
+                                          </p:val>
+                                        </p:tav>
+                                      </p:tavLst>
+                                    </p:anim>
+                                    <p:anim calcmode="lin" valueType="num">
+                                      <p:cBhvr>
+                                        <p:cTn id="9" dur="300" fill="hold"/>
+                                        <p:tgtEl>
+                                          <p:spTgt spid="2"/>
+                                        </p:tgtEl>
+                                        <p:attrNameLst>
+                                          <p:attrName>ppt_y</p:attrName>
+                                        </p:attrNameLst>
+                                      </p:cBhvr>
+                                      <p:tavLst>
+                                        <p:tav tm="0">
+                                          <p:val>
+                                            <p:strVal val="#ppt_y+.1"/>
+                                          </p:val>
+                                        </p:tav>
+                                        <p:tav tm="100000">
+                                          <p:val>
+                                            <p:strVal val="#ppt_y"/>
+                                          </p:val>
+                                        </p:tav>
+                                      </p:tavLst>
+                                    </p:anim>
+                                  </p:childTnLst>
+                                </p:cTn>
+                              </p:par>
+                            </p:childTnLst>
+                          </p:cTn>
+                        </p:par>
+                        <p:par>
+                          <p:cTn id="10" fill="hold">
+                            <p:stCondLst>
+                              <p:cond delay="300"/>
+                            </p:stCondLst>
+                            <p:childTnLst>
+                              <p:par>
+                                <p:cTn id="11" presetID="42" presetClass="entr" presetSubtype="0" fill="hold" grpId="0" nodeType="afterEffect">
+                                  <p:stCondLst>
+                                    <p:cond delay="0"/>
+                                  </p:stCondLst>
+                                  <p:childTnLst>
+                                    <p:set>
+                                      <p:cBhvr>
+                                        <p:cTn id="12" dur="1" fill="hold">
+                                          <p:stCondLst>
+                                            <p:cond delay="0"/>
+                                          </p:stCondLst>
+                                        </p:cTn>
+                                        <p:tgtEl>
+                                          <p:spTgt spid="6">
+                                            <p:graphicEl>
+                                              <a:dgm id="{530286A4-BF58-DF49-82AA-916C1A1EDF52}"/>
+                                            </p:graphicEl>
+                                          </p:spTgt>
+                                        </p:tgtEl>
+                                        <p:attrNameLst>
+                                          <p:attrName>style.visibility</p:attrName>
+                                        </p:attrNameLst>
+                                      </p:cBhvr>
+                                      <p:to>
+                                        <p:strVal val="visible"/>
+                                      </p:to>
+                                    </p:set>
+                                    <p:animEffect transition="in" filter="fade">
+                                      <p:cBhvr>
+                                        <p:cTn id="13" dur="300"/>
+                                        <p:tgtEl>
+                                          <p:spTgt spid="6">
+                                            <p:graphicEl>
+                                              <a:dgm id="{530286A4-BF58-DF49-82AA-916C1A1EDF52}"/>
+                                            </p:graphicEl>
+                                          </p:spTgt>
+                                        </p:tgtEl>
+                                      </p:cBhvr>
+                                    </p:animEffect>
+                                    <p:anim calcmode="lin" valueType="num">
+                                      <p:cBhvr>
+                                        <p:cTn id="14" dur="300" fill="hold"/>
+                                        <p:tgtEl>
+                                          <p:spTgt spid="6">
+                                            <p:graphicEl>
+                                              <a:dgm id="{530286A4-BF58-DF49-82AA-916C1A1EDF52}"/>
+                                            </p:graphicEl>
+                                          </p:spTgt>
+                                        </p:tgtEl>
+                                        <p:attrNameLst>
+                                          <p:attrName>ppt_x</p:attrName>
+                                        </p:attrNameLst>
+                                      </p:cBhvr>
+                                      <p:tavLst>
+                                        <p:tav tm="0">
+                                          <p:val>
+                                            <p:strVal val="#ppt_x"/>
+                                          </p:val>
+                                        </p:tav>
+                                        <p:tav tm="100000">
+                                          <p:val>
+                                            <p:strVal val="#ppt_x"/>
+                                          </p:val>
+                                        </p:tav>
+                                      </p:tavLst>
+                                    </p:anim>
+                                    <p:anim calcmode="lin" valueType="num">
+                                      <p:cBhvr>
+                                        <p:cTn id="15" dur="300" fill="hold"/>
+                                        <p:tgtEl>
+                                          <p:spTgt spid="6">
+                                            <p:graphicEl>
+                                              <a:dgm id="{530286A4-BF58-DF49-82AA-916C1A1EDF52}"/>
+                                            </p:graphicEl>
+                                          </p:spTgt>
+                                        </p:tgtEl>
+                                        <p:attrNameLst>
+                                          <p:attrName>ppt_y</p:attrName>
+                                        </p:attrNameLst>
+                                      </p:cBhvr>
+                                      <p:tavLst>
+                                        <p:tav tm="0">
+                                          <p:val>
+                                            <p:strVal val="#ppt_y+.1"/>
+                                          </p:val>
+                                        </p:tav>
+                                        <p:tav tm="100000">
+                                          <p:val>
+                                            <p:strVal val="#ppt_y"/>
+                                          </p:val>
+                                        </p:tav>
+                                      </p:tavLst>
+                                    </p:anim>
+                                  </p:childTnLst>
+                                </p:cTn>
+                              </p:par>
+                            </p:childTnLst>
+                          </p:cTn>
+                        </p:par>
+                        <p:par>
+                          <p:cTn id="16" fill="hold">
+                            <p:stCondLst>
+                              <p:cond delay="600"/>
+                            </p:stCondLst>
+                            <p:childTnLst>
+                              <p:par>
+                                <p:cTn id="17" presetID="42" presetClass="entr" presetSubtype="0" fill="hold" grpId="0" nodeType="afterEffect">
+                                  <p:stCondLst>
+                                    <p:cond delay="0"/>
+                                  </p:stCondLst>
+                                  <p:childTnLst>
+                                    <p:set>
+                                      <p:cBhvr>
+                                        <p:cTn id="18" dur="1" fill="hold">
+                                          <p:stCondLst>
+                                            <p:cond delay="0"/>
+                                          </p:stCondLst>
+                                        </p:cTn>
+                                        <p:tgtEl>
+                                          <p:spTgt spid="6">
+                                            <p:graphicEl>
+                                              <a:dgm id="{BC172D1A-565B-0B45-B507-A4DE9196BB2A}"/>
+                                            </p:graphicEl>
+                                          </p:spTgt>
+                                        </p:tgtEl>
+                                        <p:attrNameLst>
+                                          <p:attrName>style.visibility</p:attrName>
+                                        </p:attrNameLst>
+                                      </p:cBhvr>
+                                      <p:to>
+                                        <p:strVal val="visible"/>
+                                      </p:to>
+                                    </p:set>
+                                    <p:animEffect transition="in" filter="fade">
+                                      <p:cBhvr>
+                                        <p:cTn id="19" dur="300"/>
+                                        <p:tgtEl>
+                                          <p:spTgt spid="6">
+                                            <p:graphicEl>
+                                              <a:dgm id="{BC172D1A-565B-0B45-B507-A4DE9196BB2A}"/>
+                                            </p:graphicEl>
+                                          </p:spTgt>
+                                        </p:tgtEl>
+                                      </p:cBhvr>
+                                    </p:animEffect>
+                                    <p:anim calcmode="lin" valueType="num">
+                                      <p:cBhvr>
+                                        <p:cTn id="20" dur="300" fill="hold"/>
+                                        <p:tgtEl>
+                                          <p:spTgt spid="6">
+                                            <p:graphicEl>
+                                              <a:dgm id="{BC172D1A-565B-0B45-B507-A4DE9196BB2A}"/>
+                                            </p:graphicEl>
+                                          </p:spTgt>
+                                        </p:tgtEl>
+                                        <p:attrNameLst>
+                                          <p:attrName>ppt_x</p:attrName>
+                                        </p:attrNameLst>
+                                      </p:cBhvr>
+                                      <p:tavLst>
+                                        <p:tav tm="0">
+                                          <p:val>
+                                            <p:strVal val="#ppt_x"/>
+                                          </p:val>
+                                        </p:tav>
+                                        <p:tav tm="100000">
+                                          <p:val>
+                                            <p:strVal val="#ppt_x"/>
+                                          </p:val>
+                                        </p:tav>
+                                      </p:tavLst>
+                                    </p:anim>
+                                    <p:anim calcmode="lin" valueType="num">
+                                      <p:cBhvr>
+                                        <p:cTn id="21" dur="300" fill="hold"/>
+                                        <p:tgtEl>
+                                          <p:spTgt spid="6">
+                                            <p:graphicEl>
+                                              <a:dgm id="{BC172D1A-565B-0B45-B507-A4DE9196BB2A}"/>
+                                            </p:graphicEl>
+                                          </p:spTgt>
+                                        </p:tgtEl>
+                                        <p:attrNameLst>
+                                          <p:attrName>ppt_y</p:attrName>
+                                        </p:attrNameLst>
+                                      </p:cBhvr>
+                                      <p:tavLst>
+                                        <p:tav tm="0">
+                                          <p:val>
+                                            <p:strVal val="#ppt_y+.1"/>
+                                          </p:val>
+                                        </p:tav>
+                                        <p:tav tm="100000">
+                                          <p:val>
+                                            <p:strVal val="#ppt_y"/>
+                                          </p:val>
+                                        </p:tav>
+                                      </p:tavLst>
+                                    </p:anim>
+                                  </p:childTnLst>
+                                </p:cTn>
+                              </p:par>
+                            </p:childTnLst>
+                          </p:cTn>
+                        </p:par>
+                        <p:par>
+                          <p:cTn id="22" fill="hold">
+                            <p:stCondLst>
+                              <p:cond delay="900"/>
+                            </p:stCondLst>
+                            <p:childTnLst>
+                              <p:par>
+                                <p:cTn id="23" presetID="42" presetClass="entr" presetSubtype="0" fill="hold" grpId="0" nodeType="afterEffect">
+                                  <p:stCondLst>
+                                    <p:cond delay="0"/>
+                                  </p:stCondLst>
+                                  <p:childTnLst>
+                                    <p:set>
+                                      <p:cBhvr>
+                                        <p:cTn id="24" dur="1" fill="hold">
+                                          <p:stCondLst>
+                                            <p:cond delay="0"/>
+                                          </p:stCondLst>
+                                        </p:cTn>
+                                        <p:tgtEl>
+                                          <p:spTgt spid="6">
+                                            <p:graphicEl>
+                                              <a:dgm id="{394851C5-05A6-6441-9E67-86AD6FDDB1A4}"/>
+                                            </p:graphicEl>
+                                          </p:spTgt>
+                                        </p:tgtEl>
+                                        <p:attrNameLst>
+                                          <p:attrName>style.visibility</p:attrName>
+                                        </p:attrNameLst>
+                                      </p:cBhvr>
+                                      <p:to>
+                                        <p:strVal val="visible"/>
+                                      </p:to>
+                                    </p:set>
+                                    <p:animEffect transition="in" filter="fade">
+                                      <p:cBhvr>
+                                        <p:cTn id="25" dur="300"/>
+                                        <p:tgtEl>
+                                          <p:spTgt spid="6">
+                                            <p:graphicEl>
+                                              <a:dgm id="{394851C5-05A6-6441-9E67-86AD6FDDB1A4}"/>
+                                            </p:graphicEl>
+                                          </p:spTgt>
+                                        </p:tgtEl>
+                                      </p:cBhvr>
+                                    </p:animEffect>
+                                    <p:anim calcmode="lin" valueType="num">
+                                      <p:cBhvr>
+                                        <p:cTn id="26" dur="300" fill="hold"/>
+                                        <p:tgtEl>
+                                          <p:spTgt spid="6">
+                                            <p:graphicEl>
+                                              <a:dgm id="{394851C5-05A6-6441-9E67-86AD6FDDB1A4}"/>
+                                            </p:graphicEl>
+                                          </p:spTgt>
+                                        </p:tgtEl>
+                                        <p:attrNameLst>
+                                          <p:attrName>ppt_x</p:attrName>
+                                        </p:attrNameLst>
+                                      </p:cBhvr>
+                                      <p:tavLst>
+                                        <p:tav tm="0">
+                                          <p:val>
+                                            <p:strVal val="#ppt_x"/>
+                                          </p:val>
+                                        </p:tav>
+                                        <p:tav tm="100000">
+                                          <p:val>
+                                            <p:strVal val="#ppt_x"/>
+                                          </p:val>
+                                        </p:tav>
+                                      </p:tavLst>
+                                    </p:anim>
+                                    <p:anim calcmode="lin" valueType="num">
+                                      <p:cBhvr>
+                                        <p:cTn id="27" dur="300" fill="hold"/>
+                                        <p:tgtEl>
+                                          <p:spTgt spid="6">
+                                            <p:graphicEl>
+                                              <a:dgm id="{394851C5-05A6-6441-9E67-86AD6FDDB1A4}"/>
+                                            </p:graphicEl>
+                                          </p:spTgt>
+                                        </p:tgtEl>
+                                        <p:attrNameLst>
+                                          <p:attrName>ppt_y</p:attrName>
+                                        </p:attrNameLst>
+                                      </p:cBhvr>
+                                      <p:tavLst>
+                                        <p:tav tm="0">
+                                          <p:val>
+                                            <p:strVal val="#ppt_y+.1"/>
+                                          </p:val>
+                                        </p:tav>
+                                        <p:tav tm="100000">
+                                          <p:val>
+                                            <p:strVal val="#ppt_y"/>
+                                          </p:val>
+                                        </p:tav>
+                                      </p:tavLst>
+                                    </p:anim>
+                                  </p:childTnLst>
+                                </p:cTn>
+                              </p:par>
+                              <p:par>
+                                <p:cTn id="28" presetID="10" presetClass="entr" presetSubtype="0" fill="hold" nodeType="withEffect">
+                                  <p:stCondLst>
+                                    <p:cond delay="0"/>
+                                  </p:stCondLst>
+                                  <p:childTnLst>
+                                    <p:set>
+                                      <p:cBhvr>
+                                        <p:cTn id="29" dur="1" fill="hold">
+                                          <p:stCondLst>
+                                            <p:cond delay="0"/>
+                                          </p:stCondLst>
+                                        </p:cTn>
+                                        <p:tgtEl>
+                                          <p:spTgt spid="5"/>
+                                        </p:tgtEl>
+                                        <p:attrNameLst>
+                                          <p:attrName>style.visibility</p:attrName>
+                                        </p:attrNameLst>
+                                      </p:cBhvr>
+                                      <p:to>
+                                        <p:strVal val="visible"/>
+                                      </p:to>
+                                    </p:set>
+                                    <p:animEffect transition="in" filter="fade">
+                                      <p:cBhvr>
+                                        <p:cTn id="30" dur="500"/>
+                                        <p:tgtEl>
+                                          <p:spTgt spid="5"/>
+                                        </p:tgtEl>
+                                      </p:cBhvr>
+                                    </p:animEffect>
+                                  </p:childTnLst>
+                                </p:cTn>
+                              </p:par>
+                            </p:childTnLst>
+                          </p:cTn>
+                        </p:par>
+                        <p:par>
+                          <p:cTn id="31" fill="hold">
+                            <p:stCondLst>
+                              <p:cond delay="1400"/>
+                            </p:stCondLst>
+                            <p:childTnLst>
+                              <p:par>
+                                <p:cTn id="32" presetID="10" presetClass="entr" presetSubtype="0" fill="hold" nodeType="afterEffect">
+                                  <p:stCondLst>
+                                    <p:cond delay="0"/>
+                                  </p:stCondLst>
+                                  <p:childTnLst>
+                                    <p:set>
+                                      <p:cBhvr>
+                                        <p:cTn id="33" dur="1" fill="hold">
+                                          <p:stCondLst>
+                                            <p:cond delay="0"/>
+                                          </p:stCondLst>
+                                        </p:cTn>
+                                        <p:tgtEl>
+                                          <p:spTgt spid="12"/>
+                                        </p:tgtEl>
+                                        <p:attrNameLst>
+                                          <p:attrName>style.visibility</p:attrName>
+                                        </p:attrNameLst>
+                                      </p:cBhvr>
+                                      <p:to>
+                                        <p:strVal val="visible"/>
+                                      </p:to>
+                                    </p:set>
+                                    <p:animEffect transition="in" filter="fade">
+                                      <p:cBhvr>
+                                        <p:cTn id="34" dur="500"/>
+                                        <p:tgtEl>
+                                          <p:spTgt spid="12"/>
+                                        </p:tgtEl>
+                                      </p:cBhvr>
+                                    </p:animEffect>
+                                  </p:childTnLst>
+                                </p:cTn>
+                              </p:par>
+                            </p:childTnLst>
+                          </p:cTn>
+                        </p:par>
+                        <p:par>
+                          <p:cTn id="35" fill="hold">
+                            <p:stCondLst>
+                              <p:cond delay="1900"/>
+                            </p:stCondLst>
+                            <p:childTnLst>
+                              <p:par>
+                                <p:cTn id="36" presetID="10" presetClass="entr" presetSubtype="0" fill="hold" nodeType="afterEffect">
+                                  <p:stCondLst>
+                                    <p:cond delay="0"/>
+                                  </p:stCondLst>
+                                  <p:childTnLst>
+                                    <p:set>
+                                      <p:cBhvr>
+                                        <p:cTn id="37" dur="1" fill="hold">
+                                          <p:stCondLst>
+                                            <p:cond delay="0"/>
+                                          </p:stCondLst>
+                                        </p:cTn>
+                                        <p:tgtEl>
+                                          <p:spTgt spid="10"/>
+                                        </p:tgtEl>
+                                        <p:attrNameLst>
+                                          <p:attrName>style.visibility</p:attrName>
+                                        </p:attrNameLst>
+                                      </p:cBhvr>
+                                      <p:to>
+                                        <p:strVal val="visible"/>
+                                      </p:to>
+                                    </p:set>
+                                    <p:animEffect transition="in" filter="fade">
+                                      <p:cBhvr>
+                                        <p:cTn id="38" dur="500"/>
+                                        <p:tgtEl>
+                                          <p:spTgt spid="10"/>
+                                        </p:tgtEl>
+                                      </p:cBhvr>
+                                    </p:animEffect>
+                                  </p:childTnLst>
+                                </p:cTn>
+                              </p:par>
+                            </p:childTnLst>
+                          </p:cTn>
+                        </p:par>
+                      </p:childTnLst>
+                    </p:cTn>
+                  </p:par>
+                </p:childTnLst>
+              </p:cTn>
+              <p:prevCondLst>
+                <p:cond evt="onPrev" delay="0">
+                  <p:tgtEl>
+                    <p:sldTgt/>
+                  </p:tgtEl>
+                </p:cond>
+              </p:prevCondLst>
+              <p:nextCondLst>
+                <p:cond evt="onNext" delay="0">
+                  <p:tgtEl>
+                    <p:sldTgt/>
+                  </p:tgtEl>
+                </p:cond>
+              </p:nextCondLst>
+            </p:seq>
+          </p:childTnLst>
+        </p:cTn>
+      </p:par>
+    </p:tnLst>
+    <p:bldLst>
+      <p:bldP spid="2" grpId="0"/>
+      <p:bldGraphic spid="6" grpId="0" uiExpand="1">
+        <p:bldSub>
+          <a:bldDgm bld="one"/>
+        </p:bldSub>
+      </p:bldGraphic>
+    </p:bldLst>
+  </p:timing>
+</p:sld>
+</file>
+
+<file path=ppt/slides/slide5.xml><?xml version="1.0" encoding="utf-8"?>
+<p:sld xmlns:a="http://schemas.openxmlformats.org/drawingml/2006/main" xmlns:r="http://schemas.openxmlformats.org/officeDocument/2006/relationships" xmlns:p="http://schemas.openxmlformats.org/presentationml/2006/main">
+  <p:cSld>
+    <p:spTree>
+      <p:nvGrpSpPr>
+        <p:cNvPr id="1" name=""/>
+        <p:cNvGrpSpPr/>
+        <p:nvPr/>
+      </p:nvGrpSpPr>
+      <p:grpSpPr>
+        <a:xfrm>
+          <a:off x="0" y="0"/>
+          <a:ext cx="0" cy="0"/>
+          <a:chOff x="0" y="0"/>
+          <a:chExt cx="0" cy="0"/>
+        </a:xfrm>
+      </p:grpSpPr>
+      <p:pic>
+        <p:nvPicPr>
+          <p:cNvPr id="12" name="Imagem 11" descr="Logotipo&#10;&#10;Descrição gerada automaticamente">
+            <a:extLst>
+              <a:ext uri="{FF2B5EF4-FFF2-40B4-BE49-F238E27FC236}">
+                <a16:creationId xmlns:a16="http://schemas.microsoft.com/office/drawing/2014/main" id="{7DE3E6AE-3920-E9A8-27C3-1F92A3378191}"/>
+              </a:ext>
+            </a:extLst>
+          </p:cNvPr>
+          <p:cNvPicPr>
+            <a:picLocks noChangeAspect="1"/>
+          </p:cNvPicPr>
+          <p:nvPr/>
+        </p:nvPicPr>
+        <p:blipFill>
+          <a:blip r:embed="rId2"/>
+          <a:stretch>
+            <a:fillRect/>
+          </a:stretch>
+        </p:blipFill>
+        <p:spPr>
+          <a:xfrm>
+            <a:off x="0" y="0"/>
+            <a:ext cx="12192000" cy="6858000"/>
           </a:xfrm>
           <a:prstGeom prst="rect">
             <a:avLst/>
@@ -7059,26 +12205,256 @@
       </p:pic>
       <p:sp>
         <p:nvSpPr>
-          <p:cNvPr id="42" name="Retângulo 41">
+          <p:cNvPr id="10" name="CaixaDeTexto 9">
             <a:extLst>
               <a:ext uri="{FF2B5EF4-FFF2-40B4-BE49-F238E27FC236}">
-                <a16:creationId xmlns:a16="http://schemas.microsoft.com/office/drawing/2014/main" id="{2B3E63C4-4F59-46C7-1DA8-24D1D9E30022}"/>
+                <a16:creationId xmlns:a16="http://schemas.microsoft.com/office/drawing/2014/main" id="{896000C8-0C98-56F4-F08D-6A1FD32514E5}"/>
               </a:ext>
             </a:extLst>
           </p:cNvPr>
-          <p:cNvSpPr/>
+          <p:cNvSpPr txBox="1"/>
           <p:nvPr/>
         </p:nvSpPr>
         <p:spPr>
-          <a:xfrm rot="20112854">
-            <a:off x="6028107" y="-706953"/>
-            <a:ext cx="1789326" cy="8329815"/>
+          <a:xfrm>
+            <a:off x="5041606" y="5150408"/>
+            <a:ext cx="2640330" cy="369332"/>
+          </a:xfrm>
+          <a:prstGeom prst="rect">
+            <a:avLst/>
+          </a:prstGeom>
+          <a:noFill/>
+        </p:spPr>
+        <p:txBody>
+          <a:bodyPr wrap="square" rtlCol="0">
+            <a:spAutoFit/>
+          </a:bodyPr>
+          <a:lstStyle/>
+          <a:p>
+            <a:pPr algn="ctr"/>
+            <a:r>
+              <a:rPr lang="pt-BR" dirty="0">
+                <a:solidFill>
+                  <a:srgbClr val="7030A0"/>
+                </a:solidFill>
+                <a:latin typeface="Abadi" panose="020B0604020104020204" pitchFamily="34" charset="0"/>
+              </a:rPr>
+              <a:t>Apresentação do site</a:t>
+            </a:r>
+          </a:p>
+        </p:txBody>
+      </p:sp>
+    </p:spTree>
+    <p:extLst>
+      <p:ext uri="{BB962C8B-B14F-4D97-AF65-F5344CB8AC3E}">
+        <p14:creationId xmlns:p14="http://schemas.microsoft.com/office/powerpoint/2010/main" val="427631280"/>
+      </p:ext>
+    </p:extLst>
+  </p:cSld>
+  <p:clrMapOvr>
+    <a:masterClrMapping/>
+  </p:clrMapOvr>
+  <p:transition spd="slow">
+    <p:push/>
+  </p:transition>
+  <p:timing>
+    <p:tnLst>
+      <p:par>
+        <p:cTn id="1" dur="indefinite" restart="never" nodeType="tmRoot">
+          <p:childTnLst>
+            <p:seq concurrent="1" nextAc="seek">
+              <p:cTn id="2" dur="indefinite" nodeType="mainSeq">
+                <p:childTnLst>
+                  <p:par>
+                    <p:cTn id="3" fill="hold">
+                      <p:stCondLst>
+                        <p:cond delay="indefinite"/>
+                        <p:cond evt="onBegin" delay="0">
+                          <p:tn val="2"/>
+                        </p:cond>
+                      </p:stCondLst>
+                      <p:childTnLst>
+                        <p:par>
+                          <p:cTn id="4" fill="hold">
+                            <p:stCondLst>
+                              <p:cond delay="0"/>
+                            </p:stCondLst>
+                            <p:childTnLst>
+                              <p:par>
+                                <p:cTn id="5" presetID="42" presetClass="entr" presetSubtype="0" fill="hold" grpId="0" nodeType="afterEffect">
+                                  <p:stCondLst>
+                                    <p:cond delay="0"/>
+                                  </p:stCondLst>
+                                  <p:childTnLst>
+                                    <p:set>
+                                      <p:cBhvr>
+                                        <p:cTn id="6" dur="1" fill="hold">
+                                          <p:stCondLst>
+                                            <p:cond delay="0"/>
+                                          </p:stCondLst>
+                                        </p:cTn>
+                                        <p:tgtEl>
+                                          <p:spTgt spid="10"/>
+                                        </p:tgtEl>
+                                        <p:attrNameLst>
+                                          <p:attrName>style.visibility</p:attrName>
+                                        </p:attrNameLst>
+                                      </p:cBhvr>
+                                      <p:to>
+                                        <p:strVal val="visible"/>
+                                      </p:to>
+                                    </p:set>
+                                    <p:animEffect transition="in" filter="fade">
+                                      <p:cBhvr>
+                                        <p:cTn id="7" dur="1000"/>
+                                        <p:tgtEl>
+                                          <p:spTgt spid="10"/>
+                                        </p:tgtEl>
+                                      </p:cBhvr>
+                                    </p:animEffect>
+                                    <p:anim calcmode="lin" valueType="num">
+                                      <p:cBhvr>
+                                        <p:cTn id="8" dur="1000" fill="hold"/>
+                                        <p:tgtEl>
+                                          <p:spTgt spid="10"/>
+                                        </p:tgtEl>
+                                        <p:attrNameLst>
+                                          <p:attrName>ppt_x</p:attrName>
+                                        </p:attrNameLst>
+                                      </p:cBhvr>
+                                      <p:tavLst>
+                                        <p:tav tm="0">
+                                          <p:val>
+                                            <p:strVal val="#ppt_x"/>
+                                          </p:val>
+                                        </p:tav>
+                                        <p:tav tm="100000">
+                                          <p:val>
+                                            <p:strVal val="#ppt_x"/>
+                                          </p:val>
+                                        </p:tav>
+                                      </p:tavLst>
+                                    </p:anim>
+                                    <p:anim calcmode="lin" valueType="num">
+                                      <p:cBhvr>
+                                        <p:cTn id="9" dur="1000" fill="hold"/>
+                                        <p:tgtEl>
+                                          <p:spTgt spid="10"/>
+                                        </p:tgtEl>
+                                        <p:attrNameLst>
+                                          <p:attrName>ppt_y</p:attrName>
+                                        </p:attrNameLst>
+                                      </p:cBhvr>
+                                      <p:tavLst>
+                                        <p:tav tm="0">
+                                          <p:val>
+                                            <p:strVal val="#ppt_y+.1"/>
+                                          </p:val>
+                                        </p:tav>
+                                        <p:tav tm="100000">
+                                          <p:val>
+                                            <p:strVal val="#ppt_y"/>
+                                          </p:val>
+                                        </p:tav>
+                                      </p:tavLst>
+                                    </p:anim>
+                                  </p:childTnLst>
+                                </p:cTn>
+                              </p:par>
+                            </p:childTnLst>
+                          </p:cTn>
+                        </p:par>
+                      </p:childTnLst>
+                    </p:cTn>
+                  </p:par>
+                </p:childTnLst>
+              </p:cTn>
+              <p:prevCondLst>
+                <p:cond evt="onPrev" delay="0">
+                  <p:tgtEl>
+                    <p:sldTgt/>
+                  </p:tgtEl>
+                </p:cond>
+              </p:prevCondLst>
+              <p:nextCondLst>
+                <p:cond evt="onNext" delay="0">
+                  <p:tgtEl>
+                    <p:sldTgt/>
+                  </p:tgtEl>
+                </p:cond>
+              </p:nextCondLst>
+            </p:seq>
+          </p:childTnLst>
+        </p:cTn>
+      </p:par>
+    </p:tnLst>
+    <p:bldLst>
+      <p:bldP spid="10" grpId="0"/>
+    </p:bldLst>
+  </p:timing>
+</p:sld>
+</file>
+
+<file path=ppt/slides/slide6.xml><?xml version="1.0" encoding="utf-8"?>
+<p:sld xmlns:a="http://schemas.openxmlformats.org/drawingml/2006/main" xmlns:r="http://schemas.openxmlformats.org/officeDocument/2006/relationships" xmlns:p="http://schemas.openxmlformats.org/presentationml/2006/main">
+  <p:cSld>
+    <p:bg>
+      <p:bgPr>
+        <a:solidFill>
+          <a:schemeClr val="bg1"/>
+        </a:solidFill>
+        <a:effectLst/>
+      </p:bgPr>
+    </p:bg>
+    <p:spTree>
+      <p:nvGrpSpPr>
+        <p:cNvPr id="1" name=""/>
+        <p:cNvGrpSpPr/>
+        <p:nvPr/>
+      </p:nvGrpSpPr>
+      <p:grpSpPr>
+        <a:xfrm>
+          <a:off x="0" y="0"/>
+          <a:ext cx="0" cy="0"/>
+          <a:chOff x="0" y="0"/>
+          <a:chExt cx="0" cy="0"/>
+        </a:xfrm>
+      </p:grpSpPr>
+      <p:sp>
+        <p:nvSpPr>
+          <p:cNvPr id="11" name="Rectangle 10">
+            <a:extLst>
+              <a:ext uri="{FF2B5EF4-FFF2-40B4-BE49-F238E27FC236}">
+                <a16:creationId xmlns:a16="http://schemas.microsoft.com/office/drawing/2014/main" id="{B819A166-7571-4003-A6B8-B62034C3ED30}"/>
+              </a:ext>
+              <a:ext uri="{C183D7F6-B498-43B3-948B-1728B52AA6E4}">
+                <adec:decorative xmlns:adec="http://schemas.microsoft.com/office/drawing/2017/decorative" val="1"/>
+              </a:ext>
+            </a:extLst>
+          </p:cNvPr>
+          <p:cNvSpPr>
+            <a:spLocks noChangeAspect="1"/>
+          </p:cNvSpPr>
+          <p:nvPr>
+            <p:extLst>
+              <p:ext uri="{386F3935-93C4-4BCD-93E2-E3B085C9AB24}">
+                <p16:designElem xmlns:p16="http://schemas.microsoft.com/office/powerpoint/2015/main" val="1"/>
+              </p:ext>
+            </p:extLst>
+          </p:nvPr>
+        </p:nvSpPr>
+        <p:spPr>
+          <a:xfrm>
+            <a:off x="-2" y="0"/>
+            <a:ext cx="12192001" cy="6858000"/>
           </a:xfrm>
           <a:prstGeom prst="rect">
             <a:avLst/>
           </a:prstGeom>
           <a:solidFill>
-            <a:schemeClr val="accent1"/>
+            <a:schemeClr val="tx2">
+              <a:lumMod val="75000"/>
+            </a:schemeClr>
           </a:solidFill>
           <a:ln>
             <a:noFill/>
@@ -7105,130 +12481,10 @@
           <a:lstStyle/>
           <a:p>
             <a:pPr algn="ctr"/>
-            <a:endParaRPr lang="pt-BR"/>
+            <a:endParaRPr lang="en-US" dirty="0"/>
           </a:p>
         </p:txBody>
       </p:sp>
-    </p:spTree>
-    <p:extLst>
-      <p:ext uri="{BB962C8B-B14F-4D97-AF65-F5344CB8AC3E}">
-        <p14:creationId xmlns:p14="http://schemas.microsoft.com/office/powerpoint/2010/main" val="2706206195"/>
-      </p:ext>
-    </p:extLst>
-  </p:cSld>
-  <p:clrMapOvr>
-    <a:overrideClrMapping bg1="dk1" tx1="lt1" bg2="dk2" tx2="lt2" accent1="accent1" accent2="accent2" accent3="accent3" accent4="accent4" accent5="accent5" accent6="accent6" hlink="hlink" folHlink="folHlink"/>
-  </p:clrMapOvr>
-</p:sld>
-</file>
-
-<file path=ppt/slides/slide4.xml><?xml version="1.0" encoding="utf-8"?>
-<p:sld xmlns:a="http://schemas.openxmlformats.org/drawingml/2006/main" xmlns:r="http://schemas.openxmlformats.org/officeDocument/2006/relationships" xmlns:p="http://schemas.openxmlformats.org/presentationml/2006/main">
-  <p:cSld>
-    <p:spTree>
-      <p:nvGrpSpPr>
-        <p:cNvPr id="1" name=""/>
-        <p:cNvGrpSpPr/>
-        <p:nvPr/>
-      </p:nvGrpSpPr>
-      <p:grpSpPr>
-        <a:xfrm>
-          <a:off x="0" y="0"/>
-          <a:ext cx="0" cy="0"/>
-          <a:chOff x="0" y="0"/>
-          <a:chExt cx="0" cy="0"/>
-        </a:xfrm>
-      </p:grpSpPr>
-      <p:sp>
-        <p:nvSpPr>
-          <p:cNvPr id="2" name="Título 1">
-            <a:extLst>
-              <a:ext uri="{FF2B5EF4-FFF2-40B4-BE49-F238E27FC236}">
-                <a16:creationId xmlns:a16="http://schemas.microsoft.com/office/drawing/2014/main" id="{23E89E73-AB01-9ACC-0F1C-2F13C5FBC72F}"/>
-              </a:ext>
-            </a:extLst>
-          </p:cNvPr>
-          <p:cNvSpPr>
-            <a:spLocks noGrp="1"/>
-          </p:cNvSpPr>
-          <p:nvPr>
-            <p:ph type="title"/>
-          </p:nvPr>
-        </p:nvSpPr>
-        <p:spPr/>
-        <p:txBody>
-          <a:bodyPr/>
-          <a:lstStyle/>
-          <a:p>
-            <a:r>
-              <a:rPr lang="pt-BR"/>
-              <a:t>Valores</a:t>
-            </a:r>
-            <a:endParaRPr lang="pt-BR" dirty="0"/>
-          </a:p>
-        </p:txBody>
-      </p:sp>
-      <p:graphicFrame>
-        <p:nvGraphicFramePr>
-          <p:cNvPr id="6" name="Espaço Reservado para Conteúdo 2">
-            <a:extLst>
-              <a:ext uri="{FF2B5EF4-FFF2-40B4-BE49-F238E27FC236}">
-                <a16:creationId xmlns:a16="http://schemas.microsoft.com/office/drawing/2014/main" id="{B353344C-6B9A-7E37-2E61-6548499E8287}"/>
-              </a:ext>
-            </a:extLst>
-          </p:cNvPr>
-          <p:cNvGraphicFramePr>
-            <a:graphicFrameLocks noGrp="1"/>
-          </p:cNvGraphicFramePr>
-          <p:nvPr>
-            <p:ph idx="1"/>
-            <p:extLst>
-              <p:ext uri="{D42A27DB-BD31-4B8C-83A1-F6EECF244321}">
-                <p14:modId xmlns:p14="http://schemas.microsoft.com/office/powerpoint/2010/main" val="3769667299"/>
-              </p:ext>
-            </p:extLst>
-          </p:nvPr>
-        </p:nvGraphicFramePr>
-        <p:xfrm>
-          <a:off x="838200" y="1825625"/>
-          <a:ext cx="10515600" cy="4351338"/>
-        </p:xfrm>
-        <a:graphic>
-          <a:graphicData uri="http://schemas.openxmlformats.org/drawingml/2006/diagram">
-            <dgm:relIds xmlns:dgm="http://schemas.openxmlformats.org/drawingml/2006/diagram" xmlns:r="http://schemas.openxmlformats.org/officeDocument/2006/relationships" r:dm="rId2" r:lo="rId3" r:qs="rId4" r:cs="rId5"/>
-          </a:graphicData>
-        </a:graphic>
-      </p:graphicFrame>
-    </p:spTree>
-    <p:extLst>
-      <p:ext uri="{BB962C8B-B14F-4D97-AF65-F5344CB8AC3E}">
-        <p14:creationId xmlns:p14="http://schemas.microsoft.com/office/powerpoint/2010/main" val="293995902"/>
-      </p:ext>
-    </p:extLst>
-  </p:cSld>
-  <p:clrMapOvr>
-    <a:masterClrMapping/>
-  </p:clrMapOvr>
-</p:sld>
-</file>
-
-<file path=ppt/slides/slide5.xml><?xml version="1.0" encoding="utf-8"?>
-<p:sld xmlns:a="http://schemas.openxmlformats.org/drawingml/2006/main" xmlns:r="http://schemas.openxmlformats.org/officeDocument/2006/relationships" xmlns:p="http://schemas.openxmlformats.org/presentationml/2006/main">
-  <p:cSld>
-    <p:spTree>
-      <p:nvGrpSpPr>
-        <p:cNvPr id="1" name=""/>
-        <p:cNvGrpSpPr/>
-        <p:nvPr/>
-      </p:nvGrpSpPr>
-      <p:grpSpPr>
-        <a:xfrm>
-          <a:off x="0" y="0"/>
-          <a:ext cx="0" cy="0"/>
-          <a:chOff x="0" y="0"/>
-          <a:chExt cx="0" cy="0"/>
-        </a:xfrm>
-      </p:grpSpPr>
       <p:sp>
         <p:nvSpPr>
           <p:cNvPr id="2" name="Título 1">
@@ -7245,58 +12501,107 @@
             <p:ph type="title"/>
           </p:nvPr>
         </p:nvSpPr>
-        <p:spPr/>
+        <p:spPr>
+          <a:xfrm>
+            <a:off x="524741" y="620392"/>
+            <a:ext cx="3808268" cy="5504688"/>
+          </a:xfrm>
+        </p:spPr>
         <p:txBody>
-          <a:bodyPr/>
+          <a:bodyPr>
+            <a:normAutofit/>
+          </a:bodyPr>
           <a:lstStyle/>
           <a:p>
             <a:r>
-              <a:rPr lang="pt-BR" dirty="0"/>
+              <a:rPr lang="pt-BR" sz="6000" dirty="0">
+                <a:solidFill>
+                  <a:schemeClr val="bg1"/>
+                </a:solidFill>
+                <a:effectLst>
+                  <a:outerShdw blurRad="50800" dist="38100" dir="2700000" algn="tl" rotWithShape="0">
+                    <a:prstClr val="black">
+                      <a:alpha val="40000"/>
+                    </a:prstClr>
+                  </a:outerShdw>
+                </a:effectLst>
+                <a:latin typeface="Abadi" panose="020B0604020104020204" pitchFamily="34" charset="0"/>
+              </a:rPr>
               <a:t>Maior dificuldade</a:t>
             </a:r>
           </a:p>
         </p:txBody>
       </p:sp>
-      <p:sp>
-        <p:nvSpPr>
-          <p:cNvPr id="3" name="Espaço Reservado para Conteúdo 2">
+      <p:graphicFrame>
+        <p:nvGraphicFramePr>
+          <p:cNvPr id="7" name="Espaço Reservado para Conteúdo 2">
             <a:extLst>
               <a:ext uri="{FF2B5EF4-FFF2-40B4-BE49-F238E27FC236}">
-                <a16:creationId xmlns:a16="http://schemas.microsoft.com/office/drawing/2014/main" id="{E543DD96-6331-46D6-3642-D27C7BEF9E5D}"/>
+                <a16:creationId xmlns:a16="http://schemas.microsoft.com/office/drawing/2014/main" id="{9BF1B1F3-F4A6-4E47-D17F-3B2DED122D23}"/>
               </a:ext>
             </a:extLst>
           </p:cNvPr>
-          <p:cNvSpPr>
-            <a:spLocks noGrp="1"/>
-          </p:cNvSpPr>
+          <p:cNvGraphicFramePr>
+            <a:graphicFrameLocks noGrp="1"/>
+          </p:cNvGraphicFramePr>
           <p:nvPr>
             <p:ph idx="1"/>
+            <p:extLst>
+              <p:ext uri="{D42A27DB-BD31-4B8C-83A1-F6EECF244321}">
+                <p14:modId xmlns:p14="http://schemas.microsoft.com/office/powerpoint/2010/main" val="2258506993"/>
+              </p:ext>
+            </p:extLst>
           </p:nvPr>
-        </p:nvSpPr>
-        <p:spPr/>
-        <p:txBody>
-          <a:bodyPr/>
-          <a:lstStyle/>
-          <a:p>
-            <a:r>
-              <a:rPr lang="pt-BR" dirty="0"/>
-              <a:t>Integrar banco de dados</a:t>
-            </a:r>
-          </a:p>
-          <a:p>
-            <a:r>
-              <a:rPr lang="pt-BR" dirty="0"/>
-              <a:t>Elaborar estrutura do site</a:t>
-            </a:r>
-          </a:p>
-          <a:p>
-            <a:r>
-              <a:rPr lang="pt-BR" dirty="0"/>
-              <a:t>Abdicar de outras atividades para foco apenas no site</a:t>
-            </a:r>
-          </a:p>
-        </p:txBody>
-      </p:sp>
+        </p:nvGraphicFramePr>
+        <p:xfrm>
+          <a:off x="5468389" y="620392"/>
+          <a:ext cx="6263640" cy="5504688"/>
+        </p:xfrm>
+        <a:graphic>
+          <a:graphicData uri="http://schemas.openxmlformats.org/drawingml/2006/diagram">
+            <dgm:relIds xmlns:dgm="http://schemas.openxmlformats.org/drawingml/2006/diagram" xmlns:r="http://schemas.openxmlformats.org/officeDocument/2006/relationships" r:dm="rId2" r:lo="rId3" r:qs="rId4" r:cs="rId5"/>
+          </a:graphicData>
+        </a:graphic>
+      </p:graphicFrame>
+      <p:pic>
+        <p:nvPicPr>
+          <p:cNvPr id="41" name="Imagem 40" descr="Foto preta e branca da lua&#10;&#10;Descrição gerada automaticamente com confiança média">
+            <a:extLst>
+              <a:ext uri="{FF2B5EF4-FFF2-40B4-BE49-F238E27FC236}">
+                <a16:creationId xmlns:a16="http://schemas.microsoft.com/office/drawing/2014/main" id="{AE18E428-1B24-653E-F505-A77B17D7B1EA}"/>
+              </a:ext>
+            </a:extLst>
+          </p:cNvPr>
+          <p:cNvPicPr>
+            <a:picLocks noChangeAspect="1"/>
+          </p:cNvPicPr>
+          <p:nvPr/>
+        </p:nvPicPr>
+        <p:blipFill>
+          <a:blip r:embed="rId7">
+            <a:alphaModFix amt="35000"/>
+          </a:blip>
+          <a:stretch>
+            <a:fillRect/>
+          </a:stretch>
+        </p:blipFill>
+        <p:spPr>
+          <a:xfrm>
+            <a:off x="524741" y="6125080"/>
+            <a:ext cx="451561" cy="451561"/>
+          </a:xfrm>
+          <a:prstGeom prst="rect">
+            <a:avLst/>
+          </a:prstGeom>
+          <a:effectLst>
+            <a:outerShdw blurRad="63500" sx="102000" sy="102000" algn="ctr" rotWithShape="0">
+              <a:prstClr val="black">
+                <a:alpha val="40000"/>
+              </a:prstClr>
+            </a:outerShdw>
+          </a:effectLst>
+        </p:spPr>
+      </p:pic>
     </p:spTree>
     <p:extLst>
       <p:ext uri="{BB962C8B-B14F-4D97-AF65-F5344CB8AC3E}">
@@ -7307,12 +12612,900 @@
   <p:clrMapOvr>
     <a:masterClrMapping/>
   </p:clrMapOvr>
+  <p:transition spd="slow">
+    <p:push dir="u"/>
+  </p:transition>
+  <p:timing>
+    <p:tnLst>
+      <p:par>
+        <p:cTn id="1" dur="indefinite" restart="never" nodeType="tmRoot">
+          <p:childTnLst>
+            <p:seq concurrent="1" nextAc="seek">
+              <p:cTn id="2" dur="indefinite" nodeType="mainSeq">
+                <p:childTnLst>
+                  <p:par>
+                    <p:cTn id="3" fill="hold">
+                      <p:stCondLst>
+                        <p:cond delay="indefinite"/>
+                        <p:cond evt="onBegin" delay="0">
+                          <p:tn val="2"/>
+                        </p:cond>
+                      </p:stCondLst>
+                      <p:childTnLst>
+                        <p:par>
+                          <p:cTn id="4" fill="hold">
+                            <p:stCondLst>
+                              <p:cond delay="0"/>
+                            </p:stCondLst>
+                            <p:childTnLst>
+                              <p:par>
+                                <p:cTn id="5" presetID="10" presetClass="entr" presetSubtype="0" fill="hold" grpId="0" nodeType="afterEffect">
+                                  <p:stCondLst>
+                                    <p:cond delay="0"/>
+                                  </p:stCondLst>
+                                  <p:childTnLst>
+                                    <p:set>
+                                      <p:cBhvr>
+                                        <p:cTn id="6" dur="1" fill="hold">
+                                          <p:stCondLst>
+                                            <p:cond delay="0"/>
+                                          </p:stCondLst>
+                                        </p:cTn>
+                                        <p:tgtEl>
+                                          <p:spTgt spid="2"/>
+                                        </p:tgtEl>
+                                        <p:attrNameLst>
+                                          <p:attrName>style.visibility</p:attrName>
+                                        </p:attrNameLst>
+                                      </p:cBhvr>
+                                      <p:to>
+                                        <p:strVal val="visible"/>
+                                      </p:to>
+                                    </p:set>
+                                    <p:animEffect transition="in" filter="fade">
+                                      <p:cBhvr>
+                                        <p:cTn id="7" dur="500"/>
+                                        <p:tgtEl>
+                                          <p:spTgt spid="2"/>
+                                        </p:tgtEl>
+                                      </p:cBhvr>
+                                    </p:animEffect>
+                                  </p:childTnLst>
+                                </p:cTn>
+                              </p:par>
+                              <p:par>
+                                <p:cTn id="8" presetID="2" presetClass="entr" presetSubtype="2" fill="hold" grpId="0" nodeType="withEffect">
+                                  <p:stCondLst>
+                                    <p:cond delay="0"/>
+                                  </p:stCondLst>
+                                  <p:childTnLst>
+                                    <p:set>
+                                      <p:cBhvr>
+                                        <p:cTn id="9" dur="1" fill="hold">
+                                          <p:stCondLst>
+                                            <p:cond delay="0"/>
+                                          </p:stCondLst>
+                                        </p:cTn>
+                                        <p:tgtEl>
+                                          <p:spTgt spid="7">
+                                            <p:graphicEl>
+                                              <a:dgm id="{E3E5079E-D96A-4CE7-864C-EB0A8F323A36}"/>
+                                            </p:graphicEl>
+                                          </p:spTgt>
+                                        </p:tgtEl>
+                                        <p:attrNameLst>
+                                          <p:attrName>style.visibility</p:attrName>
+                                        </p:attrNameLst>
+                                      </p:cBhvr>
+                                      <p:to>
+                                        <p:strVal val="visible"/>
+                                      </p:to>
+                                    </p:set>
+                                    <p:anim calcmode="lin" valueType="num">
+                                      <p:cBhvr additive="base">
+                                        <p:cTn id="10" dur="500" fill="hold"/>
+                                        <p:tgtEl>
+                                          <p:spTgt spid="7">
+                                            <p:graphicEl>
+                                              <a:dgm id="{E3E5079E-D96A-4CE7-864C-EB0A8F323A36}"/>
+                                            </p:graphicEl>
+                                          </p:spTgt>
+                                        </p:tgtEl>
+                                        <p:attrNameLst>
+                                          <p:attrName>ppt_x</p:attrName>
+                                        </p:attrNameLst>
+                                      </p:cBhvr>
+                                      <p:tavLst>
+                                        <p:tav tm="0">
+                                          <p:val>
+                                            <p:strVal val="1+#ppt_w/2"/>
+                                          </p:val>
+                                        </p:tav>
+                                        <p:tav tm="100000">
+                                          <p:val>
+                                            <p:strVal val="#ppt_x"/>
+                                          </p:val>
+                                        </p:tav>
+                                      </p:tavLst>
+                                    </p:anim>
+                                    <p:anim calcmode="lin" valueType="num">
+                                      <p:cBhvr additive="base">
+                                        <p:cTn id="11" dur="500" fill="hold"/>
+                                        <p:tgtEl>
+                                          <p:spTgt spid="7">
+                                            <p:graphicEl>
+                                              <a:dgm id="{E3E5079E-D96A-4CE7-864C-EB0A8F323A36}"/>
+                                            </p:graphicEl>
+                                          </p:spTgt>
+                                        </p:tgtEl>
+                                        <p:attrNameLst>
+                                          <p:attrName>ppt_y</p:attrName>
+                                        </p:attrNameLst>
+                                      </p:cBhvr>
+                                      <p:tavLst>
+                                        <p:tav tm="0">
+                                          <p:val>
+                                            <p:strVal val="#ppt_y"/>
+                                          </p:val>
+                                        </p:tav>
+                                        <p:tav tm="100000">
+                                          <p:val>
+                                            <p:strVal val="#ppt_y"/>
+                                          </p:val>
+                                        </p:tav>
+                                      </p:tavLst>
+                                    </p:anim>
+                                  </p:childTnLst>
+                                </p:cTn>
+                              </p:par>
+                              <p:par>
+                                <p:cTn id="12" presetID="2" presetClass="entr" presetSubtype="2" fill="hold" grpId="0" nodeType="withEffect">
+                                  <p:stCondLst>
+                                    <p:cond delay="0"/>
+                                  </p:stCondLst>
+                                  <p:childTnLst>
+                                    <p:set>
+                                      <p:cBhvr>
+                                        <p:cTn id="13" dur="1" fill="hold">
+                                          <p:stCondLst>
+                                            <p:cond delay="0"/>
+                                          </p:stCondLst>
+                                        </p:cTn>
+                                        <p:tgtEl>
+                                          <p:spTgt spid="7">
+                                            <p:graphicEl>
+                                              <a:dgm id="{680C9388-DA8E-4047-98A9-4ACF46F2AF44}"/>
+                                            </p:graphicEl>
+                                          </p:spTgt>
+                                        </p:tgtEl>
+                                        <p:attrNameLst>
+                                          <p:attrName>style.visibility</p:attrName>
+                                        </p:attrNameLst>
+                                      </p:cBhvr>
+                                      <p:to>
+                                        <p:strVal val="visible"/>
+                                      </p:to>
+                                    </p:set>
+                                    <p:anim calcmode="lin" valueType="num">
+                                      <p:cBhvr additive="base">
+                                        <p:cTn id="14" dur="500" fill="hold"/>
+                                        <p:tgtEl>
+                                          <p:spTgt spid="7">
+                                            <p:graphicEl>
+                                              <a:dgm id="{680C9388-DA8E-4047-98A9-4ACF46F2AF44}"/>
+                                            </p:graphicEl>
+                                          </p:spTgt>
+                                        </p:tgtEl>
+                                        <p:attrNameLst>
+                                          <p:attrName>ppt_x</p:attrName>
+                                        </p:attrNameLst>
+                                      </p:cBhvr>
+                                      <p:tavLst>
+                                        <p:tav tm="0">
+                                          <p:val>
+                                            <p:strVal val="1+#ppt_w/2"/>
+                                          </p:val>
+                                        </p:tav>
+                                        <p:tav tm="100000">
+                                          <p:val>
+                                            <p:strVal val="#ppt_x"/>
+                                          </p:val>
+                                        </p:tav>
+                                      </p:tavLst>
+                                    </p:anim>
+                                    <p:anim calcmode="lin" valueType="num">
+                                      <p:cBhvr additive="base">
+                                        <p:cTn id="15" dur="500" fill="hold"/>
+                                        <p:tgtEl>
+                                          <p:spTgt spid="7">
+                                            <p:graphicEl>
+                                              <a:dgm id="{680C9388-DA8E-4047-98A9-4ACF46F2AF44}"/>
+                                            </p:graphicEl>
+                                          </p:spTgt>
+                                        </p:tgtEl>
+                                        <p:attrNameLst>
+                                          <p:attrName>ppt_y</p:attrName>
+                                        </p:attrNameLst>
+                                      </p:cBhvr>
+                                      <p:tavLst>
+                                        <p:tav tm="0">
+                                          <p:val>
+                                            <p:strVal val="#ppt_y"/>
+                                          </p:val>
+                                        </p:tav>
+                                        <p:tav tm="100000">
+                                          <p:val>
+                                            <p:strVal val="#ppt_y"/>
+                                          </p:val>
+                                        </p:tav>
+                                      </p:tavLst>
+                                    </p:anim>
+                                  </p:childTnLst>
+                                </p:cTn>
+                              </p:par>
+                              <p:par>
+                                <p:cTn id="16" presetID="2" presetClass="entr" presetSubtype="2" fill="hold" grpId="0" nodeType="withEffect">
+                                  <p:stCondLst>
+                                    <p:cond delay="0"/>
+                                  </p:stCondLst>
+                                  <p:childTnLst>
+                                    <p:set>
+                                      <p:cBhvr>
+                                        <p:cTn id="17" dur="1" fill="hold">
+                                          <p:stCondLst>
+                                            <p:cond delay="0"/>
+                                          </p:stCondLst>
+                                        </p:cTn>
+                                        <p:tgtEl>
+                                          <p:spTgt spid="7">
+                                            <p:graphicEl>
+                                              <a:dgm id="{B6B7424E-6B59-4520-882F-2DB4908F2E78}"/>
+                                            </p:graphicEl>
+                                          </p:spTgt>
+                                        </p:tgtEl>
+                                        <p:attrNameLst>
+                                          <p:attrName>style.visibility</p:attrName>
+                                        </p:attrNameLst>
+                                      </p:cBhvr>
+                                      <p:to>
+                                        <p:strVal val="visible"/>
+                                      </p:to>
+                                    </p:set>
+                                    <p:anim calcmode="lin" valueType="num">
+                                      <p:cBhvr additive="base">
+                                        <p:cTn id="18" dur="500" fill="hold"/>
+                                        <p:tgtEl>
+                                          <p:spTgt spid="7">
+                                            <p:graphicEl>
+                                              <a:dgm id="{B6B7424E-6B59-4520-882F-2DB4908F2E78}"/>
+                                            </p:graphicEl>
+                                          </p:spTgt>
+                                        </p:tgtEl>
+                                        <p:attrNameLst>
+                                          <p:attrName>ppt_x</p:attrName>
+                                        </p:attrNameLst>
+                                      </p:cBhvr>
+                                      <p:tavLst>
+                                        <p:tav tm="0">
+                                          <p:val>
+                                            <p:strVal val="1+#ppt_w/2"/>
+                                          </p:val>
+                                        </p:tav>
+                                        <p:tav tm="100000">
+                                          <p:val>
+                                            <p:strVal val="#ppt_x"/>
+                                          </p:val>
+                                        </p:tav>
+                                      </p:tavLst>
+                                    </p:anim>
+                                    <p:anim calcmode="lin" valueType="num">
+                                      <p:cBhvr additive="base">
+                                        <p:cTn id="19" dur="500" fill="hold"/>
+                                        <p:tgtEl>
+                                          <p:spTgt spid="7">
+                                            <p:graphicEl>
+                                              <a:dgm id="{B6B7424E-6B59-4520-882F-2DB4908F2E78}"/>
+                                            </p:graphicEl>
+                                          </p:spTgt>
+                                        </p:tgtEl>
+                                        <p:attrNameLst>
+                                          <p:attrName>ppt_y</p:attrName>
+                                        </p:attrNameLst>
+                                      </p:cBhvr>
+                                      <p:tavLst>
+                                        <p:tav tm="0">
+                                          <p:val>
+                                            <p:strVal val="#ppt_y"/>
+                                          </p:val>
+                                        </p:tav>
+                                        <p:tav tm="100000">
+                                          <p:val>
+                                            <p:strVal val="#ppt_y"/>
+                                          </p:val>
+                                        </p:tav>
+                                      </p:tavLst>
+                                    </p:anim>
+                                  </p:childTnLst>
+                                </p:cTn>
+                              </p:par>
+                            </p:childTnLst>
+                          </p:cTn>
+                        </p:par>
+                        <p:par>
+                          <p:cTn id="20" fill="hold">
+                            <p:stCondLst>
+                              <p:cond delay="500"/>
+                            </p:stCondLst>
+                            <p:childTnLst>
+                              <p:par>
+                                <p:cTn id="21" presetID="2" presetClass="entr" presetSubtype="2" fill="hold" grpId="0" nodeType="afterEffect">
+                                  <p:stCondLst>
+                                    <p:cond delay="0"/>
+                                  </p:stCondLst>
+                                  <p:childTnLst>
+                                    <p:set>
+                                      <p:cBhvr>
+                                        <p:cTn id="22" dur="1" fill="hold">
+                                          <p:stCondLst>
+                                            <p:cond delay="0"/>
+                                          </p:stCondLst>
+                                        </p:cTn>
+                                        <p:tgtEl>
+                                          <p:spTgt spid="7">
+                                            <p:graphicEl>
+                                              <a:dgm id="{65FDD8BE-50D7-40E7-B8E4-9933C1420802}"/>
+                                            </p:graphicEl>
+                                          </p:spTgt>
+                                        </p:tgtEl>
+                                        <p:attrNameLst>
+                                          <p:attrName>style.visibility</p:attrName>
+                                        </p:attrNameLst>
+                                      </p:cBhvr>
+                                      <p:to>
+                                        <p:strVal val="visible"/>
+                                      </p:to>
+                                    </p:set>
+                                    <p:anim calcmode="lin" valueType="num">
+                                      <p:cBhvr additive="base">
+                                        <p:cTn id="23" dur="500" fill="hold"/>
+                                        <p:tgtEl>
+                                          <p:spTgt spid="7">
+                                            <p:graphicEl>
+                                              <a:dgm id="{65FDD8BE-50D7-40E7-B8E4-9933C1420802}"/>
+                                            </p:graphicEl>
+                                          </p:spTgt>
+                                        </p:tgtEl>
+                                        <p:attrNameLst>
+                                          <p:attrName>ppt_x</p:attrName>
+                                        </p:attrNameLst>
+                                      </p:cBhvr>
+                                      <p:tavLst>
+                                        <p:tav tm="0">
+                                          <p:val>
+                                            <p:strVal val="1+#ppt_w/2"/>
+                                          </p:val>
+                                        </p:tav>
+                                        <p:tav tm="100000">
+                                          <p:val>
+                                            <p:strVal val="#ppt_x"/>
+                                          </p:val>
+                                        </p:tav>
+                                      </p:tavLst>
+                                    </p:anim>
+                                    <p:anim calcmode="lin" valueType="num">
+                                      <p:cBhvr additive="base">
+                                        <p:cTn id="24" dur="500" fill="hold"/>
+                                        <p:tgtEl>
+                                          <p:spTgt spid="7">
+                                            <p:graphicEl>
+                                              <a:dgm id="{65FDD8BE-50D7-40E7-B8E4-9933C1420802}"/>
+                                            </p:graphicEl>
+                                          </p:spTgt>
+                                        </p:tgtEl>
+                                        <p:attrNameLst>
+                                          <p:attrName>ppt_y</p:attrName>
+                                        </p:attrNameLst>
+                                      </p:cBhvr>
+                                      <p:tavLst>
+                                        <p:tav tm="0">
+                                          <p:val>
+                                            <p:strVal val="#ppt_y"/>
+                                          </p:val>
+                                        </p:tav>
+                                        <p:tav tm="100000">
+                                          <p:val>
+                                            <p:strVal val="#ppt_y"/>
+                                          </p:val>
+                                        </p:tav>
+                                      </p:tavLst>
+                                    </p:anim>
+                                  </p:childTnLst>
+                                </p:cTn>
+                              </p:par>
+                              <p:par>
+                                <p:cTn id="25" presetID="2" presetClass="entr" presetSubtype="2" fill="hold" grpId="0" nodeType="withEffect">
+                                  <p:stCondLst>
+                                    <p:cond delay="0"/>
+                                  </p:stCondLst>
+                                  <p:childTnLst>
+                                    <p:set>
+                                      <p:cBhvr>
+                                        <p:cTn id="26" dur="1" fill="hold">
+                                          <p:stCondLst>
+                                            <p:cond delay="0"/>
+                                          </p:stCondLst>
+                                        </p:cTn>
+                                        <p:tgtEl>
+                                          <p:spTgt spid="7">
+                                            <p:graphicEl>
+                                              <a:dgm id="{6314E38E-C313-4A26-83E2-56B1021D65D8}"/>
+                                            </p:graphicEl>
+                                          </p:spTgt>
+                                        </p:tgtEl>
+                                        <p:attrNameLst>
+                                          <p:attrName>style.visibility</p:attrName>
+                                        </p:attrNameLst>
+                                      </p:cBhvr>
+                                      <p:to>
+                                        <p:strVal val="visible"/>
+                                      </p:to>
+                                    </p:set>
+                                    <p:anim calcmode="lin" valueType="num">
+                                      <p:cBhvr additive="base">
+                                        <p:cTn id="27" dur="500" fill="hold"/>
+                                        <p:tgtEl>
+                                          <p:spTgt spid="7">
+                                            <p:graphicEl>
+                                              <a:dgm id="{6314E38E-C313-4A26-83E2-56B1021D65D8}"/>
+                                            </p:graphicEl>
+                                          </p:spTgt>
+                                        </p:tgtEl>
+                                        <p:attrNameLst>
+                                          <p:attrName>ppt_x</p:attrName>
+                                        </p:attrNameLst>
+                                      </p:cBhvr>
+                                      <p:tavLst>
+                                        <p:tav tm="0">
+                                          <p:val>
+                                            <p:strVal val="1+#ppt_w/2"/>
+                                          </p:val>
+                                        </p:tav>
+                                        <p:tav tm="100000">
+                                          <p:val>
+                                            <p:strVal val="#ppt_x"/>
+                                          </p:val>
+                                        </p:tav>
+                                      </p:tavLst>
+                                    </p:anim>
+                                    <p:anim calcmode="lin" valueType="num">
+                                      <p:cBhvr additive="base">
+                                        <p:cTn id="28" dur="500" fill="hold"/>
+                                        <p:tgtEl>
+                                          <p:spTgt spid="7">
+                                            <p:graphicEl>
+                                              <a:dgm id="{6314E38E-C313-4A26-83E2-56B1021D65D8}"/>
+                                            </p:graphicEl>
+                                          </p:spTgt>
+                                        </p:tgtEl>
+                                        <p:attrNameLst>
+                                          <p:attrName>ppt_y</p:attrName>
+                                        </p:attrNameLst>
+                                      </p:cBhvr>
+                                      <p:tavLst>
+                                        <p:tav tm="0">
+                                          <p:val>
+                                            <p:strVal val="#ppt_y"/>
+                                          </p:val>
+                                        </p:tav>
+                                        <p:tav tm="100000">
+                                          <p:val>
+                                            <p:strVal val="#ppt_y"/>
+                                          </p:val>
+                                        </p:tav>
+                                      </p:tavLst>
+                                    </p:anim>
+                                  </p:childTnLst>
+                                </p:cTn>
+                              </p:par>
+                              <p:par>
+                                <p:cTn id="29" presetID="2" presetClass="entr" presetSubtype="2" fill="hold" grpId="0" nodeType="withEffect">
+                                  <p:stCondLst>
+                                    <p:cond delay="0"/>
+                                  </p:stCondLst>
+                                  <p:childTnLst>
+                                    <p:set>
+                                      <p:cBhvr>
+                                        <p:cTn id="30" dur="1" fill="hold">
+                                          <p:stCondLst>
+                                            <p:cond delay="0"/>
+                                          </p:stCondLst>
+                                        </p:cTn>
+                                        <p:tgtEl>
+                                          <p:spTgt spid="7">
+                                            <p:graphicEl>
+                                              <a:dgm id="{5CEC48D7-6710-4354-A1A2-4B3DEF65D7D2}"/>
+                                            </p:graphicEl>
+                                          </p:spTgt>
+                                        </p:tgtEl>
+                                        <p:attrNameLst>
+                                          <p:attrName>style.visibility</p:attrName>
+                                        </p:attrNameLst>
+                                      </p:cBhvr>
+                                      <p:to>
+                                        <p:strVal val="visible"/>
+                                      </p:to>
+                                    </p:set>
+                                    <p:anim calcmode="lin" valueType="num">
+                                      <p:cBhvr additive="base">
+                                        <p:cTn id="31" dur="500" fill="hold"/>
+                                        <p:tgtEl>
+                                          <p:spTgt spid="7">
+                                            <p:graphicEl>
+                                              <a:dgm id="{5CEC48D7-6710-4354-A1A2-4B3DEF65D7D2}"/>
+                                            </p:graphicEl>
+                                          </p:spTgt>
+                                        </p:tgtEl>
+                                        <p:attrNameLst>
+                                          <p:attrName>ppt_x</p:attrName>
+                                        </p:attrNameLst>
+                                      </p:cBhvr>
+                                      <p:tavLst>
+                                        <p:tav tm="0">
+                                          <p:val>
+                                            <p:strVal val="1+#ppt_w/2"/>
+                                          </p:val>
+                                        </p:tav>
+                                        <p:tav tm="100000">
+                                          <p:val>
+                                            <p:strVal val="#ppt_x"/>
+                                          </p:val>
+                                        </p:tav>
+                                      </p:tavLst>
+                                    </p:anim>
+                                    <p:anim calcmode="lin" valueType="num">
+                                      <p:cBhvr additive="base">
+                                        <p:cTn id="32" dur="500" fill="hold"/>
+                                        <p:tgtEl>
+                                          <p:spTgt spid="7">
+                                            <p:graphicEl>
+                                              <a:dgm id="{5CEC48D7-6710-4354-A1A2-4B3DEF65D7D2}"/>
+                                            </p:graphicEl>
+                                          </p:spTgt>
+                                        </p:tgtEl>
+                                        <p:attrNameLst>
+                                          <p:attrName>ppt_y</p:attrName>
+                                        </p:attrNameLst>
+                                      </p:cBhvr>
+                                      <p:tavLst>
+                                        <p:tav tm="0">
+                                          <p:val>
+                                            <p:strVal val="#ppt_y"/>
+                                          </p:val>
+                                        </p:tav>
+                                        <p:tav tm="100000">
+                                          <p:val>
+                                            <p:strVal val="#ppt_y"/>
+                                          </p:val>
+                                        </p:tav>
+                                      </p:tavLst>
+                                    </p:anim>
+                                  </p:childTnLst>
+                                </p:cTn>
+                              </p:par>
+                            </p:childTnLst>
+                          </p:cTn>
+                        </p:par>
+                        <p:par>
+                          <p:cTn id="33" fill="hold">
+                            <p:stCondLst>
+                              <p:cond delay="1000"/>
+                            </p:stCondLst>
+                            <p:childTnLst>
+                              <p:par>
+                                <p:cTn id="34" presetID="2" presetClass="entr" presetSubtype="2" fill="hold" grpId="0" nodeType="afterEffect">
+                                  <p:stCondLst>
+                                    <p:cond delay="0"/>
+                                  </p:stCondLst>
+                                  <p:childTnLst>
+                                    <p:set>
+                                      <p:cBhvr>
+                                        <p:cTn id="35" dur="1" fill="hold">
+                                          <p:stCondLst>
+                                            <p:cond delay="0"/>
+                                          </p:stCondLst>
+                                        </p:cTn>
+                                        <p:tgtEl>
+                                          <p:spTgt spid="7">
+                                            <p:graphicEl>
+                                              <a:dgm id="{E3518167-8024-4849-916B-D54F8ACDFC17}"/>
+                                            </p:graphicEl>
+                                          </p:spTgt>
+                                        </p:tgtEl>
+                                        <p:attrNameLst>
+                                          <p:attrName>style.visibility</p:attrName>
+                                        </p:attrNameLst>
+                                      </p:cBhvr>
+                                      <p:to>
+                                        <p:strVal val="visible"/>
+                                      </p:to>
+                                    </p:set>
+                                    <p:anim calcmode="lin" valueType="num">
+                                      <p:cBhvr additive="base">
+                                        <p:cTn id="36" dur="500" fill="hold"/>
+                                        <p:tgtEl>
+                                          <p:spTgt spid="7">
+                                            <p:graphicEl>
+                                              <a:dgm id="{E3518167-8024-4849-916B-D54F8ACDFC17}"/>
+                                            </p:graphicEl>
+                                          </p:spTgt>
+                                        </p:tgtEl>
+                                        <p:attrNameLst>
+                                          <p:attrName>ppt_x</p:attrName>
+                                        </p:attrNameLst>
+                                      </p:cBhvr>
+                                      <p:tavLst>
+                                        <p:tav tm="0">
+                                          <p:val>
+                                            <p:strVal val="1+#ppt_w/2"/>
+                                          </p:val>
+                                        </p:tav>
+                                        <p:tav tm="100000">
+                                          <p:val>
+                                            <p:strVal val="#ppt_x"/>
+                                          </p:val>
+                                        </p:tav>
+                                      </p:tavLst>
+                                    </p:anim>
+                                    <p:anim calcmode="lin" valueType="num">
+                                      <p:cBhvr additive="base">
+                                        <p:cTn id="37" dur="500" fill="hold"/>
+                                        <p:tgtEl>
+                                          <p:spTgt spid="7">
+                                            <p:graphicEl>
+                                              <a:dgm id="{E3518167-8024-4849-916B-D54F8ACDFC17}"/>
+                                            </p:graphicEl>
+                                          </p:spTgt>
+                                        </p:tgtEl>
+                                        <p:attrNameLst>
+                                          <p:attrName>ppt_y</p:attrName>
+                                        </p:attrNameLst>
+                                      </p:cBhvr>
+                                      <p:tavLst>
+                                        <p:tav tm="0">
+                                          <p:val>
+                                            <p:strVal val="#ppt_y"/>
+                                          </p:val>
+                                        </p:tav>
+                                        <p:tav tm="100000">
+                                          <p:val>
+                                            <p:strVal val="#ppt_y"/>
+                                          </p:val>
+                                        </p:tav>
+                                      </p:tavLst>
+                                    </p:anim>
+                                  </p:childTnLst>
+                                </p:cTn>
+                              </p:par>
+                              <p:par>
+                                <p:cTn id="38" presetID="2" presetClass="entr" presetSubtype="2" fill="hold" grpId="0" nodeType="withEffect">
+                                  <p:stCondLst>
+                                    <p:cond delay="0"/>
+                                  </p:stCondLst>
+                                  <p:childTnLst>
+                                    <p:set>
+                                      <p:cBhvr>
+                                        <p:cTn id="39" dur="1" fill="hold">
+                                          <p:stCondLst>
+                                            <p:cond delay="0"/>
+                                          </p:stCondLst>
+                                        </p:cTn>
+                                        <p:tgtEl>
+                                          <p:spTgt spid="7">
+                                            <p:graphicEl>
+                                              <a:dgm id="{EC8BC9E1-40A9-42D7-AF81-4A9318C9A187}"/>
+                                            </p:graphicEl>
+                                          </p:spTgt>
+                                        </p:tgtEl>
+                                        <p:attrNameLst>
+                                          <p:attrName>style.visibility</p:attrName>
+                                        </p:attrNameLst>
+                                      </p:cBhvr>
+                                      <p:to>
+                                        <p:strVal val="visible"/>
+                                      </p:to>
+                                    </p:set>
+                                    <p:anim calcmode="lin" valueType="num">
+                                      <p:cBhvr additive="base">
+                                        <p:cTn id="40" dur="500" fill="hold"/>
+                                        <p:tgtEl>
+                                          <p:spTgt spid="7">
+                                            <p:graphicEl>
+                                              <a:dgm id="{EC8BC9E1-40A9-42D7-AF81-4A9318C9A187}"/>
+                                            </p:graphicEl>
+                                          </p:spTgt>
+                                        </p:tgtEl>
+                                        <p:attrNameLst>
+                                          <p:attrName>ppt_x</p:attrName>
+                                        </p:attrNameLst>
+                                      </p:cBhvr>
+                                      <p:tavLst>
+                                        <p:tav tm="0">
+                                          <p:val>
+                                            <p:strVal val="1+#ppt_w/2"/>
+                                          </p:val>
+                                        </p:tav>
+                                        <p:tav tm="100000">
+                                          <p:val>
+                                            <p:strVal val="#ppt_x"/>
+                                          </p:val>
+                                        </p:tav>
+                                      </p:tavLst>
+                                    </p:anim>
+                                    <p:anim calcmode="lin" valueType="num">
+                                      <p:cBhvr additive="base">
+                                        <p:cTn id="41" dur="500" fill="hold"/>
+                                        <p:tgtEl>
+                                          <p:spTgt spid="7">
+                                            <p:graphicEl>
+                                              <a:dgm id="{EC8BC9E1-40A9-42D7-AF81-4A9318C9A187}"/>
+                                            </p:graphicEl>
+                                          </p:spTgt>
+                                        </p:tgtEl>
+                                        <p:attrNameLst>
+                                          <p:attrName>ppt_y</p:attrName>
+                                        </p:attrNameLst>
+                                      </p:cBhvr>
+                                      <p:tavLst>
+                                        <p:tav tm="0">
+                                          <p:val>
+                                            <p:strVal val="#ppt_y"/>
+                                          </p:val>
+                                        </p:tav>
+                                        <p:tav tm="100000">
+                                          <p:val>
+                                            <p:strVal val="#ppt_y"/>
+                                          </p:val>
+                                        </p:tav>
+                                      </p:tavLst>
+                                    </p:anim>
+                                  </p:childTnLst>
+                                </p:cTn>
+                              </p:par>
+                              <p:par>
+                                <p:cTn id="42" presetID="2" presetClass="entr" presetSubtype="2" fill="hold" grpId="0" nodeType="withEffect">
+                                  <p:stCondLst>
+                                    <p:cond delay="0"/>
+                                  </p:stCondLst>
+                                  <p:childTnLst>
+                                    <p:set>
+                                      <p:cBhvr>
+                                        <p:cTn id="43" dur="1" fill="hold">
+                                          <p:stCondLst>
+                                            <p:cond delay="0"/>
+                                          </p:stCondLst>
+                                        </p:cTn>
+                                        <p:tgtEl>
+                                          <p:spTgt spid="7">
+                                            <p:graphicEl>
+                                              <a:dgm id="{36E70E7E-A0DE-4238-818B-BCFE9EE55D31}"/>
+                                            </p:graphicEl>
+                                          </p:spTgt>
+                                        </p:tgtEl>
+                                        <p:attrNameLst>
+                                          <p:attrName>style.visibility</p:attrName>
+                                        </p:attrNameLst>
+                                      </p:cBhvr>
+                                      <p:to>
+                                        <p:strVal val="visible"/>
+                                      </p:to>
+                                    </p:set>
+                                    <p:anim calcmode="lin" valueType="num">
+                                      <p:cBhvr additive="base">
+                                        <p:cTn id="44" dur="500" fill="hold"/>
+                                        <p:tgtEl>
+                                          <p:spTgt spid="7">
+                                            <p:graphicEl>
+                                              <a:dgm id="{36E70E7E-A0DE-4238-818B-BCFE9EE55D31}"/>
+                                            </p:graphicEl>
+                                          </p:spTgt>
+                                        </p:tgtEl>
+                                        <p:attrNameLst>
+                                          <p:attrName>ppt_x</p:attrName>
+                                        </p:attrNameLst>
+                                      </p:cBhvr>
+                                      <p:tavLst>
+                                        <p:tav tm="0">
+                                          <p:val>
+                                            <p:strVal val="1+#ppt_w/2"/>
+                                          </p:val>
+                                        </p:tav>
+                                        <p:tav tm="100000">
+                                          <p:val>
+                                            <p:strVal val="#ppt_x"/>
+                                          </p:val>
+                                        </p:tav>
+                                      </p:tavLst>
+                                    </p:anim>
+                                    <p:anim calcmode="lin" valueType="num">
+                                      <p:cBhvr additive="base">
+                                        <p:cTn id="45" dur="500" fill="hold"/>
+                                        <p:tgtEl>
+                                          <p:spTgt spid="7">
+                                            <p:graphicEl>
+                                              <a:dgm id="{36E70E7E-A0DE-4238-818B-BCFE9EE55D31}"/>
+                                            </p:graphicEl>
+                                          </p:spTgt>
+                                        </p:tgtEl>
+                                        <p:attrNameLst>
+                                          <p:attrName>ppt_y</p:attrName>
+                                        </p:attrNameLst>
+                                      </p:cBhvr>
+                                      <p:tavLst>
+                                        <p:tav tm="0">
+                                          <p:val>
+                                            <p:strVal val="#ppt_y"/>
+                                          </p:val>
+                                        </p:tav>
+                                        <p:tav tm="100000">
+                                          <p:val>
+                                            <p:strVal val="#ppt_y"/>
+                                          </p:val>
+                                        </p:tav>
+                                      </p:tavLst>
+                                    </p:anim>
+                                  </p:childTnLst>
+                                </p:cTn>
+                              </p:par>
+                            </p:childTnLst>
+                          </p:cTn>
+                        </p:par>
+                      </p:childTnLst>
+                    </p:cTn>
+                  </p:par>
+                </p:childTnLst>
+              </p:cTn>
+              <p:prevCondLst>
+                <p:cond evt="onPrev" delay="0">
+                  <p:tgtEl>
+                    <p:sldTgt/>
+                  </p:tgtEl>
+                </p:cond>
+              </p:prevCondLst>
+              <p:nextCondLst>
+                <p:cond evt="onNext" delay="0">
+                  <p:tgtEl>
+                    <p:sldTgt/>
+                  </p:tgtEl>
+                </p:cond>
+              </p:nextCondLst>
+            </p:seq>
+          </p:childTnLst>
+        </p:cTn>
+      </p:par>
+    </p:tnLst>
+    <p:bldLst>
+      <p:bldP spid="2" grpId="0"/>
+      <p:bldGraphic spid="7" grpId="0" uiExpand="1">
+        <p:bldSub>
+          <a:bldDgm bld="one"/>
+        </p:bldSub>
+      </p:bldGraphic>
+    </p:bldLst>
+  </p:timing>
 </p:sld>
 </file>
 
-<file path=ppt/slides/slide6.xml><?xml version="1.0" encoding="utf-8"?>
+<file path=ppt/slides/slide7.xml><?xml version="1.0" encoding="utf-8"?>
 <p:sld xmlns:a="http://schemas.openxmlformats.org/drawingml/2006/main" xmlns:r="http://schemas.openxmlformats.org/officeDocument/2006/relationships" xmlns:p="http://schemas.openxmlformats.org/presentationml/2006/main">
   <p:cSld>
+    <p:bg>
+      <p:bgPr>
+        <a:solidFill>
+          <a:schemeClr val="bg1"/>
+        </a:solidFill>
+        <a:effectLst/>
+      </p:bgPr>
+    </p:bg>
     <p:spTree>
       <p:nvGrpSpPr>
         <p:cNvPr id="1" name=""/>
@@ -7327,6 +13520,181 @@
           <a:chExt cx="0" cy="0"/>
         </a:xfrm>
       </p:grpSpPr>
+      <p:sp useBgFill="1">
+        <p:nvSpPr>
+          <p:cNvPr id="24" name="Rectangle 23">
+            <a:extLst>
+              <a:ext uri="{FF2B5EF4-FFF2-40B4-BE49-F238E27FC236}">
+                <a16:creationId xmlns:a16="http://schemas.microsoft.com/office/drawing/2014/main" id="{9AA72BD9-2C5A-4EDC-931F-5AA08EACA0F3}"/>
+              </a:ext>
+              <a:ext uri="{C183D7F6-B498-43B3-948B-1728B52AA6E4}">
+                <adec:decorative xmlns:adec="http://schemas.microsoft.com/office/drawing/2017/decorative" val="1"/>
+              </a:ext>
+            </a:extLst>
+          </p:cNvPr>
+          <p:cNvSpPr>
+            <a:spLocks noChangeAspect="1"/>
+          </p:cNvSpPr>
+          <p:nvPr>
+            <p:extLst>
+              <p:ext uri="{386F3935-93C4-4BCD-93E2-E3B085C9AB24}">
+                <p16:designElem xmlns:p16="http://schemas.microsoft.com/office/powerpoint/2015/main" val="1"/>
+              </p:ext>
+            </p:extLst>
+          </p:nvPr>
+        </p:nvSpPr>
+        <p:spPr>
+          <a:xfrm>
+            <a:off x="0" y="0"/>
+            <a:ext cx="12192000" cy="6858000"/>
+          </a:xfrm>
+          <a:prstGeom prst="rect">
+            <a:avLst/>
+          </a:prstGeom>
+          <a:ln>
+            <a:noFill/>
+          </a:ln>
+        </p:spPr>
+        <p:style>
+          <a:lnRef idx="2">
+            <a:schemeClr val="accent1">
+              <a:shade val="50000"/>
+            </a:schemeClr>
+          </a:lnRef>
+          <a:fillRef idx="1">
+            <a:schemeClr val="accent1"/>
+          </a:fillRef>
+          <a:effectRef idx="0">
+            <a:schemeClr val="accent1"/>
+          </a:effectRef>
+          <a:fontRef idx="minor">
+            <a:schemeClr val="lt1"/>
+          </a:fontRef>
+        </p:style>
+        <p:txBody>
+          <a:bodyPr rtlCol="0" anchor="ctr"/>
+          <a:lstStyle/>
+          <a:p>
+            <a:pPr algn="ctr"/>
+            <a:endParaRPr lang="en-US"/>
+          </a:p>
+        </p:txBody>
+      </p:sp>
+      <p:pic>
+        <p:nvPicPr>
+          <p:cNvPr id="19" name="Imagem 18" descr="Uma imagem contendo mesa, quarto&#10;&#10;Descrição gerada automaticamente">
+            <a:extLst>
+              <a:ext uri="{FF2B5EF4-FFF2-40B4-BE49-F238E27FC236}">
+                <a16:creationId xmlns:a16="http://schemas.microsoft.com/office/drawing/2014/main" id="{FF257042-A4A8-6D4A-BD1D-2E98AC18DF16}"/>
+              </a:ext>
+            </a:extLst>
+          </p:cNvPr>
+          <p:cNvPicPr>
+            <a:picLocks noChangeAspect="1"/>
+          </p:cNvPicPr>
+          <p:nvPr/>
+        </p:nvPicPr>
+        <p:blipFill rotWithShape="1">
+          <a:blip r:embed="rId2"/>
+          <a:srcRect l="5312" r="18377" b="3415"/>
+          <a:stretch/>
+        </p:blipFill>
+        <p:spPr>
+          <a:xfrm>
+            <a:off x="3522468" y="10"/>
+            <a:ext cx="8669532" cy="6857990"/>
+          </a:xfrm>
+          <a:prstGeom prst="rect">
+            <a:avLst/>
+          </a:prstGeom>
+        </p:spPr>
+      </p:pic>
+      <p:sp>
+        <p:nvSpPr>
+          <p:cNvPr id="26" name="Rectangle 25">
+            <a:extLst>
+              <a:ext uri="{FF2B5EF4-FFF2-40B4-BE49-F238E27FC236}">
+                <a16:creationId xmlns:a16="http://schemas.microsoft.com/office/drawing/2014/main" id="{DD3981AC-7B61-4947-BCF3-F7AA7FA385B9}"/>
+              </a:ext>
+              <a:ext uri="{C183D7F6-B498-43B3-948B-1728B52AA6E4}">
+                <adec:decorative xmlns:adec="http://schemas.microsoft.com/office/drawing/2017/decorative" val="1"/>
+              </a:ext>
+            </a:extLst>
+          </p:cNvPr>
+          <p:cNvSpPr>
+            <a:spLocks noChangeAspect="1"/>
+          </p:cNvSpPr>
+          <p:nvPr>
+            <p:extLst>
+              <p:ext uri="{386F3935-93C4-4BCD-93E2-E3B085C9AB24}">
+                <p16:designElem xmlns:p16="http://schemas.microsoft.com/office/powerpoint/2015/main" val="1"/>
+              </p:ext>
+            </p:extLst>
+          </p:nvPr>
+        </p:nvSpPr>
+        <p:spPr>
+          <a:xfrm>
+            <a:off x="2" y="0"/>
+            <a:ext cx="9756601" cy="6858000"/>
+          </a:xfrm>
+          <a:prstGeom prst="rect">
+            <a:avLst/>
+          </a:prstGeom>
+          <a:gradFill>
+            <a:gsLst>
+              <a:gs pos="58000">
+                <a:schemeClr val="bg1"/>
+              </a:gs>
+              <a:gs pos="35000">
+                <a:schemeClr val="bg1">
+                  <a:alpha val="78000"/>
+                </a:schemeClr>
+              </a:gs>
+              <a:gs pos="19000">
+                <a:schemeClr val="bg1">
+                  <a:alpha val="38000"/>
+                </a:schemeClr>
+              </a:gs>
+              <a:gs pos="0">
+                <a:schemeClr val="bg1">
+                  <a:alpha val="0"/>
+                </a:schemeClr>
+              </a:gs>
+              <a:gs pos="100000">
+                <a:schemeClr val="bg1"/>
+              </a:gs>
+            </a:gsLst>
+            <a:lin ang="10800000" scaled="0"/>
+          </a:gradFill>
+          <a:ln>
+            <a:noFill/>
+          </a:ln>
+        </p:spPr>
+        <p:style>
+          <a:lnRef idx="2">
+            <a:schemeClr val="accent1">
+              <a:shade val="50000"/>
+            </a:schemeClr>
+          </a:lnRef>
+          <a:fillRef idx="1">
+            <a:schemeClr val="accent1"/>
+          </a:fillRef>
+          <a:effectRef idx="0">
+            <a:schemeClr val="accent1"/>
+          </a:effectRef>
+          <a:fontRef idx="minor">
+            <a:schemeClr val="lt1"/>
+          </a:fontRef>
+        </p:style>
+        <p:txBody>
+          <a:bodyPr rtlCol="0" anchor="ctr"/>
+          <a:lstStyle/>
+          <a:p>
+            <a:pPr algn="ctr"/>
+            <a:endParaRPr lang="en-US" dirty="0"/>
+          </a:p>
+        </p:txBody>
+      </p:sp>
       <p:sp>
         <p:nvSpPr>
           <p:cNvPr id="2" name="Título 1">
@@ -7343,13 +13711,22 @@
             <p:ph type="title"/>
           </p:nvPr>
         </p:nvSpPr>
-        <p:spPr/>
+        <p:spPr>
+          <a:xfrm>
+            <a:off x="371094" y="1161288"/>
+            <a:ext cx="4227538" cy="1124712"/>
+          </a:xfrm>
+        </p:spPr>
         <p:txBody>
-          <a:bodyPr/>
+          <a:bodyPr anchor="b">
+            <a:normAutofit/>
+          </a:bodyPr>
           <a:lstStyle/>
           <a:p>
             <a:r>
-              <a:rPr lang="pt-BR" dirty="0"/>
+              <a:rPr lang="pt-BR" sz="2800" dirty="0">
+                <a:latin typeface="Abadi" panose="020B0604020104020204" pitchFamily="34" charset="0"/>
+              </a:rPr>
               <a:t>Maior superação</a:t>
             </a:r>
           </a:p>
@@ -7357,10 +13734,171 @@
       </p:sp>
       <p:sp>
         <p:nvSpPr>
-          <p:cNvPr id="3" name="Espaço Reservado para Conteúdo 2">
+          <p:cNvPr id="28" name="Rectangle 27">
             <a:extLst>
               <a:ext uri="{FF2B5EF4-FFF2-40B4-BE49-F238E27FC236}">
-                <a16:creationId xmlns:a16="http://schemas.microsoft.com/office/drawing/2014/main" id="{CCD7451A-7948-D693-F4F8-63A2E3329224}"/>
+                <a16:creationId xmlns:a16="http://schemas.microsoft.com/office/drawing/2014/main" id="{55D4142C-5077-457F-A6AD-3FECFDB39685}"/>
+              </a:ext>
+              <a:ext uri="{C183D7F6-B498-43B3-948B-1728B52AA6E4}">
+                <adec:decorative xmlns:adec="http://schemas.microsoft.com/office/drawing/2017/decorative" val="1"/>
+              </a:ext>
+            </a:extLst>
+          </p:cNvPr>
+          <p:cNvSpPr>
+            <a:spLocks noChangeAspect="1"/>
+          </p:cNvSpPr>
+          <p:nvPr>
+            <p:extLst>
+              <p:ext uri="{386F3935-93C4-4BCD-93E2-E3B085C9AB24}">
+                <p16:designElem xmlns:p16="http://schemas.microsoft.com/office/powerpoint/2015/main" val="1"/>
+              </p:ext>
+            </p:extLst>
+          </p:nvPr>
+        </p:nvSpPr>
+        <p:spPr>
+          <a:xfrm rot="5400000">
+            <a:off x="848209" y="480719"/>
+            <a:ext cx="45719" cy="885652"/>
+          </a:xfrm>
+          <a:prstGeom prst="rect">
+            <a:avLst/>
+          </a:prstGeom>
+          <a:solidFill>
+            <a:srgbClr val="FFA3D3"/>
+          </a:solidFill>
+          <a:ln>
+            <a:noFill/>
+          </a:ln>
+        </p:spPr>
+        <p:style>
+          <a:lnRef idx="2">
+            <a:schemeClr val="accent1">
+              <a:shade val="50000"/>
+            </a:schemeClr>
+          </a:lnRef>
+          <a:fillRef idx="1">
+            <a:schemeClr val="accent1"/>
+          </a:fillRef>
+          <a:effectRef idx="0">
+            <a:schemeClr val="accent1"/>
+          </a:effectRef>
+          <a:fontRef idx="minor">
+            <a:schemeClr val="lt1"/>
+          </a:fontRef>
+        </p:style>
+        <p:txBody>
+          <a:bodyPr rtlCol="0" anchor="ctr"/>
+          <a:lstStyle/>
+          <a:p>
+            <a:pPr algn="ctr"/>
+            <a:endParaRPr lang="en-US">
+              <a:solidFill>
+                <a:prstClr val="white"/>
+              </a:solidFill>
+              <a:latin typeface="Calibri" panose="020F0502020204030204"/>
+            </a:endParaRPr>
+          </a:p>
+        </p:txBody>
+      </p:sp>
+      <p:sp>
+        <p:nvSpPr>
+          <p:cNvPr id="30" name="Rectangle 29">
+            <a:extLst>
+              <a:ext uri="{FF2B5EF4-FFF2-40B4-BE49-F238E27FC236}">
+                <a16:creationId xmlns:a16="http://schemas.microsoft.com/office/drawing/2014/main" id="{7A5F0580-5EE9-419F-96EE-B6529EF6E7D0}"/>
+              </a:ext>
+              <a:ext uri="{C183D7F6-B498-43B3-948B-1728B52AA6E4}">
+                <adec:decorative xmlns:adec="http://schemas.microsoft.com/office/drawing/2017/decorative" val="1"/>
+              </a:ext>
+            </a:extLst>
+          </p:cNvPr>
+          <p:cNvSpPr>
+            <a:spLocks noChangeAspect="1"/>
+          </p:cNvSpPr>
+          <p:nvPr>
+            <p:extLst>
+              <p:ext uri="{386F3935-93C4-4BCD-93E2-E3B085C9AB24}">
+                <p16:designElem xmlns:p16="http://schemas.microsoft.com/office/powerpoint/2015/main" val="1"/>
+              </p:ext>
+            </p:extLst>
+          </p:nvPr>
+        </p:nvSpPr>
+        <p:spPr>
+          <a:xfrm>
+            <a:off x="428244" y="2443479"/>
+            <a:ext cx="4170388" cy="45719"/>
+          </a:xfrm>
+          <a:prstGeom prst="rect">
+            <a:avLst/>
+          </a:prstGeom>
+          <a:solidFill>
+            <a:srgbClr val="C00000"/>
+          </a:solidFill>
+          <a:ln w="3175">
+            <a:noFill/>
+          </a:ln>
+          <a:effectLst/>
+        </p:spPr>
+        <p:style>
+          <a:lnRef idx="2">
+            <a:schemeClr val="accent1">
+              <a:shade val="50000"/>
+            </a:schemeClr>
+          </a:lnRef>
+          <a:fillRef idx="1">
+            <a:schemeClr val="accent1"/>
+          </a:fillRef>
+          <a:effectRef idx="0">
+            <a:schemeClr val="accent1"/>
+          </a:effectRef>
+          <a:fontRef idx="minor">
+            <a:schemeClr val="lt1"/>
+          </a:fontRef>
+        </p:style>
+        <p:txBody>
+          <a:bodyPr rtlCol="0" anchor="ctr"/>
+          <a:lstStyle/>
+          <a:p>
+            <a:pPr marL="0" marR="0" lvl="0" indent="0" algn="ctr" defTabSz="914400" rtl="0" eaLnBrk="1" fontAlgn="auto" latinLnBrk="0" hangingPunct="1">
+              <a:lnSpc>
+                <a:spcPct val="100000"/>
+              </a:lnSpc>
+              <a:spcBef>
+                <a:spcPts val="0"/>
+              </a:spcBef>
+              <a:spcAft>
+                <a:spcPts val="0"/>
+              </a:spcAft>
+              <a:buClrTx/>
+              <a:buSzTx/>
+              <a:buFontTx/>
+              <a:buNone/>
+              <a:tabLst/>
+              <a:defRPr/>
+            </a:pPr>
+            <a:endParaRPr kumimoji="0" lang="en-US" sz="1800" b="0" i="0" u="none" strike="noStrike" kern="1200" cap="none" spc="0" normalizeH="0" baseline="0" noProof="0">
+              <a:ln>
+                <a:noFill/>
+              </a:ln>
+              <a:solidFill>
+                <a:prstClr val="white"/>
+              </a:solidFill>
+              <a:effectLst/>
+              <a:uLnTx/>
+              <a:uFillTx/>
+              <a:latin typeface="Calibri" panose="020F0502020204030204"/>
+              <a:ea typeface="+mn-ea"/>
+              <a:cs typeface="+mn-cs"/>
+            </a:endParaRPr>
+          </a:p>
+        </p:txBody>
+      </p:sp>
+      <p:sp>
+        <p:nvSpPr>
+          <p:cNvPr id="9" name="Espaço Reservado para Conteúdo 8">
+            <a:extLst>
+              <a:ext uri="{FF2B5EF4-FFF2-40B4-BE49-F238E27FC236}">
+                <a16:creationId xmlns:a16="http://schemas.microsoft.com/office/drawing/2014/main" id="{90845AB9-94BE-0E34-AD19-174B22DE8240}"/>
               </a:ext>
             </a:extLst>
           </p:cNvPr>
@@ -7371,15 +13909,99 @@
             <p:ph idx="1"/>
           </p:nvPr>
         </p:nvSpPr>
-        <p:spPr/>
+        <p:spPr>
+          <a:xfrm>
+            <a:off x="371093" y="2718054"/>
+            <a:ext cx="4173821" cy="3207258"/>
+          </a:xfrm>
+        </p:spPr>
         <p:txBody>
-          <a:bodyPr/>
+          <a:bodyPr anchor="t">
+            <a:normAutofit/>
+          </a:bodyPr>
           <a:lstStyle/>
           <a:p>
-            <a:endParaRPr lang="pt-BR" dirty="0"/>
+            <a:r>
+              <a:rPr lang="pt-BR" sz="1600" dirty="0">
+                <a:latin typeface="Abadi" panose="020B0604020104020204" pitchFamily="34" charset="0"/>
+              </a:rPr>
+              <a:t>Conseguir conectar a API com o banco de dados</a:t>
+            </a:r>
+          </a:p>
+          <a:p>
+            <a:r>
+              <a:rPr lang="pt-BR" sz="1600" dirty="0">
+                <a:latin typeface="Abadi" panose="020B0604020104020204" pitchFamily="34" charset="0"/>
+              </a:rPr>
+              <a:t>Reunir informações, imagens e itens no geral de qualidade</a:t>
+            </a:r>
+          </a:p>
+          <a:p>
+            <a:r>
+              <a:rPr lang="pt-BR" sz="1600" dirty="0">
+                <a:latin typeface="Abadi" panose="020B0604020104020204" pitchFamily="34" charset="0"/>
+              </a:rPr>
+              <a:t>Ver a evolução do código no geral</a:t>
+            </a:r>
           </a:p>
         </p:txBody>
       </p:sp>
+      <p:pic>
+        <p:nvPicPr>
+          <p:cNvPr id="5" name="Imagem 4" descr="Foto preta e branca da lua&#10;&#10;Descrição gerada automaticamente com confiança média">
+            <a:extLst>
+              <a:ext uri="{FF2B5EF4-FFF2-40B4-BE49-F238E27FC236}">
+                <a16:creationId xmlns:a16="http://schemas.microsoft.com/office/drawing/2014/main" id="{0F42C72A-4921-98A1-3283-999897564BB2}"/>
+              </a:ext>
+            </a:extLst>
+          </p:cNvPr>
+          <p:cNvPicPr>
+            <a:picLocks noChangeAspect="1"/>
+          </p:cNvPicPr>
+          <p:nvPr/>
+        </p:nvPicPr>
+        <p:blipFill>
+          <a:blip r:embed="rId3">
+            <a:clrChange>
+              <a:clrFrom>
+                <a:srgbClr val="FD9AD3"/>
+              </a:clrFrom>
+              <a:clrTo>
+                <a:srgbClr val="FD9AD3">
+                  <a:alpha val="0"/>
+                </a:srgbClr>
+              </a:clrTo>
+            </a:clrChange>
+            <a:duotone>
+              <a:schemeClr val="accent3">
+                <a:shade val="45000"/>
+                <a:satMod val="135000"/>
+              </a:schemeClr>
+              <a:prstClr val="white"/>
+            </a:duotone>
+            <a:alphaModFix amt="35000"/>
+          </a:blip>
+          <a:stretch>
+            <a:fillRect/>
+          </a:stretch>
+        </p:blipFill>
+        <p:spPr>
+          <a:xfrm>
+            <a:off x="11353800" y="6176963"/>
+            <a:ext cx="451561" cy="451561"/>
+          </a:xfrm>
+          <a:prstGeom prst="rect">
+            <a:avLst/>
+          </a:prstGeom>
+          <a:effectLst>
+            <a:outerShdw blurRad="63500" sx="102000" sy="102000" algn="ctr" rotWithShape="0">
+              <a:prstClr val="black">
+                <a:alpha val="40000"/>
+              </a:prstClr>
+            </a:outerShdw>
+          </a:effectLst>
+        </p:spPr>
+      </p:pic>
     </p:spTree>
     <p:extLst>
       <p:ext uri="{BB962C8B-B14F-4D97-AF65-F5344CB8AC3E}">
@@ -7388,8 +14010,920 @@
     </p:extLst>
   </p:cSld>
   <p:clrMapOvr>
-    <a:masterClrMapping/>
+    <a:overrideClrMapping bg1="dk1" tx1="lt1" bg2="dk2" tx2="lt2" accent1="accent1" accent2="accent2" accent3="accent3" accent4="accent4" accent5="accent5" accent6="accent6" hlink="hlink" folHlink="folHlink"/>
   </p:clrMapOvr>
+  <mc:AlternateContent xmlns:mc="http://schemas.openxmlformats.org/markup-compatibility/2006">
+    <mc:Choice xmlns:p159="http://schemas.microsoft.com/office/powerpoint/2015/09/main" Requires="p159">
+      <p:transition xmlns:p14="http://schemas.microsoft.com/office/powerpoint/2010/main" spd="slow" p14:dur="2000">
+        <p159:morph option="byObject"/>
+      </p:transition>
+    </mc:Choice>
+    <mc:Fallback>
+      <p:transition spd="slow">
+        <p:fade/>
+      </p:transition>
+    </mc:Fallback>
+  </mc:AlternateContent>
+  <p:timing>
+    <p:tnLst>
+      <p:par>
+        <p:cTn id="1" dur="indefinite" restart="never" nodeType="tmRoot">
+          <p:childTnLst>
+            <p:seq concurrent="1" nextAc="seek">
+              <p:cTn id="2" dur="indefinite" nodeType="mainSeq">
+                <p:childTnLst>
+                  <p:par>
+                    <p:cTn id="3" fill="hold">
+                      <p:stCondLst>
+                        <p:cond delay="indefinite"/>
+                        <p:cond evt="onBegin" delay="0">
+                          <p:tn val="2"/>
+                        </p:cond>
+                      </p:stCondLst>
+                      <p:childTnLst>
+                        <p:par>
+                          <p:cTn id="4" fill="hold">
+                            <p:stCondLst>
+                              <p:cond delay="0"/>
+                            </p:stCondLst>
+                            <p:childTnLst>
+                              <p:par>
+                                <p:cTn id="5" presetID="10" presetClass="entr" presetSubtype="0" fill="hold" nodeType="afterEffect">
+                                  <p:stCondLst>
+                                    <p:cond delay="0"/>
+                                  </p:stCondLst>
+                                  <p:childTnLst>
+                                    <p:set>
+                                      <p:cBhvr>
+                                        <p:cTn id="6" dur="1" fill="hold">
+                                          <p:stCondLst>
+                                            <p:cond delay="0"/>
+                                          </p:stCondLst>
+                                        </p:cTn>
+                                        <p:tgtEl>
+                                          <p:spTgt spid="19"/>
+                                        </p:tgtEl>
+                                        <p:attrNameLst>
+                                          <p:attrName>style.visibility</p:attrName>
+                                        </p:attrNameLst>
+                                      </p:cBhvr>
+                                      <p:to>
+                                        <p:strVal val="visible"/>
+                                      </p:to>
+                                    </p:set>
+                                    <p:animEffect transition="in" filter="fade">
+                                      <p:cBhvr>
+                                        <p:cTn id="7" dur="500"/>
+                                        <p:tgtEl>
+                                          <p:spTgt spid="19"/>
+                                        </p:tgtEl>
+                                      </p:cBhvr>
+                                    </p:animEffect>
+                                  </p:childTnLst>
+                                </p:cTn>
+                              </p:par>
+                            </p:childTnLst>
+                          </p:cTn>
+                        </p:par>
+                        <p:par>
+                          <p:cTn id="8" fill="hold">
+                            <p:stCondLst>
+                              <p:cond delay="500"/>
+                            </p:stCondLst>
+                            <p:childTnLst>
+                              <p:par>
+                                <p:cTn id="9" presetID="10" presetClass="entr" presetSubtype="0" fill="hold" grpId="0" nodeType="afterEffect">
+                                  <p:stCondLst>
+                                    <p:cond delay="0"/>
+                                  </p:stCondLst>
+                                  <p:childTnLst>
+                                    <p:set>
+                                      <p:cBhvr>
+                                        <p:cTn id="10" dur="1" fill="hold">
+                                          <p:stCondLst>
+                                            <p:cond delay="0"/>
+                                          </p:stCondLst>
+                                        </p:cTn>
+                                        <p:tgtEl>
+                                          <p:spTgt spid="2"/>
+                                        </p:tgtEl>
+                                        <p:attrNameLst>
+                                          <p:attrName>style.visibility</p:attrName>
+                                        </p:attrNameLst>
+                                      </p:cBhvr>
+                                      <p:to>
+                                        <p:strVal val="visible"/>
+                                      </p:to>
+                                    </p:set>
+                                    <p:animEffect transition="in" filter="fade">
+                                      <p:cBhvr>
+                                        <p:cTn id="11" dur="500"/>
+                                        <p:tgtEl>
+                                          <p:spTgt spid="2"/>
+                                        </p:tgtEl>
+                                      </p:cBhvr>
+                                    </p:animEffect>
+                                  </p:childTnLst>
+                                </p:cTn>
+                              </p:par>
+                            </p:childTnLst>
+                          </p:cTn>
+                        </p:par>
+                        <p:par>
+                          <p:cTn id="12" fill="hold">
+                            <p:stCondLst>
+                              <p:cond delay="1000"/>
+                            </p:stCondLst>
+                            <p:childTnLst>
+                              <p:par>
+                                <p:cTn id="13" presetID="2" presetClass="entr" presetSubtype="8" fill="hold" grpId="0" nodeType="afterEffect">
+                                  <p:stCondLst>
+                                    <p:cond delay="0"/>
+                                  </p:stCondLst>
+                                  <p:childTnLst>
+                                    <p:set>
+                                      <p:cBhvr>
+                                        <p:cTn id="14" dur="1" fill="hold">
+                                          <p:stCondLst>
+                                            <p:cond delay="0"/>
+                                          </p:stCondLst>
+                                        </p:cTn>
+                                        <p:tgtEl>
+                                          <p:spTgt spid="9">
+                                            <p:txEl>
+                                              <p:pRg st="0" end="0"/>
+                                            </p:txEl>
+                                          </p:spTgt>
+                                        </p:tgtEl>
+                                        <p:attrNameLst>
+                                          <p:attrName>style.visibility</p:attrName>
+                                        </p:attrNameLst>
+                                      </p:cBhvr>
+                                      <p:to>
+                                        <p:strVal val="visible"/>
+                                      </p:to>
+                                    </p:set>
+                                    <p:anim calcmode="lin" valueType="num">
+                                      <p:cBhvr additive="base">
+                                        <p:cTn id="15" dur="500" fill="hold"/>
+                                        <p:tgtEl>
+                                          <p:spTgt spid="9">
+                                            <p:txEl>
+                                              <p:pRg st="0" end="0"/>
+                                            </p:txEl>
+                                          </p:spTgt>
+                                        </p:tgtEl>
+                                        <p:attrNameLst>
+                                          <p:attrName>ppt_x</p:attrName>
+                                        </p:attrNameLst>
+                                      </p:cBhvr>
+                                      <p:tavLst>
+                                        <p:tav tm="0">
+                                          <p:val>
+                                            <p:strVal val="0-#ppt_w/2"/>
+                                          </p:val>
+                                        </p:tav>
+                                        <p:tav tm="100000">
+                                          <p:val>
+                                            <p:strVal val="#ppt_x"/>
+                                          </p:val>
+                                        </p:tav>
+                                      </p:tavLst>
+                                    </p:anim>
+                                    <p:anim calcmode="lin" valueType="num">
+                                      <p:cBhvr additive="base">
+                                        <p:cTn id="16" dur="500" fill="hold"/>
+                                        <p:tgtEl>
+                                          <p:spTgt spid="9">
+                                            <p:txEl>
+                                              <p:pRg st="0" end="0"/>
+                                            </p:txEl>
+                                          </p:spTgt>
+                                        </p:tgtEl>
+                                        <p:attrNameLst>
+                                          <p:attrName>ppt_y</p:attrName>
+                                        </p:attrNameLst>
+                                      </p:cBhvr>
+                                      <p:tavLst>
+                                        <p:tav tm="0">
+                                          <p:val>
+                                            <p:strVal val="#ppt_y"/>
+                                          </p:val>
+                                        </p:tav>
+                                        <p:tav tm="100000">
+                                          <p:val>
+                                            <p:strVal val="#ppt_y"/>
+                                          </p:val>
+                                        </p:tav>
+                                      </p:tavLst>
+                                    </p:anim>
+                                  </p:childTnLst>
+                                </p:cTn>
+                              </p:par>
+                            </p:childTnLst>
+                          </p:cTn>
+                        </p:par>
+                        <p:par>
+                          <p:cTn id="17" fill="hold">
+                            <p:stCondLst>
+                              <p:cond delay="1500"/>
+                            </p:stCondLst>
+                            <p:childTnLst>
+                              <p:par>
+                                <p:cTn id="18" presetID="2" presetClass="entr" presetSubtype="8" fill="hold" grpId="0" nodeType="afterEffect">
+                                  <p:stCondLst>
+                                    <p:cond delay="0"/>
+                                  </p:stCondLst>
+                                  <p:childTnLst>
+                                    <p:set>
+                                      <p:cBhvr>
+                                        <p:cTn id="19" dur="1" fill="hold">
+                                          <p:stCondLst>
+                                            <p:cond delay="0"/>
+                                          </p:stCondLst>
+                                        </p:cTn>
+                                        <p:tgtEl>
+                                          <p:spTgt spid="9">
+                                            <p:txEl>
+                                              <p:pRg st="1" end="1"/>
+                                            </p:txEl>
+                                          </p:spTgt>
+                                        </p:tgtEl>
+                                        <p:attrNameLst>
+                                          <p:attrName>style.visibility</p:attrName>
+                                        </p:attrNameLst>
+                                      </p:cBhvr>
+                                      <p:to>
+                                        <p:strVal val="visible"/>
+                                      </p:to>
+                                    </p:set>
+                                    <p:anim calcmode="lin" valueType="num">
+                                      <p:cBhvr additive="base">
+                                        <p:cTn id="20" dur="500" fill="hold"/>
+                                        <p:tgtEl>
+                                          <p:spTgt spid="9">
+                                            <p:txEl>
+                                              <p:pRg st="1" end="1"/>
+                                            </p:txEl>
+                                          </p:spTgt>
+                                        </p:tgtEl>
+                                        <p:attrNameLst>
+                                          <p:attrName>ppt_x</p:attrName>
+                                        </p:attrNameLst>
+                                      </p:cBhvr>
+                                      <p:tavLst>
+                                        <p:tav tm="0">
+                                          <p:val>
+                                            <p:strVal val="0-#ppt_w/2"/>
+                                          </p:val>
+                                        </p:tav>
+                                        <p:tav tm="100000">
+                                          <p:val>
+                                            <p:strVal val="#ppt_x"/>
+                                          </p:val>
+                                        </p:tav>
+                                      </p:tavLst>
+                                    </p:anim>
+                                    <p:anim calcmode="lin" valueType="num">
+                                      <p:cBhvr additive="base">
+                                        <p:cTn id="21" dur="500" fill="hold"/>
+                                        <p:tgtEl>
+                                          <p:spTgt spid="9">
+                                            <p:txEl>
+                                              <p:pRg st="1" end="1"/>
+                                            </p:txEl>
+                                          </p:spTgt>
+                                        </p:tgtEl>
+                                        <p:attrNameLst>
+                                          <p:attrName>ppt_y</p:attrName>
+                                        </p:attrNameLst>
+                                      </p:cBhvr>
+                                      <p:tavLst>
+                                        <p:tav tm="0">
+                                          <p:val>
+                                            <p:strVal val="#ppt_y"/>
+                                          </p:val>
+                                        </p:tav>
+                                        <p:tav tm="100000">
+                                          <p:val>
+                                            <p:strVal val="#ppt_y"/>
+                                          </p:val>
+                                        </p:tav>
+                                      </p:tavLst>
+                                    </p:anim>
+                                  </p:childTnLst>
+                                </p:cTn>
+                              </p:par>
+                            </p:childTnLst>
+                          </p:cTn>
+                        </p:par>
+                        <p:par>
+                          <p:cTn id="22" fill="hold">
+                            <p:stCondLst>
+                              <p:cond delay="2000"/>
+                            </p:stCondLst>
+                            <p:childTnLst>
+                              <p:par>
+                                <p:cTn id="23" presetID="2" presetClass="entr" presetSubtype="8" fill="hold" grpId="0" nodeType="afterEffect">
+                                  <p:stCondLst>
+                                    <p:cond delay="0"/>
+                                  </p:stCondLst>
+                                  <p:childTnLst>
+                                    <p:set>
+                                      <p:cBhvr>
+                                        <p:cTn id="24" dur="1" fill="hold">
+                                          <p:stCondLst>
+                                            <p:cond delay="0"/>
+                                          </p:stCondLst>
+                                        </p:cTn>
+                                        <p:tgtEl>
+                                          <p:spTgt spid="9">
+                                            <p:txEl>
+                                              <p:pRg st="2" end="2"/>
+                                            </p:txEl>
+                                          </p:spTgt>
+                                        </p:tgtEl>
+                                        <p:attrNameLst>
+                                          <p:attrName>style.visibility</p:attrName>
+                                        </p:attrNameLst>
+                                      </p:cBhvr>
+                                      <p:to>
+                                        <p:strVal val="visible"/>
+                                      </p:to>
+                                    </p:set>
+                                    <p:anim calcmode="lin" valueType="num">
+                                      <p:cBhvr additive="base">
+                                        <p:cTn id="25" dur="500" fill="hold"/>
+                                        <p:tgtEl>
+                                          <p:spTgt spid="9">
+                                            <p:txEl>
+                                              <p:pRg st="2" end="2"/>
+                                            </p:txEl>
+                                          </p:spTgt>
+                                        </p:tgtEl>
+                                        <p:attrNameLst>
+                                          <p:attrName>ppt_x</p:attrName>
+                                        </p:attrNameLst>
+                                      </p:cBhvr>
+                                      <p:tavLst>
+                                        <p:tav tm="0">
+                                          <p:val>
+                                            <p:strVal val="0-#ppt_w/2"/>
+                                          </p:val>
+                                        </p:tav>
+                                        <p:tav tm="100000">
+                                          <p:val>
+                                            <p:strVal val="#ppt_x"/>
+                                          </p:val>
+                                        </p:tav>
+                                      </p:tavLst>
+                                    </p:anim>
+                                    <p:anim calcmode="lin" valueType="num">
+                                      <p:cBhvr additive="base">
+                                        <p:cTn id="26" dur="500" fill="hold"/>
+                                        <p:tgtEl>
+                                          <p:spTgt spid="9">
+                                            <p:txEl>
+                                              <p:pRg st="2" end="2"/>
+                                            </p:txEl>
+                                          </p:spTgt>
+                                        </p:tgtEl>
+                                        <p:attrNameLst>
+                                          <p:attrName>ppt_y</p:attrName>
+                                        </p:attrNameLst>
+                                      </p:cBhvr>
+                                      <p:tavLst>
+                                        <p:tav tm="0">
+                                          <p:val>
+                                            <p:strVal val="#ppt_y"/>
+                                          </p:val>
+                                        </p:tav>
+                                        <p:tav tm="100000">
+                                          <p:val>
+                                            <p:strVal val="#ppt_y"/>
+                                          </p:val>
+                                        </p:tav>
+                                      </p:tavLst>
+                                    </p:anim>
+                                  </p:childTnLst>
+                                </p:cTn>
+                              </p:par>
+                            </p:childTnLst>
+                          </p:cTn>
+                        </p:par>
+                      </p:childTnLst>
+                    </p:cTn>
+                  </p:par>
+                </p:childTnLst>
+              </p:cTn>
+              <p:prevCondLst>
+                <p:cond evt="onPrev" delay="0">
+                  <p:tgtEl>
+                    <p:sldTgt/>
+                  </p:tgtEl>
+                </p:cond>
+              </p:prevCondLst>
+              <p:nextCondLst>
+                <p:cond evt="onNext" delay="0">
+                  <p:tgtEl>
+                    <p:sldTgt/>
+                  </p:tgtEl>
+                </p:cond>
+              </p:nextCondLst>
+            </p:seq>
+          </p:childTnLst>
+        </p:cTn>
+      </p:par>
+    </p:tnLst>
+    <p:bldLst>
+      <p:bldP spid="2" grpId="0"/>
+      <p:bldP spid="9" grpId="0" build="p"/>
+    </p:bldLst>
+  </p:timing>
+</p:sld>
+</file>
+
+<file path=ppt/slides/slide8.xml><?xml version="1.0" encoding="utf-8"?>
+<p:sld xmlns:a="http://schemas.openxmlformats.org/drawingml/2006/main" xmlns:r="http://schemas.openxmlformats.org/officeDocument/2006/relationships" xmlns:p="http://schemas.openxmlformats.org/presentationml/2006/main">
+  <p:cSld>
+    <p:bg>
+      <p:bgPr>
+        <a:solidFill>
+          <a:schemeClr val="bg1"/>
+        </a:solidFill>
+        <a:effectLst/>
+      </p:bgPr>
+    </p:bg>
+    <p:spTree>
+      <p:nvGrpSpPr>
+        <p:cNvPr id="1" name=""/>
+        <p:cNvGrpSpPr/>
+        <p:nvPr/>
+      </p:nvGrpSpPr>
+      <p:grpSpPr>
+        <a:xfrm>
+          <a:off x="0" y="0"/>
+          <a:ext cx="0" cy="0"/>
+          <a:chOff x="0" y="0"/>
+          <a:chExt cx="0" cy="0"/>
+        </a:xfrm>
+      </p:grpSpPr>
+      <p:sp useBgFill="1">
+        <p:nvSpPr>
+          <p:cNvPr id="10" name="Rectangle 9">
+            <a:extLst>
+              <a:ext uri="{FF2B5EF4-FFF2-40B4-BE49-F238E27FC236}">
+                <a16:creationId xmlns:a16="http://schemas.microsoft.com/office/drawing/2014/main" id="{5A59F003-E00A-43F9-91DC-CC54E3B87466}"/>
+              </a:ext>
+              <a:ext uri="{C183D7F6-B498-43B3-948B-1728B52AA6E4}">
+                <adec:decorative xmlns:adec="http://schemas.microsoft.com/office/drawing/2017/decorative" val="1"/>
+              </a:ext>
+            </a:extLst>
+          </p:cNvPr>
+          <p:cNvSpPr>
+            <a:spLocks noChangeAspect="1"/>
+          </p:cNvSpPr>
+          <p:nvPr>
+            <p:extLst>
+              <p:ext uri="{386F3935-93C4-4BCD-93E2-E3B085C9AB24}">
+                <p16:designElem xmlns:p16="http://schemas.microsoft.com/office/powerpoint/2015/main" val="1"/>
+              </p:ext>
+            </p:extLst>
+          </p:nvPr>
+        </p:nvSpPr>
+        <p:spPr>
+          <a:xfrm>
+            <a:off x="0" y="0"/>
+            <a:ext cx="12192000" cy="6858000"/>
+          </a:xfrm>
+          <a:prstGeom prst="rect">
+            <a:avLst/>
+          </a:prstGeom>
+          <a:ln>
+            <a:noFill/>
+          </a:ln>
+        </p:spPr>
+        <p:style>
+          <a:lnRef idx="2">
+            <a:schemeClr val="accent1">
+              <a:shade val="50000"/>
+            </a:schemeClr>
+          </a:lnRef>
+          <a:fillRef idx="1">
+            <a:schemeClr val="accent1"/>
+          </a:fillRef>
+          <a:effectRef idx="0">
+            <a:schemeClr val="accent1"/>
+          </a:effectRef>
+          <a:fontRef idx="minor">
+            <a:schemeClr val="lt1"/>
+          </a:fontRef>
+        </p:style>
+        <p:txBody>
+          <a:bodyPr rtlCol="0" anchor="ctr"/>
+          <a:lstStyle/>
+          <a:p>
+            <a:pPr algn="ctr"/>
+            <a:endParaRPr lang="en-US"/>
+          </a:p>
+        </p:txBody>
+      </p:sp>
+      <p:pic>
+        <p:nvPicPr>
+          <p:cNvPr id="5" name="Imagem 4" descr="Cozinha com armários de madeira&#10;&#10;Descrição gerada automaticamente com confiança baixa">
+            <a:extLst>
+              <a:ext uri="{FF2B5EF4-FFF2-40B4-BE49-F238E27FC236}">
+                <a16:creationId xmlns:a16="http://schemas.microsoft.com/office/drawing/2014/main" id="{81F233EA-1804-E505-B8B5-00814AF2DC43}"/>
+              </a:ext>
+            </a:extLst>
+          </p:cNvPr>
+          <p:cNvPicPr>
+            <a:picLocks noGrp="1" noRot="1" noChangeAspect="1" noMove="1" noResize="1" noEditPoints="1" noAdjustHandles="1" noChangeArrowheads="1" noChangeShapeType="1" noCrop="1"/>
+          </p:cNvPicPr>
+          <p:nvPr/>
+        </p:nvPicPr>
+        <p:blipFill rotWithShape="1">
+          <a:blip r:embed="rId2"/>
+          <a:srcRect l="9091" t="9091"/>
+          <a:stretch/>
+        </p:blipFill>
+        <p:spPr>
+          <a:xfrm>
+            <a:off x="4" y="0"/>
+            <a:ext cx="12192000" cy="6858000"/>
+          </a:xfrm>
+          <a:prstGeom prst="rect">
+            <a:avLst/>
+          </a:prstGeom>
+        </p:spPr>
+      </p:pic>
+      <p:sp>
+        <p:nvSpPr>
+          <p:cNvPr id="12" name="Rectangle 11">
+            <a:extLst>
+              <a:ext uri="{FF2B5EF4-FFF2-40B4-BE49-F238E27FC236}">
+                <a16:creationId xmlns:a16="http://schemas.microsoft.com/office/drawing/2014/main" id="{D74A4382-E3AD-430A-9A1F-DFA3E0E77A7D}"/>
+              </a:ext>
+              <a:ext uri="{C183D7F6-B498-43B3-948B-1728B52AA6E4}">
+                <adec:decorative xmlns:adec="http://schemas.microsoft.com/office/drawing/2017/decorative" val="1"/>
+              </a:ext>
+            </a:extLst>
+          </p:cNvPr>
+          <p:cNvSpPr>
+            <a:spLocks noChangeAspect="1"/>
+          </p:cNvSpPr>
+          <p:nvPr>
+            <p:extLst>
+              <p:ext uri="{386F3935-93C4-4BCD-93E2-E3B085C9AB24}">
+                <p16:designElem xmlns:p16="http://schemas.microsoft.com/office/powerpoint/2015/main" val="1"/>
+              </p:ext>
+            </p:extLst>
+          </p:nvPr>
+        </p:nvSpPr>
+        <p:spPr>
+          <a:xfrm rot="16200000">
+            <a:off x="3799868" y="-1534136"/>
+            <a:ext cx="4592270" cy="12192001"/>
+          </a:xfrm>
+          <a:prstGeom prst="rect">
+            <a:avLst/>
+          </a:prstGeom>
+          <a:gradFill>
+            <a:gsLst>
+              <a:gs pos="35000">
+                <a:schemeClr val="bg1">
+                  <a:alpha val="46000"/>
+                </a:schemeClr>
+              </a:gs>
+              <a:gs pos="21000">
+                <a:schemeClr val="bg1">
+                  <a:alpha val="30000"/>
+                </a:schemeClr>
+              </a:gs>
+              <a:gs pos="0">
+                <a:schemeClr val="bg1">
+                  <a:alpha val="0"/>
+                </a:schemeClr>
+              </a:gs>
+              <a:gs pos="100000">
+                <a:schemeClr val="bg1">
+                  <a:alpha val="90000"/>
+                </a:schemeClr>
+              </a:gs>
+            </a:gsLst>
+            <a:lin ang="10800000" scaled="0"/>
+          </a:gradFill>
+          <a:ln>
+            <a:noFill/>
+          </a:ln>
+        </p:spPr>
+        <p:style>
+          <a:lnRef idx="2">
+            <a:schemeClr val="accent1">
+              <a:shade val="50000"/>
+            </a:schemeClr>
+          </a:lnRef>
+          <a:fillRef idx="1">
+            <a:schemeClr val="accent1"/>
+          </a:fillRef>
+          <a:effectRef idx="0">
+            <a:schemeClr val="accent1"/>
+          </a:effectRef>
+          <a:fontRef idx="minor">
+            <a:schemeClr val="lt1"/>
+          </a:fontRef>
+        </p:style>
+        <p:txBody>
+          <a:bodyPr rtlCol="0" anchor="ctr"/>
+          <a:lstStyle/>
+          <a:p>
+            <a:pPr algn="ctr"/>
+            <a:endParaRPr lang="en-US" dirty="0"/>
+          </a:p>
+        </p:txBody>
+      </p:sp>
+      <p:sp>
+        <p:nvSpPr>
+          <p:cNvPr id="2" name="Título 1">
+            <a:extLst>
+              <a:ext uri="{FF2B5EF4-FFF2-40B4-BE49-F238E27FC236}">
+                <a16:creationId xmlns:a16="http://schemas.microsoft.com/office/drawing/2014/main" id="{B702244B-789A-021B-6FF4-F09ACAC6C7EE}"/>
+              </a:ext>
+            </a:extLst>
+          </p:cNvPr>
+          <p:cNvSpPr>
+            <a:spLocks noGrp="1"/>
+          </p:cNvSpPr>
+          <p:nvPr>
+            <p:ph type="title"/>
+          </p:nvPr>
+        </p:nvSpPr>
+        <p:spPr>
+          <a:xfrm>
+            <a:off x="404553" y="4320988"/>
+            <a:ext cx="4436388" cy="1158540"/>
+          </a:xfrm>
+        </p:spPr>
+        <p:txBody>
+          <a:bodyPr vert="horz" lIns="91440" tIns="45720" rIns="91440" bIns="45720" rtlCol="0" anchor="b">
+            <a:normAutofit/>
+          </a:bodyPr>
+          <a:lstStyle/>
+          <a:p>
+            <a:r>
+              <a:rPr lang="en-US" sz="6600">
+                <a:solidFill>
+                  <a:schemeClr val="tx1">
+                    <a:lumMod val="85000"/>
+                  </a:schemeClr>
+                </a:solidFill>
+                <a:latin typeface="Abadi" panose="020B0604020104020204" pitchFamily="34" charset="0"/>
+              </a:rPr>
+              <a:t>Conclusão</a:t>
+            </a:r>
+            <a:endParaRPr lang="en-US" sz="6600" dirty="0">
+              <a:solidFill>
+                <a:schemeClr val="tx1">
+                  <a:lumMod val="85000"/>
+                </a:schemeClr>
+              </a:solidFill>
+              <a:latin typeface="Abadi" panose="020B0604020104020204" pitchFamily="34" charset="0"/>
+            </a:endParaRPr>
+          </a:p>
+        </p:txBody>
+      </p:sp>
+      <p:sp>
+        <p:nvSpPr>
+          <p:cNvPr id="14" name="Rectangle: Rounded Corners 13">
+            <a:extLst>
+              <a:ext uri="{FF2B5EF4-FFF2-40B4-BE49-F238E27FC236}">
+                <a16:creationId xmlns:a16="http://schemas.microsoft.com/office/drawing/2014/main" id="{79F40191-0F44-4FD1-82CC-ACB507C14BE6}"/>
+              </a:ext>
+              <a:ext uri="{C183D7F6-B498-43B3-948B-1728B52AA6E4}">
+                <adec:decorative xmlns:adec="http://schemas.microsoft.com/office/drawing/2017/decorative" val="1"/>
+              </a:ext>
+            </a:extLst>
+          </p:cNvPr>
+          <p:cNvSpPr>
+            <a:spLocks noChangeAspect="1"/>
+          </p:cNvSpPr>
+          <p:nvPr>
+            <p:extLst>
+              <p:ext uri="{386F3935-93C4-4BCD-93E2-E3B085C9AB24}">
+                <p16:designElem xmlns:p16="http://schemas.microsoft.com/office/powerpoint/2015/main" val="1"/>
+              </p:ext>
+            </p:extLst>
+          </p:nvPr>
+        </p:nvSpPr>
+        <p:spPr>
+          <a:xfrm>
+            <a:off x="502208" y="5353050"/>
+            <a:ext cx="4270159" cy="93775"/>
+          </a:xfrm>
+          <a:prstGeom prst="roundRect">
+            <a:avLst>
+              <a:gd name="adj" fmla="val 24535"/>
+            </a:avLst>
+          </a:prstGeom>
+          <a:solidFill>
+            <a:srgbClr val="2E4442"/>
+          </a:solidFill>
+          <a:ln>
+            <a:noFill/>
+          </a:ln>
+        </p:spPr>
+        <p:style>
+          <a:lnRef idx="2">
+            <a:schemeClr val="accent1">
+              <a:shade val="50000"/>
+            </a:schemeClr>
+          </a:lnRef>
+          <a:fillRef idx="1">
+            <a:schemeClr val="accent1"/>
+          </a:fillRef>
+          <a:effectRef idx="0">
+            <a:schemeClr val="accent1"/>
+          </a:effectRef>
+          <a:fontRef idx="minor">
+            <a:schemeClr val="lt1"/>
+          </a:fontRef>
+        </p:style>
+        <p:txBody>
+          <a:bodyPr rtlCol="0" anchor="ctr"/>
+          <a:lstStyle/>
+          <a:p>
+            <a:pPr algn="ctr"/>
+            <a:endParaRPr lang="en-US"/>
+          </a:p>
+        </p:txBody>
+      </p:sp>
+      <p:pic>
+        <p:nvPicPr>
+          <p:cNvPr id="3" name="Imagem 2" descr="Foto preta e branca da lua&#10;&#10;Descrição gerada automaticamente com confiança média">
+            <a:extLst>
+              <a:ext uri="{FF2B5EF4-FFF2-40B4-BE49-F238E27FC236}">
+                <a16:creationId xmlns:a16="http://schemas.microsoft.com/office/drawing/2014/main" id="{8D094F61-8603-1B96-7AD3-75B25FEFE60C}"/>
+              </a:ext>
+            </a:extLst>
+          </p:cNvPr>
+          <p:cNvPicPr>
+            <a:picLocks noChangeAspect="1"/>
+          </p:cNvPicPr>
+          <p:nvPr/>
+        </p:nvPicPr>
+        <p:blipFill>
+          <a:blip r:embed="rId3">
+            <a:clrChange>
+              <a:clrFrom>
+                <a:srgbClr val="FD9AD3"/>
+              </a:clrFrom>
+              <a:clrTo>
+                <a:srgbClr val="FD9AD3">
+                  <a:alpha val="0"/>
+                </a:srgbClr>
+              </a:clrTo>
+            </a:clrChange>
+            <a:duotone>
+              <a:schemeClr val="accent3">
+                <a:shade val="45000"/>
+                <a:satMod val="135000"/>
+              </a:schemeClr>
+              <a:prstClr val="white"/>
+            </a:duotone>
+            <a:alphaModFix amt="35000"/>
+          </a:blip>
+          <a:stretch>
+            <a:fillRect/>
+          </a:stretch>
+        </p:blipFill>
+        <p:spPr>
+          <a:xfrm>
+            <a:off x="11353800" y="6176963"/>
+            <a:ext cx="451561" cy="451561"/>
+          </a:xfrm>
+          <a:prstGeom prst="rect">
+            <a:avLst/>
+          </a:prstGeom>
+          <a:effectLst>
+            <a:outerShdw blurRad="63500" sx="102000" sy="102000" algn="ctr" rotWithShape="0">
+              <a:prstClr val="black">
+                <a:alpha val="40000"/>
+              </a:prstClr>
+            </a:outerShdw>
+          </a:effectLst>
+        </p:spPr>
+      </p:pic>
+    </p:spTree>
+    <p:extLst>
+      <p:ext uri="{BB962C8B-B14F-4D97-AF65-F5344CB8AC3E}">
+        <p14:creationId xmlns:p14="http://schemas.microsoft.com/office/powerpoint/2010/main" val="3214260480"/>
+      </p:ext>
+    </p:extLst>
+  </p:cSld>
+  <p:clrMapOvr>
+    <a:overrideClrMapping bg1="dk1" tx1="lt1" bg2="dk2" tx2="lt2" accent1="accent1" accent2="accent2" accent3="accent3" accent4="accent4" accent5="accent5" accent6="accent6" hlink="hlink" folHlink="folHlink"/>
+  </p:clrMapOvr>
+  <mc:AlternateContent xmlns:mc="http://schemas.openxmlformats.org/markup-compatibility/2006" xmlns:p159="http://schemas.microsoft.com/office/powerpoint/2015/09/main">
+    <mc:Choice Requires="p159">
+      <p:transition xmlns:p14="http://schemas.microsoft.com/office/powerpoint/2010/main" spd="slow" p14:dur="2000">
+        <p159:morph option="byObject"/>
+      </p:transition>
+    </mc:Choice>
+    <mc:Fallback xmlns="">
+      <p:transition spd="slow">
+        <p:fade/>
+      </p:transition>
+    </mc:Fallback>
+  </mc:AlternateContent>
+  <p:timing>
+    <p:tnLst>
+      <p:par>
+        <p:cTn id="1" dur="indefinite" restart="never" nodeType="tmRoot">
+          <p:childTnLst>
+            <p:seq concurrent="1" nextAc="seek">
+              <p:cTn id="2" dur="indefinite" nodeType="mainSeq">
+                <p:childTnLst>
+                  <p:par>
+                    <p:cTn id="3" fill="hold">
+                      <p:stCondLst>
+                        <p:cond delay="indefinite"/>
+                        <p:cond evt="onBegin" delay="0">
+                          <p:tn val="2"/>
+                        </p:cond>
+                      </p:stCondLst>
+                      <p:childTnLst>
+                        <p:par>
+                          <p:cTn id="4" fill="hold">
+                            <p:stCondLst>
+                              <p:cond delay="0"/>
+                            </p:stCondLst>
+                            <p:childTnLst>
+                              <p:par>
+                                <p:cTn id="5" presetID="22" presetClass="entr" presetSubtype="8" fill="hold" grpId="0" nodeType="afterEffect">
+                                  <p:stCondLst>
+                                    <p:cond delay="0"/>
+                                  </p:stCondLst>
+                                  <p:childTnLst>
+                                    <p:set>
+                                      <p:cBhvr>
+                                        <p:cTn id="6" dur="1" fill="hold">
+                                          <p:stCondLst>
+                                            <p:cond delay="0"/>
+                                          </p:stCondLst>
+                                        </p:cTn>
+                                        <p:tgtEl>
+                                          <p:spTgt spid="14"/>
+                                        </p:tgtEl>
+                                        <p:attrNameLst>
+                                          <p:attrName>style.visibility</p:attrName>
+                                        </p:attrNameLst>
+                                      </p:cBhvr>
+                                      <p:to>
+                                        <p:strVal val="visible"/>
+                                      </p:to>
+                                    </p:set>
+                                    <p:animEffect transition="in" filter="wipe(left)">
+                                      <p:cBhvr>
+                                        <p:cTn id="7" dur="1000"/>
+                                        <p:tgtEl>
+                                          <p:spTgt spid="14"/>
+                                        </p:tgtEl>
+                                      </p:cBhvr>
+                                    </p:animEffect>
+                                  </p:childTnLst>
+                                </p:cTn>
+                              </p:par>
+                            </p:childTnLst>
+                          </p:cTn>
+                        </p:par>
+                      </p:childTnLst>
+                    </p:cTn>
+                  </p:par>
+                </p:childTnLst>
+              </p:cTn>
+              <p:prevCondLst>
+                <p:cond evt="onPrev" delay="0">
+                  <p:tgtEl>
+                    <p:sldTgt/>
+                  </p:tgtEl>
+                </p:cond>
+              </p:prevCondLst>
+              <p:nextCondLst>
+                <p:cond evt="onNext" delay="0">
+                  <p:tgtEl>
+                    <p:sldTgt/>
+                  </p:tgtEl>
+                </p:cond>
+              </p:nextCondLst>
+            </p:seq>
+          </p:childTnLst>
+        </p:cTn>
+      </p:par>
+    </p:tnLst>
+    <p:bldLst>
+      <p:bldP spid="14" grpId="0" animBg="1"/>
+    </p:bldLst>
+  </p:timing>
 </p:sld>
 </file>
 
